--- a/SeesionSlides/MACHINE LEARNING Session 1.pptx
+++ b/SeesionSlides/MACHINE LEARNING Session 1.pptx
@@ -8,14 +8,24 @@
     <p:sldId id="256" r:id="rId2"/>
     <p:sldId id="257" r:id="rId3"/>
     <p:sldId id="258" r:id="rId4"/>
-    <p:sldId id="287" r:id="rId5"/>
-    <p:sldId id="259" r:id="rId6"/>
-    <p:sldId id="260" r:id="rId7"/>
-    <p:sldId id="261" r:id="rId8"/>
-    <p:sldId id="262" r:id="rId9"/>
-    <p:sldId id="263" r:id="rId10"/>
-    <p:sldId id="264" r:id="rId11"/>
-    <p:sldId id="265" r:id="rId12"/>
+    <p:sldId id="288" r:id="rId5"/>
+    <p:sldId id="287" r:id="rId6"/>
+    <p:sldId id="289" r:id="rId7"/>
+    <p:sldId id="290" r:id="rId8"/>
+    <p:sldId id="291" r:id="rId9"/>
+    <p:sldId id="292" r:id="rId10"/>
+    <p:sldId id="293" r:id="rId11"/>
+    <p:sldId id="294" r:id="rId12"/>
+    <p:sldId id="295" r:id="rId13"/>
+    <p:sldId id="296" r:id="rId14"/>
+    <p:sldId id="297" r:id="rId15"/>
+    <p:sldId id="298" r:id="rId16"/>
+    <p:sldId id="299" r:id="rId17"/>
+    <p:sldId id="300" r:id="rId18"/>
+    <p:sldId id="301" r:id="rId19"/>
+    <p:sldId id="302" r:id="rId20"/>
+    <p:sldId id="303" r:id="rId21"/>
+    <p:sldId id="304" r:id="rId22"/>
   </p:sldIdLst>
   <p:sldSz cx="12192000" cy="6858000"/>
   <p:notesSz cx="6858000" cy="9144000"/>
@@ -139,7 +149,7 @@
           <p:cNvPr id="2" name="Title 1">
             <a:extLst>
               <a:ext uri="{FF2B5EF4-FFF2-40B4-BE49-F238E27FC236}">
-                <a16:creationId xmlns:a16="http://schemas.microsoft.com/office/drawing/2014/main" id="{BDC9DCE0-AF66-BBCC-1541-674F4F3DEDC6}"/>
+                <a16:creationId xmlns:a16="http://schemas.microsoft.com/office/drawing/2014/main" id="{F7EF1B31-CB91-D25F-AA90-47FC7113A6F8}"/>
               </a:ext>
             </a:extLst>
           </p:cNvPr>
@@ -177,7 +187,7 @@
           <p:cNvPr id="3" name="Subtitle 2">
             <a:extLst>
               <a:ext uri="{FF2B5EF4-FFF2-40B4-BE49-F238E27FC236}">
-                <a16:creationId xmlns:a16="http://schemas.microsoft.com/office/drawing/2014/main" id="{16F655EA-14CC-04A0-1962-490A0BC60436}"/>
+                <a16:creationId xmlns:a16="http://schemas.microsoft.com/office/drawing/2014/main" id="{DF39691B-A3E2-817D-2B70-C6CA624A8F9F}"/>
               </a:ext>
             </a:extLst>
           </p:cNvPr>
@@ -248,7 +258,7 @@
           <p:cNvPr id="4" name="Date Placeholder 3">
             <a:extLst>
               <a:ext uri="{FF2B5EF4-FFF2-40B4-BE49-F238E27FC236}">
-                <a16:creationId xmlns:a16="http://schemas.microsoft.com/office/drawing/2014/main" id="{68F3872C-4614-2A58-DA2E-703E8B690006}"/>
+                <a16:creationId xmlns:a16="http://schemas.microsoft.com/office/drawing/2014/main" id="{720C745A-9A16-BC30-77E2-637F3CE7E381}"/>
               </a:ext>
             </a:extLst>
           </p:cNvPr>
@@ -264,9 +274,9 @@
           <a:bodyPr/>
           <a:lstStyle/>
           <a:p>
-            <a:fld id="{9439AAE6-4FE7-480D-BFEF-8AEFF48D5C17}" type="datetimeFigureOut">
+            <a:fld id="{F91BFC79-6DC8-4D52-9145-3805FB4D5873}" type="datetimeFigureOut">
               <a:rPr lang="en-IN" smtClean="0"/>
-              <a:t>08-05-2022</a:t>
+              <a:t>07-06-2022</a:t>
             </a:fld>
             <a:endParaRPr lang="en-IN"/>
           </a:p>
@@ -277,7 +287,7 @@
           <p:cNvPr id="5" name="Footer Placeholder 4">
             <a:extLst>
               <a:ext uri="{FF2B5EF4-FFF2-40B4-BE49-F238E27FC236}">
-                <a16:creationId xmlns:a16="http://schemas.microsoft.com/office/drawing/2014/main" id="{4332F301-4C4A-6D84-A2B1-AFE542A729F0}"/>
+                <a16:creationId xmlns:a16="http://schemas.microsoft.com/office/drawing/2014/main" id="{ADA9D620-54DD-5065-C0E4-03434CF12406}"/>
               </a:ext>
             </a:extLst>
           </p:cNvPr>
@@ -302,7 +312,7 @@
           <p:cNvPr id="6" name="Slide Number Placeholder 5">
             <a:extLst>
               <a:ext uri="{FF2B5EF4-FFF2-40B4-BE49-F238E27FC236}">
-                <a16:creationId xmlns:a16="http://schemas.microsoft.com/office/drawing/2014/main" id="{9C3E75CC-D727-8BCC-C4F3-29E2DAB10CCE}"/>
+                <a16:creationId xmlns:a16="http://schemas.microsoft.com/office/drawing/2014/main" id="{9F4356F9-1B3E-B604-B9CA-08594BD8568C}"/>
               </a:ext>
             </a:extLst>
           </p:cNvPr>
@@ -318,7 +328,7 @@
           <a:bodyPr/>
           <a:lstStyle/>
           <a:p>
-            <a:fld id="{48BD35DB-5832-495D-800E-4D7243E62646}" type="slidenum">
+            <a:fld id="{3C79BE77-5787-4723-B083-9E0A604951A1}" type="slidenum">
               <a:rPr lang="en-IN" smtClean="0"/>
               <a:t>‹#›</a:t>
             </a:fld>
@@ -329,7 +339,7 @@
     </p:spTree>
     <p:extLst>
       <p:ext uri="{BB962C8B-B14F-4D97-AF65-F5344CB8AC3E}">
-        <p14:creationId xmlns:p14="http://schemas.microsoft.com/office/powerpoint/2010/main" val="3611019818"/>
+        <p14:creationId xmlns:p14="http://schemas.microsoft.com/office/powerpoint/2010/main" val="2187637708"/>
       </p:ext>
     </p:extLst>
   </p:cSld>
@@ -361,7 +371,7 @@
           <p:cNvPr id="2" name="Title 1">
             <a:extLst>
               <a:ext uri="{FF2B5EF4-FFF2-40B4-BE49-F238E27FC236}">
-                <a16:creationId xmlns:a16="http://schemas.microsoft.com/office/drawing/2014/main" id="{D38A52C4-E3C3-5B31-9954-5AAAFB979436}"/>
+                <a16:creationId xmlns:a16="http://schemas.microsoft.com/office/drawing/2014/main" id="{531FA0DD-272C-3E35-4BBA-B2C96C562A6C}"/>
               </a:ext>
             </a:extLst>
           </p:cNvPr>
@@ -390,7 +400,7 @@
           <p:cNvPr id="3" name="Vertical Text Placeholder 2">
             <a:extLst>
               <a:ext uri="{FF2B5EF4-FFF2-40B4-BE49-F238E27FC236}">
-                <a16:creationId xmlns:a16="http://schemas.microsoft.com/office/drawing/2014/main" id="{D1B7A3C4-2AA9-DC9A-E59D-E53A5B663D2D}"/>
+                <a16:creationId xmlns:a16="http://schemas.microsoft.com/office/drawing/2014/main" id="{46E9D0C8-219E-1711-6705-D2630A5C558E}"/>
               </a:ext>
             </a:extLst>
           </p:cNvPr>
@@ -448,7 +458,7 @@
           <p:cNvPr id="4" name="Date Placeholder 3">
             <a:extLst>
               <a:ext uri="{FF2B5EF4-FFF2-40B4-BE49-F238E27FC236}">
-                <a16:creationId xmlns:a16="http://schemas.microsoft.com/office/drawing/2014/main" id="{F74868B5-C39D-55FF-D361-D55B2045CE66}"/>
+                <a16:creationId xmlns:a16="http://schemas.microsoft.com/office/drawing/2014/main" id="{DBCFB9F9-EFD3-483D-6D0E-F29E072CE751}"/>
               </a:ext>
             </a:extLst>
           </p:cNvPr>
@@ -464,9 +474,9 @@
           <a:bodyPr/>
           <a:lstStyle/>
           <a:p>
-            <a:fld id="{9439AAE6-4FE7-480D-BFEF-8AEFF48D5C17}" type="datetimeFigureOut">
+            <a:fld id="{F91BFC79-6DC8-4D52-9145-3805FB4D5873}" type="datetimeFigureOut">
               <a:rPr lang="en-IN" smtClean="0"/>
-              <a:t>08-05-2022</a:t>
+              <a:t>07-06-2022</a:t>
             </a:fld>
             <a:endParaRPr lang="en-IN"/>
           </a:p>
@@ -477,7 +487,7 @@
           <p:cNvPr id="5" name="Footer Placeholder 4">
             <a:extLst>
               <a:ext uri="{FF2B5EF4-FFF2-40B4-BE49-F238E27FC236}">
-                <a16:creationId xmlns:a16="http://schemas.microsoft.com/office/drawing/2014/main" id="{B36EEB73-4F3C-3583-020D-0426392B88B8}"/>
+                <a16:creationId xmlns:a16="http://schemas.microsoft.com/office/drawing/2014/main" id="{3A9C1355-8487-BFE4-BFA1-68F7F4833D93}"/>
               </a:ext>
             </a:extLst>
           </p:cNvPr>
@@ -502,7 +512,7 @@
           <p:cNvPr id="6" name="Slide Number Placeholder 5">
             <a:extLst>
               <a:ext uri="{FF2B5EF4-FFF2-40B4-BE49-F238E27FC236}">
-                <a16:creationId xmlns:a16="http://schemas.microsoft.com/office/drawing/2014/main" id="{7A98C790-3EFD-23B3-B3B7-5FF93FFB7CF2}"/>
+                <a16:creationId xmlns:a16="http://schemas.microsoft.com/office/drawing/2014/main" id="{4B8FD8EB-24FB-7F55-5C12-06F4F0BBBA1E}"/>
               </a:ext>
             </a:extLst>
           </p:cNvPr>
@@ -518,7 +528,7 @@
           <a:bodyPr/>
           <a:lstStyle/>
           <a:p>
-            <a:fld id="{48BD35DB-5832-495D-800E-4D7243E62646}" type="slidenum">
+            <a:fld id="{3C79BE77-5787-4723-B083-9E0A604951A1}" type="slidenum">
               <a:rPr lang="en-IN" smtClean="0"/>
               <a:t>‹#›</a:t>
             </a:fld>
@@ -529,7 +539,7 @@
     </p:spTree>
     <p:extLst>
       <p:ext uri="{BB962C8B-B14F-4D97-AF65-F5344CB8AC3E}">
-        <p14:creationId xmlns:p14="http://schemas.microsoft.com/office/powerpoint/2010/main" val="3185452418"/>
+        <p14:creationId xmlns:p14="http://schemas.microsoft.com/office/powerpoint/2010/main" val="2323684507"/>
       </p:ext>
     </p:extLst>
   </p:cSld>
@@ -561,7 +571,7 @@
           <p:cNvPr id="2" name="Vertical Title 1">
             <a:extLst>
               <a:ext uri="{FF2B5EF4-FFF2-40B4-BE49-F238E27FC236}">
-                <a16:creationId xmlns:a16="http://schemas.microsoft.com/office/drawing/2014/main" id="{24B304E3-A9D7-7A4B-2A6A-884167062736}"/>
+                <a16:creationId xmlns:a16="http://schemas.microsoft.com/office/drawing/2014/main" id="{C729D974-E0A7-4FC2-0988-6F1F43C049ED}"/>
               </a:ext>
             </a:extLst>
           </p:cNvPr>
@@ -595,7 +605,7 @@
           <p:cNvPr id="3" name="Vertical Text Placeholder 2">
             <a:extLst>
               <a:ext uri="{FF2B5EF4-FFF2-40B4-BE49-F238E27FC236}">
-                <a16:creationId xmlns:a16="http://schemas.microsoft.com/office/drawing/2014/main" id="{FE440235-AABB-94D2-74BE-D948952C982E}"/>
+                <a16:creationId xmlns:a16="http://schemas.microsoft.com/office/drawing/2014/main" id="{A2BFFF24-C96A-2120-C480-5F92A5501FD6}"/>
               </a:ext>
             </a:extLst>
           </p:cNvPr>
@@ -658,7 +668,7 @@
           <p:cNvPr id="4" name="Date Placeholder 3">
             <a:extLst>
               <a:ext uri="{FF2B5EF4-FFF2-40B4-BE49-F238E27FC236}">
-                <a16:creationId xmlns:a16="http://schemas.microsoft.com/office/drawing/2014/main" id="{E6672CBF-1CDE-03A2-2172-0BE6A2CE7BC9}"/>
+                <a16:creationId xmlns:a16="http://schemas.microsoft.com/office/drawing/2014/main" id="{323A06D3-BFD7-4047-1585-21BFA0375A44}"/>
               </a:ext>
             </a:extLst>
           </p:cNvPr>
@@ -674,9 +684,9 @@
           <a:bodyPr/>
           <a:lstStyle/>
           <a:p>
-            <a:fld id="{9439AAE6-4FE7-480D-BFEF-8AEFF48D5C17}" type="datetimeFigureOut">
+            <a:fld id="{F91BFC79-6DC8-4D52-9145-3805FB4D5873}" type="datetimeFigureOut">
               <a:rPr lang="en-IN" smtClean="0"/>
-              <a:t>08-05-2022</a:t>
+              <a:t>07-06-2022</a:t>
             </a:fld>
             <a:endParaRPr lang="en-IN"/>
           </a:p>
@@ -687,7 +697,7 @@
           <p:cNvPr id="5" name="Footer Placeholder 4">
             <a:extLst>
               <a:ext uri="{FF2B5EF4-FFF2-40B4-BE49-F238E27FC236}">
-                <a16:creationId xmlns:a16="http://schemas.microsoft.com/office/drawing/2014/main" id="{DC5D1DB9-52A5-5FD9-EA74-6047B7CA362F}"/>
+                <a16:creationId xmlns:a16="http://schemas.microsoft.com/office/drawing/2014/main" id="{3F386C5C-2185-6CB1-3C70-A33C54619E9D}"/>
               </a:ext>
             </a:extLst>
           </p:cNvPr>
@@ -712,7 +722,7 @@
           <p:cNvPr id="6" name="Slide Number Placeholder 5">
             <a:extLst>
               <a:ext uri="{FF2B5EF4-FFF2-40B4-BE49-F238E27FC236}">
-                <a16:creationId xmlns:a16="http://schemas.microsoft.com/office/drawing/2014/main" id="{5DF58319-DC69-E2ED-7F72-A69FF6ED857D}"/>
+                <a16:creationId xmlns:a16="http://schemas.microsoft.com/office/drawing/2014/main" id="{0F43B9B1-5CEA-272B-9BDF-61935CBCB815}"/>
               </a:ext>
             </a:extLst>
           </p:cNvPr>
@@ -728,7 +738,7 @@
           <a:bodyPr/>
           <a:lstStyle/>
           <a:p>
-            <a:fld id="{48BD35DB-5832-495D-800E-4D7243E62646}" type="slidenum">
+            <a:fld id="{3C79BE77-5787-4723-B083-9E0A604951A1}" type="slidenum">
               <a:rPr lang="en-IN" smtClean="0"/>
               <a:t>‹#›</a:t>
             </a:fld>
@@ -739,7 +749,7 @@
     </p:spTree>
     <p:extLst>
       <p:ext uri="{BB962C8B-B14F-4D97-AF65-F5344CB8AC3E}">
-        <p14:creationId xmlns:p14="http://schemas.microsoft.com/office/powerpoint/2010/main" val="169269463"/>
+        <p14:creationId xmlns:p14="http://schemas.microsoft.com/office/powerpoint/2010/main" val="430790148"/>
       </p:ext>
     </p:extLst>
   </p:cSld>
@@ -771,7 +781,7 @@
           <p:cNvPr id="2" name="Title 1">
             <a:extLst>
               <a:ext uri="{FF2B5EF4-FFF2-40B4-BE49-F238E27FC236}">
-                <a16:creationId xmlns:a16="http://schemas.microsoft.com/office/drawing/2014/main" id="{6A3A1541-BDFF-7D13-6FF5-F5C0E5DBCFAD}"/>
+                <a16:creationId xmlns:a16="http://schemas.microsoft.com/office/drawing/2014/main" id="{D943370D-B2C8-7E40-0557-57213C28D7D5}"/>
               </a:ext>
             </a:extLst>
           </p:cNvPr>
@@ -800,7 +810,7 @@
           <p:cNvPr id="3" name="Content Placeholder 2">
             <a:extLst>
               <a:ext uri="{FF2B5EF4-FFF2-40B4-BE49-F238E27FC236}">
-                <a16:creationId xmlns:a16="http://schemas.microsoft.com/office/drawing/2014/main" id="{92433B03-4F6D-28E9-C5F4-6841B9BF2E04}"/>
+                <a16:creationId xmlns:a16="http://schemas.microsoft.com/office/drawing/2014/main" id="{DFE82B00-3A7E-0BCA-4960-FA2583D73F8E}"/>
               </a:ext>
             </a:extLst>
           </p:cNvPr>
@@ -858,7 +868,7 @@
           <p:cNvPr id="4" name="Date Placeholder 3">
             <a:extLst>
               <a:ext uri="{FF2B5EF4-FFF2-40B4-BE49-F238E27FC236}">
-                <a16:creationId xmlns:a16="http://schemas.microsoft.com/office/drawing/2014/main" id="{2CD31F98-0F7B-575D-B919-B28430A185F0}"/>
+                <a16:creationId xmlns:a16="http://schemas.microsoft.com/office/drawing/2014/main" id="{5F88D97B-A63E-8476-64DF-CFE5227F3CEA}"/>
               </a:ext>
             </a:extLst>
           </p:cNvPr>
@@ -874,9 +884,9 @@
           <a:bodyPr/>
           <a:lstStyle/>
           <a:p>
-            <a:fld id="{9439AAE6-4FE7-480D-BFEF-8AEFF48D5C17}" type="datetimeFigureOut">
+            <a:fld id="{F91BFC79-6DC8-4D52-9145-3805FB4D5873}" type="datetimeFigureOut">
               <a:rPr lang="en-IN" smtClean="0"/>
-              <a:t>08-05-2022</a:t>
+              <a:t>07-06-2022</a:t>
             </a:fld>
             <a:endParaRPr lang="en-IN"/>
           </a:p>
@@ -887,7 +897,7 @@
           <p:cNvPr id="5" name="Footer Placeholder 4">
             <a:extLst>
               <a:ext uri="{FF2B5EF4-FFF2-40B4-BE49-F238E27FC236}">
-                <a16:creationId xmlns:a16="http://schemas.microsoft.com/office/drawing/2014/main" id="{87E8E2ED-FD81-57D9-C398-F5587C868877}"/>
+                <a16:creationId xmlns:a16="http://schemas.microsoft.com/office/drawing/2014/main" id="{F3A919DB-CC99-D6C1-AA9B-58425CA0ABA2}"/>
               </a:ext>
             </a:extLst>
           </p:cNvPr>
@@ -912,7 +922,7 @@
           <p:cNvPr id="6" name="Slide Number Placeholder 5">
             <a:extLst>
               <a:ext uri="{FF2B5EF4-FFF2-40B4-BE49-F238E27FC236}">
-                <a16:creationId xmlns:a16="http://schemas.microsoft.com/office/drawing/2014/main" id="{A0D3E4D9-3238-F3E5-67F7-555CD3F06B41}"/>
+                <a16:creationId xmlns:a16="http://schemas.microsoft.com/office/drawing/2014/main" id="{69A38557-A12A-7B69-4AEB-506AE3460756}"/>
               </a:ext>
             </a:extLst>
           </p:cNvPr>
@@ -928,7 +938,7 @@
           <a:bodyPr/>
           <a:lstStyle/>
           <a:p>
-            <a:fld id="{48BD35DB-5832-495D-800E-4D7243E62646}" type="slidenum">
+            <a:fld id="{3C79BE77-5787-4723-B083-9E0A604951A1}" type="slidenum">
               <a:rPr lang="en-IN" smtClean="0"/>
               <a:t>‹#›</a:t>
             </a:fld>
@@ -939,7 +949,7 @@
     </p:spTree>
     <p:extLst>
       <p:ext uri="{BB962C8B-B14F-4D97-AF65-F5344CB8AC3E}">
-        <p14:creationId xmlns:p14="http://schemas.microsoft.com/office/powerpoint/2010/main" val="904575519"/>
+        <p14:creationId xmlns:p14="http://schemas.microsoft.com/office/powerpoint/2010/main" val="468105844"/>
       </p:ext>
     </p:extLst>
   </p:cSld>
@@ -971,7 +981,7 @@
           <p:cNvPr id="2" name="Title 1">
             <a:extLst>
               <a:ext uri="{FF2B5EF4-FFF2-40B4-BE49-F238E27FC236}">
-                <a16:creationId xmlns:a16="http://schemas.microsoft.com/office/drawing/2014/main" id="{CA7AC7F8-C12E-9780-F5D6-59F64145CC73}"/>
+                <a16:creationId xmlns:a16="http://schemas.microsoft.com/office/drawing/2014/main" id="{9224E2E7-58B4-A31A-B87C-94A648D7114B}"/>
               </a:ext>
             </a:extLst>
           </p:cNvPr>
@@ -1009,7 +1019,7 @@
           <p:cNvPr id="3" name="Text Placeholder 2">
             <a:extLst>
               <a:ext uri="{FF2B5EF4-FFF2-40B4-BE49-F238E27FC236}">
-                <a16:creationId xmlns:a16="http://schemas.microsoft.com/office/drawing/2014/main" id="{5A4ECAAE-6D0B-2124-23B3-1CA7E9E8B9A4}"/>
+                <a16:creationId xmlns:a16="http://schemas.microsoft.com/office/drawing/2014/main" id="{47C5F7ED-362C-6F1A-C16C-53B330DDD507}"/>
               </a:ext>
             </a:extLst>
           </p:cNvPr>
@@ -1134,7 +1144,7 @@
           <p:cNvPr id="4" name="Date Placeholder 3">
             <a:extLst>
               <a:ext uri="{FF2B5EF4-FFF2-40B4-BE49-F238E27FC236}">
-                <a16:creationId xmlns:a16="http://schemas.microsoft.com/office/drawing/2014/main" id="{FB82228F-0047-6EAF-317E-42620BA90437}"/>
+                <a16:creationId xmlns:a16="http://schemas.microsoft.com/office/drawing/2014/main" id="{21943794-8485-B328-0AFB-2584CA83793F}"/>
               </a:ext>
             </a:extLst>
           </p:cNvPr>
@@ -1150,9 +1160,9 @@
           <a:bodyPr/>
           <a:lstStyle/>
           <a:p>
-            <a:fld id="{9439AAE6-4FE7-480D-BFEF-8AEFF48D5C17}" type="datetimeFigureOut">
+            <a:fld id="{F91BFC79-6DC8-4D52-9145-3805FB4D5873}" type="datetimeFigureOut">
               <a:rPr lang="en-IN" smtClean="0"/>
-              <a:t>08-05-2022</a:t>
+              <a:t>07-06-2022</a:t>
             </a:fld>
             <a:endParaRPr lang="en-IN"/>
           </a:p>
@@ -1163,7 +1173,7 @@
           <p:cNvPr id="5" name="Footer Placeholder 4">
             <a:extLst>
               <a:ext uri="{FF2B5EF4-FFF2-40B4-BE49-F238E27FC236}">
-                <a16:creationId xmlns:a16="http://schemas.microsoft.com/office/drawing/2014/main" id="{2FC15B46-6516-65D0-7362-1814D210DA05}"/>
+                <a16:creationId xmlns:a16="http://schemas.microsoft.com/office/drawing/2014/main" id="{879D30CA-E6D8-73EE-BC5D-9F49BB07A9AE}"/>
               </a:ext>
             </a:extLst>
           </p:cNvPr>
@@ -1188,7 +1198,7 @@
           <p:cNvPr id="6" name="Slide Number Placeholder 5">
             <a:extLst>
               <a:ext uri="{FF2B5EF4-FFF2-40B4-BE49-F238E27FC236}">
-                <a16:creationId xmlns:a16="http://schemas.microsoft.com/office/drawing/2014/main" id="{0809D9C9-8F2D-8F6F-6960-405302C16F39}"/>
+                <a16:creationId xmlns:a16="http://schemas.microsoft.com/office/drawing/2014/main" id="{EA222EB2-68A6-632D-86F7-3E6E8FF87957}"/>
               </a:ext>
             </a:extLst>
           </p:cNvPr>
@@ -1204,7 +1214,7 @@
           <a:bodyPr/>
           <a:lstStyle/>
           <a:p>
-            <a:fld id="{48BD35DB-5832-495D-800E-4D7243E62646}" type="slidenum">
+            <a:fld id="{3C79BE77-5787-4723-B083-9E0A604951A1}" type="slidenum">
               <a:rPr lang="en-IN" smtClean="0"/>
               <a:t>‹#›</a:t>
             </a:fld>
@@ -1215,7 +1225,7 @@
     </p:spTree>
     <p:extLst>
       <p:ext uri="{BB962C8B-B14F-4D97-AF65-F5344CB8AC3E}">
-        <p14:creationId xmlns:p14="http://schemas.microsoft.com/office/powerpoint/2010/main" val="2294845202"/>
+        <p14:creationId xmlns:p14="http://schemas.microsoft.com/office/powerpoint/2010/main" val="2060543038"/>
       </p:ext>
     </p:extLst>
   </p:cSld>
@@ -1247,7 +1257,7 @@
           <p:cNvPr id="2" name="Title 1">
             <a:extLst>
               <a:ext uri="{FF2B5EF4-FFF2-40B4-BE49-F238E27FC236}">
-                <a16:creationId xmlns:a16="http://schemas.microsoft.com/office/drawing/2014/main" id="{E6C05124-E4F5-1271-5129-C5A01DFC15F7}"/>
+                <a16:creationId xmlns:a16="http://schemas.microsoft.com/office/drawing/2014/main" id="{A8FE0AE5-1ED3-6302-7ED3-CCF1EFC7FFD1}"/>
               </a:ext>
             </a:extLst>
           </p:cNvPr>
@@ -1276,7 +1286,7 @@
           <p:cNvPr id="3" name="Content Placeholder 2">
             <a:extLst>
               <a:ext uri="{FF2B5EF4-FFF2-40B4-BE49-F238E27FC236}">
-                <a16:creationId xmlns:a16="http://schemas.microsoft.com/office/drawing/2014/main" id="{486AC6DB-F123-D237-FB3B-33CAD1B0FDA0}"/>
+                <a16:creationId xmlns:a16="http://schemas.microsoft.com/office/drawing/2014/main" id="{7C2132DE-26AD-EC18-4289-9EB99D97162D}"/>
               </a:ext>
             </a:extLst>
           </p:cNvPr>
@@ -1339,7 +1349,7 @@
           <p:cNvPr id="4" name="Content Placeholder 3">
             <a:extLst>
               <a:ext uri="{FF2B5EF4-FFF2-40B4-BE49-F238E27FC236}">
-                <a16:creationId xmlns:a16="http://schemas.microsoft.com/office/drawing/2014/main" id="{2B810FB2-0CB2-A63E-CF3F-EB9364FCAA7D}"/>
+                <a16:creationId xmlns:a16="http://schemas.microsoft.com/office/drawing/2014/main" id="{EBBB307D-B095-FC57-55F2-EFA8B12F1D9F}"/>
               </a:ext>
             </a:extLst>
           </p:cNvPr>
@@ -1402,7 +1412,7 @@
           <p:cNvPr id="5" name="Date Placeholder 4">
             <a:extLst>
               <a:ext uri="{FF2B5EF4-FFF2-40B4-BE49-F238E27FC236}">
-                <a16:creationId xmlns:a16="http://schemas.microsoft.com/office/drawing/2014/main" id="{5728FDB5-DF9A-DA3E-105F-3AB52FBDC85D}"/>
+                <a16:creationId xmlns:a16="http://schemas.microsoft.com/office/drawing/2014/main" id="{5C9DDBFE-4E58-1DD5-4210-9E34689C5010}"/>
               </a:ext>
             </a:extLst>
           </p:cNvPr>
@@ -1418,9 +1428,9 @@
           <a:bodyPr/>
           <a:lstStyle/>
           <a:p>
-            <a:fld id="{9439AAE6-4FE7-480D-BFEF-8AEFF48D5C17}" type="datetimeFigureOut">
+            <a:fld id="{F91BFC79-6DC8-4D52-9145-3805FB4D5873}" type="datetimeFigureOut">
               <a:rPr lang="en-IN" smtClean="0"/>
-              <a:t>08-05-2022</a:t>
+              <a:t>07-06-2022</a:t>
             </a:fld>
             <a:endParaRPr lang="en-IN"/>
           </a:p>
@@ -1431,7 +1441,7 @@
           <p:cNvPr id="6" name="Footer Placeholder 5">
             <a:extLst>
               <a:ext uri="{FF2B5EF4-FFF2-40B4-BE49-F238E27FC236}">
-                <a16:creationId xmlns:a16="http://schemas.microsoft.com/office/drawing/2014/main" id="{2B99F470-31EB-3639-E5FA-FEE678242817}"/>
+                <a16:creationId xmlns:a16="http://schemas.microsoft.com/office/drawing/2014/main" id="{687732BB-A72C-10F8-6C70-18896D5252DE}"/>
               </a:ext>
             </a:extLst>
           </p:cNvPr>
@@ -1456,7 +1466,7 @@
           <p:cNvPr id="7" name="Slide Number Placeholder 6">
             <a:extLst>
               <a:ext uri="{FF2B5EF4-FFF2-40B4-BE49-F238E27FC236}">
-                <a16:creationId xmlns:a16="http://schemas.microsoft.com/office/drawing/2014/main" id="{5A1C4575-8A59-9AB9-8862-4D35534B1C6A}"/>
+                <a16:creationId xmlns:a16="http://schemas.microsoft.com/office/drawing/2014/main" id="{641A8AAB-65F8-2A0A-99FE-4196EF93F14C}"/>
               </a:ext>
             </a:extLst>
           </p:cNvPr>
@@ -1472,7 +1482,7 @@
           <a:bodyPr/>
           <a:lstStyle/>
           <a:p>
-            <a:fld id="{48BD35DB-5832-495D-800E-4D7243E62646}" type="slidenum">
+            <a:fld id="{3C79BE77-5787-4723-B083-9E0A604951A1}" type="slidenum">
               <a:rPr lang="en-IN" smtClean="0"/>
               <a:t>‹#›</a:t>
             </a:fld>
@@ -1483,7 +1493,7 @@
     </p:spTree>
     <p:extLst>
       <p:ext uri="{BB962C8B-B14F-4D97-AF65-F5344CB8AC3E}">
-        <p14:creationId xmlns:p14="http://schemas.microsoft.com/office/powerpoint/2010/main" val="3964876360"/>
+        <p14:creationId xmlns:p14="http://schemas.microsoft.com/office/powerpoint/2010/main" val="4064720051"/>
       </p:ext>
     </p:extLst>
   </p:cSld>
@@ -1515,7 +1525,7 @@
           <p:cNvPr id="2" name="Title 1">
             <a:extLst>
               <a:ext uri="{FF2B5EF4-FFF2-40B4-BE49-F238E27FC236}">
-                <a16:creationId xmlns:a16="http://schemas.microsoft.com/office/drawing/2014/main" id="{7CBA55EC-5578-8BB8-796F-AABD80100E06}"/>
+                <a16:creationId xmlns:a16="http://schemas.microsoft.com/office/drawing/2014/main" id="{2D15D1BC-B3EB-E18D-0AF2-3AE7206F401D}"/>
               </a:ext>
             </a:extLst>
           </p:cNvPr>
@@ -1549,7 +1559,7 @@
           <p:cNvPr id="3" name="Text Placeholder 2">
             <a:extLst>
               <a:ext uri="{FF2B5EF4-FFF2-40B4-BE49-F238E27FC236}">
-                <a16:creationId xmlns:a16="http://schemas.microsoft.com/office/drawing/2014/main" id="{408586A5-3811-8F53-8B25-E32464116039}"/>
+                <a16:creationId xmlns:a16="http://schemas.microsoft.com/office/drawing/2014/main" id="{58029B34-3662-FE9C-B721-471F3DD47745}"/>
               </a:ext>
             </a:extLst>
           </p:cNvPr>
@@ -1620,7 +1630,7 @@
           <p:cNvPr id="4" name="Content Placeholder 3">
             <a:extLst>
               <a:ext uri="{FF2B5EF4-FFF2-40B4-BE49-F238E27FC236}">
-                <a16:creationId xmlns:a16="http://schemas.microsoft.com/office/drawing/2014/main" id="{D55A598B-41F4-81E2-BD1F-1DDA738E1488}"/>
+                <a16:creationId xmlns:a16="http://schemas.microsoft.com/office/drawing/2014/main" id="{6FC715B7-BF82-73B4-A20D-1FE17E6E6A7B}"/>
               </a:ext>
             </a:extLst>
           </p:cNvPr>
@@ -1683,7 +1693,7 @@
           <p:cNvPr id="5" name="Text Placeholder 4">
             <a:extLst>
               <a:ext uri="{FF2B5EF4-FFF2-40B4-BE49-F238E27FC236}">
-                <a16:creationId xmlns:a16="http://schemas.microsoft.com/office/drawing/2014/main" id="{8CC2B202-6C94-C073-2066-D6362EAEF04A}"/>
+                <a16:creationId xmlns:a16="http://schemas.microsoft.com/office/drawing/2014/main" id="{26D470E4-10A3-B5E7-9B1C-D09FDAF9B4FD}"/>
               </a:ext>
             </a:extLst>
           </p:cNvPr>
@@ -1754,7 +1764,7 @@
           <p:cNvPr id="6" name="Content Placeholder 5">
             <a:extLst>
               <a:ext uri="{FF2B5EF4-FFF2-40B4-BE49-F238E27FC236}">
-                <a16:creationId xmlns:a16="http://schemas.microsoft.com/office/drawing/2014/main" id="{2C56AA2A-B0AE-A72A-6449-C98012654F3B}"/>
+                <a16:creationId xmlns:a16="http://schemas.microsoft.com/office/drawing/2014/main" id="{BD6CC1C6-DF99-0E35-CF7B-CC901B1135FA}"/>
               </a:ext>
             </a:extLst>
           </p:cNvPr>
@@ -1817,7 +1827,7 @@
           <p:cNvPr id="7" name="Date Placeholder 6">
             <a:extLst>
               <a:ext uri="{FF2B5EF4-FFF2-40B4-BE49-F238E27FC236}">
-                <a16:creationId xmlns:a16="http://schemas.microsoft.com/office/drawing/2014/main" id="{ED7DF6A2-20E3-F82C-1023-27E575119C1B}"/>
+                <a16:creationId xmlns:a16="http://schemas.microsoft.com/office/drawing/2014/main" id="{DC1C4EF4-0CC1-807B-2D1A-6979002868AF}"/>
               </a:ext>
             </a:extLst>
           </p:cNvPr>
@@ -1833,9 +1843,9 @@
           <a:bodyPr/>
           <a:lstStyle/>
           <a:p>
-            <a:fld id="{9439AAE6-4FE7-480D-BFEF-8AEFF48D5C17}" type="datetimeFigureOut">
+            <a:fld id="{F91BFC79-6DC8-4D52-9145-3805FB4D5873}" type="datetimeFigureOut">
               <a:rPr lang="en-IN" smtClean="0"/>
-              <a:t>08-05-2022</a:t>
+              <a:t>07-06-2022</a:t>
             </a:fld>
             <a:endParaRPr lang="en-IN"/>
           </a:p>
@@ -1846,7 +1856,7 @@
           <p:cNvPr id="8" name="Footer Placeholder 7">
             <a:extLst>
               <a:ext uri="{FF2B5EF4-FFF2-40B4-BE49-F238E27FC236}">
-                <a16:creationId xmlns:a16="http://schemas.microsoft.com/office/drawing/2014/main" id="{AAA54A3F-2540-543F-CF4F-9BA228A61FCB}"/>
+                <a16:creationId xmlns:a16="http://schemas.microsoft.com/office/drawing/2014/main" id="{A9D218B4-9B91-6A23-4B63-244A489C2476}"/>
               </a:ext>
             </a:extLst>
           </p:cNvPr>
@@ -1871,7 +1881,7 @@
           <p:cNvPr id="9" name="Slide Number Placeholder 8">
             <a:extLst>
               <a:ext uri="{FF2B5EF4-FFF2-40B4-BE49-F238E27FC236}">
-                <a16:creationId xmlns:a16="http://schemas.microsoft.com/office/drawing/2014/main" id="{C8B44FD6-BA77-A4E4-3DB0-700F7C4B470B}"/>
+                <a16:creationId xmlns:a16="http://schemas.microsoft.com/office/drawing/2014/main" id="{FE26E69F-6787-4F5A-3D93-3159392A971C}"/>
               </a:ext>
             </a:extLst>
           </p:cNvPr>
@@ -1887,7 +1897,7 @@
           <a:bodyPr/>
           <a:lstStyle/>
           <a:p>
-            <a:fld id="{48BD35DB-5832-495D-800E-4D7243E62646}" type="slidenum">
+            <a:fld id="{3C79BE77-5787-4723-B083-9E0A604951A1}" type="slidenum">
               <a:rPr lang="en-IN" smtClean="0"/>
               <a:t>‹#›</a:t>
             </a:fld>
@@ -1898,7 +1908,7 @@
     </p:spTree>
     <p:extLst>
       <p:ext uri="{BB962C8B-B14F-4D97-AF65-F5344CB8AC3E}">
-        <p14:creationId xmlns:p14="http://schemas.microsoft.com/office/powerpoint/2010/main" val="4241161956"/>
+        <p14:creationId xmlns:p14="http://schemas.microsoft.com/office/powerpoint/2010/main" val="3382208951"/>
       </p:ext>
     </p:extLst>
   </p:cSld>
@@ -1930,7 +1940,7 @@
           <p:cNvPr id="2" name="Title 1">
             <a:extLst>
               <a:ext uri="{FF2B5EF4-FFF2-40B4-BE49-F238E27FC236}">
-                <a16:creationId xmlns:a16="http://schemas.microsoft.com/office/drawing/2014/main" id="{E92F2CCD-1D75-3417-4C79-13623F4A1DE8}"/>
+                <a16:creationId xmlns:a16="http://schemas.microsoft.com/office/drawing/2014/main" id="{AD370FE3-63C5-3903-C686-886374AC5BA9}"/>
               </a:ext>
             </a:extLst>
           </p:cNvPr>
@@ -1959,7 +1969,7 @@
           <p:cNvPr id="3" name="Date Placeholder 2">
             <a:extLst>
               <a:ext uri="{FF2B5EF4-FFF2-40B4-BE49-F238E27FC236}">
-                <a16:creationId xmlns:a16="http://schemas.microsoft.com/office/drawing/2014/main" id="{81849929-7AA6-B763-FD39-82868CD0A725}"/>
+                <a16:creationId xmlns:a16="http://schemas.microsoft.com/office/drawing/2014/main" id="{ECDE4A12-6985-D800-221C-4D962D8721E0}"/>
               </a:ext>
             </a:extLst>
           </p:cNvPr>
@@ -1975,9 +1985,9 @@
           <a:bodyPr/>
           <a:lstStyle/>
           <a:p>
-            <a:fld id="{9439AAE6-4FE7-480D-BFEF-8AEFF48D5C17}" type="datetimeFigureOut">
+            <a:fld id="{F91BFC79-6DC8-4D52-9145-3805FB4D5873}" type="datetimeFigureOut">
               <a:rPr lang="en-IN" smtClean="0"/>
-              <a:t>08-05-2022</a:t>
+              <a:t>07-06-2022</a:t>
             </a:fld>
             <a:endParaRPr lang="en-IN"/>
           </a:p>
@@ -1988,7 +1998,7 @@
           <p:cNvPr id="4" name="Footer Placeholder 3">
             <a:extLst>
               <a:ext uri="{FF2B5EF4-FFF2-40B4-BE49-F238E27FC236}">
-                <a16:creationId xmlns:a16="http://schemas.microsoft.com/office/drawing/2014/main" id="{76F9B768-2B79-3B04-309D-168D6E7D2E8F}"/>
+                <a16:creationId xmlns:a16="http://schemas.microsoft.com/office/drawing/2014/main" id="{85630594-50CD-52D7-2835-4D0DAB4EF21B}"/>
               </a:ext>
             </a:extLst>
           </p:cNvPr>
@@ -2013,7 +2023,7 @@
           <p:cNvPr id="5" name="Slide Number Placeholder 4">
             <a:extLst>
               <a:ext uri="{FF2B5EF4-FFF2-40B4-BE49-F238E27FC236}">
-                <a16:creationId xmlns:a16="http://schemas.microsoft.com/office/drawing/2014/main" id="{30DF60C5-627A-8649-B393-791811254473}"/>
+                <a16:creationId xmlns:a16="http://schemas.microsoft.com/office/drawing/2014/main" id="{1A8C22D0-8113-9471-981F-8AFC42E257DD}"/>
               </a:ext>
             </a:extLst>
           </p:cNvPr>
@@ -2029,7 +2039,7 @@
           <a:bodyPr/>
           <a:lstStyle/>
           <a:p>
-            <a:fld id="{48BD35DB-5832-495D-800E-4D7243E62646}" type="slidenum">
+            <a:fld id="{3C79BE77-5787-4723-B083-9E0A604951A1}" type="slidenum">
               <a:rPr lang="en-IN" smtClean="0"/>
               <a:t>‹#›</a:t>
             </a:fld>
@@ -2040,7 +2050,7 @@
     </p:spTree>
     <p:extLst>
       <p:ext uri="{BB962C8B-B14F-4D97-AF65-F5344CB8AC3E}">
-        <p14:creationId xmlns:p14="http://schemas.microsoft.com/office/powerpoint/2010/main" val="508302889"/>
+        <p14:creationId xmlns:p14="http://schemas.microsoft.com/office/powerpoint/2010/main" val="3488535759"/>
       </p:ext>
     </p:extLst>
   </p:cSld>
@@ -2072,7 +2082,7 @@
           <p:cNvPr id="2" name="Date Placeholder 1">
             <a:extLst>
               <a:ext uri="{FF2B5EF4-FFF2-40B4-BE49-F238E27FC236}">
-                <a16:creationId xmlns:a16="http://schemas.microsoft.com/office/drawing/2014/main" id="{C59DFD47-EFFD-378C-88CB-26C280960C49}"/>
+                <a16:creationId xmlns:a16="http://schemas.microsoft.com/office/drawing/2014/main" id="{E7F7B5E2-8214-84D3-8AC0-416CE0FF1280}"/>
               </a:ext>
             </a:extLst>
           </p:cNvPr>
@@ -2088,9 +2098,9 @@
           <a:bodyPr/>
           <a:lstStyle/>
           <a:p>
-            <a:fld id="{9439AAE6-4FE7-480D-BFEF-8AEFF48D5C17}" type="datetimeFigureOut">
+            <a:fld id="{F91BFC79-6DC8-4D52-9145-3805FB4D5873}" type="datetimeFigureOut">
               <a:rPr lang="en-IN" smtClean="0"/>
-              <a:t>08-05-2022</a:t>
+              <a:t>07-06-2022</a:t>
             </a:fld>
             <a:endParaRPr lang="en-IN"/>
           </a:p>
@@ -2101,7 +2111,7 @@
           <p:cNvPr id="3" name="Footer Placeholder 2">
             <a:extLst>
               <a:ext uri="{FF2B5EF4-FFF2-40B4-BE49-F238E27FC236}">
-                <a16:creationId xmlns:a16="http://schemas.microsoft.com/office/drawing/2014/main" id="{980CB7AE-9C1A-9982-B046-478178E74E14}"/>
+                <a16:creationId xmlns:a16="http://schemas.microsoft.com/office/drawing/2014/main" id="{5AFA8D73-7191-8935-22A4-20F9D24ECA4B}"/>
               </a:ext>
             </a:extLst>
           </p:cNvPr>
@@ -2126,7 +2136,7 @@
           <p:cNvPr id="4" name="Slide Number Placeholder 3">
             <a:extLst>
               <a:ext uri="{FF2B5EF4-FFF2-40B4-BE49-F238E27FC236}">
-                <a16:creationId xmlns:a16="http://schemas.microsoft.com/office/drawing/2014/main" id="{2CAF3870-7A75-CFBF-D5D2-612821052C6B}"/>
+                <a16:creationId xmlns:a16="http://schemas.microsoft.com/office/drawing/2014/main" id="{7A9445E4-E03B-58D2-F62C-01D7E3D13CAD}"/>
               </a:ext>
             </a:extLst>
           </p:cNvPr>
@@ -2142,7 +2152,7 @@
           <a:bodyPr/>
           <a:lstStyle/>
           <a:p>
-            <a:fld id="{48BD35DB-5832-495D-800E-4D7243E62646}" type="slidenum">
+            <a:fld id="{3C79BE77-5787-4723-B083-9E0A604951A1}" type="slidenum">
               <a:rPr lang="en-IN" smtClean="0"/>
               <a:t>‹#›</a:t>
             </a:fld>
@@ -2153,7 +2163,7 @@
     </p:spTree>
     <p:extLst>
       <p:ext uri="{BB962C8B-B14F-4D97-AF65-F5344CB8AC3E}">
-        <p14:creationId xmlns:p14="http://schemas.microsoft.com/office/powerpoint/2010/main" val="152237306"/>
+        <p14:creationId xmlns:p14="http://schemas.microsoft.com/office/powerpoint/2010/main" val="2042708575"/>
       </p:ext>
     </p:extLst>
   </p:cSld>
@@ -2185,7 +2195,7 @@
           <p:cNvPr id="2" name="Title 1">
             <a:extLst>
               <a:ext uri="{FF2B5EF4-FFF2-40B4-BE49-F238E27FC236}">
-                <a16:creationId xmlns:a16="http://schemas.microsoft.com/office/drawing/2014/main" id="{4A6B68A7-5381-5E00-BD0D-AC90865B5C7D}"/>
+                <a16:creationId xmlns:a16="http://schemas.microsoft.com/office/drawing/2014/main" id="{79F3DA4D-D781-76A9-D158-4DAB8EB9BD7B}"/>
               </a:ext>
             </a:extLst>
           </p:cNvPr>
@@ -2223,7 +2233,7 @@
           <p:cNvPr id="3" name="Content Placeholder 2">
             <a:extLst>
               <a:ext uri="{FF2B5EF4-FFF2-40B4-BE49-F238E27FC236}">
-                <a16:creationId xmlns:a16="http://schemas.microsoft.com/office/drawing/2014/main" id="{117A5196-7F39-B046-30E1-A531ED062D7D}"/>
+                <a16:creationId xmlns:a16="http://schemas.microsoft.com/office/drawing/2014/main" id="{B4A48E6A-62E8-C230-5D20-63DEFBD2B437}"/>
               </a:ext>
             </a:extLst>
           </p:cNvPr>
@@ -2314,7 +2324,7 @@
           <p:cNvPr id="4" name="Text Placeholder 3">
             <a:extLst>
               <a:ext uri="{FF2B5EF4-FFF2-40B4-BE49-F238E27FC236}">
-                <a16:creationId xmlns:a16="http://schemas.microsoft.com/office/drawing/2014/main" id="{30A992AD-F99E-D8C4-2DB0-86B5B39EABD4}"/>
+                <a16:creationId xmlns:a16="http://schemas.microsoft.com/office/drawing/2014/main" id="{C251DCF2-F4F4-854D-9ED6-9DFAEB45A6D8}"/>
               </a:ext>
             </a:extLst>
           </p:cNvPr>
@@ -2385,7 +2395,7 @@
           <p:cNvPr id="5" name="Date Placeholder 4">
             <a:extLst>
               <a:ext uri="{FF2B5EF4-FFF2-40B4-BE49-F238E27FC236}">
-                <a16:creationId xmlns:a16="http://schemas.microsoft.com/office/drawing/2014/main" id="{CBBBD64C-1B63-958A-F6DD-F6B23FFB2365}"/>
+                <a16:creationId xmlns:a16="http://schemas.microsoft.com/office/drawing/2014/main" id="{0BFC3A71-BC10-4303-78AB-BE7D62FC2C88}"/>
               </a:ext>
             </a:extLst>
           </p:cNvPr>
@@ -2401,9 +2411,9 @@
           <a:bodyPr/>
           <a:lstStyle/>
           <a:p>
-            <a:fld id="{9439AAE6-4FE7-480D-BFEF-8AEFF48D5C17}" type="datetimeFigureOut">
+            <a:fld id="{F91BFC79-6DC8-4D52-9145-3805FB4D5873}" type="datetimeFigureOut">
               <a:rPr lang="en-IN" smtClean="0"/>
-              <a:t>08-05-2022</a:t>
+              <a:t>07-06-2022</a:t>
             </a:fld>
             <a:endParaRPr lang="en-IN"/>
           </a:p>
@@ -2414,7 +2424,7 @@
           <p:cNvPr id="6" name="Footer Placeholder 5">
             <a:extLst>
               <a:ext uri="{FF2B5EF4-FFF2-40B4-BE49-F238E27FC236}">
-                <a16:creationId xmlns:a16="http://schemas.microsoft.com/office/drawing/2014/main" id="{392CBAD8-A1C8-AA55-D185-1F9B1F4FB613}"/>
+                <a16:creationId xmlns:a16="http://schemas.microsoft.com/office/drawing/2014/main" id="{2F4F1C29-0E9C-C00E-20A4-B959FE18A744}"/>
               </a:ext>
             </a:extLst>
           </p:cNvPr>
@@ -2439,7 +2449,7 @@
           <p:cNvPr id="7" name="Slide Number Placeholder 6">
             <a:extLst>
               <a:ext uri="{FF2B5EF4-FFF2-40B4-BE49-F238E27FC236}">
-                <a16:creationId xmlns:a16="http://schemas.microsoft.com/office/drawing/2014/main" id="{C6C5D4C6-6B2F-18C4-FCA7-33784EBC7C9C}"/>
+                <a16:creationId xmlns:a16="http://schemas.microsoft.com/office/drawing/2014/main" id="{D083D8F6-230B-A5E1-DA48-E554802AA14C}"/>
               </a:ext>
             </a:extLst>
           </p:cNvPr>
@@ -2455,7 +2465,7 @@
           <a:bodyPr/>
           <a:lstStyle/>
           <a:p>
-            <a:fld id="{48BD35DB-5832-495D-800E-4D7243E62646}" type="slidenum">
+            <a:fld id="{3C79BE77-5787-4723-B083-9E0A604951A1}" type="slidenum">
               <a:rPr lang="en-IN" smtClean="0"/>
               <a:t>‹#›</a:t>
             </a:fld>
@@ -2466,7 +2476,7 @@
     </p:spTree>
     <p:extLst>
       <p:ext uri="{BB962C8B-B14F-4D97-AF65-F5344CB8AC3E}">
-        <p14:creationId xmlns:p14="http://schemas.microsoft.com/office/powerpoint/2010/main" val="4246852739"/>
+        <p14:creationId xmlns:p14="http://schemas.microsoft.com/office/powerpoint/2010/main" val="3407968056"/>
       </p:ext>
     </p:extLst>
   </p:cSld>
@@ -2498,7 +2508,7 @@
           <p:cNvPr id="2" name="Title 1">
             <a:extLst>
               <a:ext uri="{FF2B5EF4-FFF2-40B4-BE49-F238E27FC236}">
-                <a16:creationId xmlns:a16="http://schemas.microsoft.com/office/drawing/2014/main" id="{5D8F86D5-88BC-DB8A-7763-15C51EDB54C5}"/>
+                <a16:creationId xmlns:a16="http://schemas.microsoft.com/office/drawing/2014/main" id="{C36836E1-9EE7-D5CF-F0F6-097A2BA72007}"/>
               </a:ext>
             </a:extLst>
           </p:cNvPr>
@@ -2536,7 +2546,7 @@
           <p:cNvPr id="3" name="Picture Placeholder 2">
             <a:extLst>
               <a:ext uri="{FF2B5EF4-FFF2-40B4-BE49-F238E27FC236}">
-                <a16:creationId xmlns:a16="http://schemas.microsoft.com/office/drawing/2014/main" id="{1A57AEB1-D5E5-A5DD-C852-CC00DE3C5C87}"/>
+                <a16:creationId xmlns:a16="http://schemas.microsoft.com/office/drawing/2014/main" id="{D64A1B6B-C526-C564-AE55-833BB2A36A0C}"/>
               </a:ext>
             </a:extLst>
           </p:cNvPr>
@@ -2603,7 +2613,7 @@
           <p:cNvPr id="4" name="Text Placeholder 3">
             <a:extLst>
               <a:ext uri="{FF2B5EF4-FFF2-40B4-BE49-F238E27FC236}">
-                <a16:creationId xmlns:a16="http://schemas.microsoft.com/office/drawing/2014/main" id="{CDE6E223-4B92-1EAD-7A15-F117A0932478}"/>
+                <a16:creationId xmlns:a16="http://schemas.microsoft.com/office/drawing/2014/main" id="{1B0FB463-63CC-4F95-216A-C4200824BA70}"/>
               </a:ext>
             </a:extLst>
           </p:cNvPr>
@@ -2674,7 +2684,7 @@
           <p:cNvPr id="5" name="Date Placeholder 4">
             <a:extLst>
               <a:ext uri="{FF2B5EF4-FFF2-40B4-BE49-F238E27FC236}">
-                <a16:creationId xmlns:a16="http://schemas.microsoft.com/office/drawing/2014/main" id="{BECDC00B-E1FD-B5E9-3DC3-280344961CA9}"/>
+                <a16:creationId xmlns:a16="http://schemas.microsoft.com/office/drawing/2014/main" id="{A57D2D0D-9DB8-CB04-F98C-7716BD10FDAD}"/>
               </a:ext>
             </a:extLst>
           </p:cNvPr>
@@ -2690,9 +2700,9 @@
           <a:bodyPr/>
           <a:lstStyle/>
           <a:p>
-            <a:fld id="{9439AAE6-4FE7-480D-BFEF-8AEFF48D5C17}" type="datetimeFigureOut">
+            <a:fld id="{F91BFC79-6DC8-4D52-9145-3805FB4D5873}" type="datetimeFigureOut">
               <a:rPr lang="en-IN" smtClean="0"/>
-              <a:t>08-05-2022</a:t>
+              <a:t>07-06-2022</a:t>
             </a:fld>
             <a:endParaRPr lang="en-IN"/>
           </a:p>
@@ -2703,7 +2713,7 @@
           <p:cNvPr id="6" name="Footer Placeholder 5">
             <a:extLst>
               <a:ext uri="{FF2B5EF4-FFF2-40B4-BE49-F238E27FC236}">
-                <a16:creationId xmlns:a16="http://schemas.microsoft.com/office/drawing/2014/main" id="{4189CD48-2B60-0D5D-7502-C0B5EEA693C8}"/>
+                <a16:creationId xmlns:a16="http://schemas.microsoft.com/office/drawing/2014/main" id="{2F233F47-0E8A-4659-6BFF-B67F5F68ABA1}"/>
               </a:ext>
             </a:extLst>
           </p:cNvPr>
@@ -2728,7 +2738,7 @@
           <p:cNvPr id="7" name="Slide Number Placeholder 6">
             <a:extLst>
               <a:ext uri="{FF2B5EF4-FFF2-40B4-BE49-F238E27FC236}">
-                <a16:creationId xmlns:a16="http://schemas.microsoft.com/office/drawing/2014/main" id="{E787B0AE-CF91-1C91-0CE6-A22C159BC5C6}"/>
+                <a16:creationId xmlns:a16="http://schemas.microsoft.com/office/drawing/2014/main" id="{362AC71F-D898-D9B4-136A-F07DA711EF1F}"/>
               </a:ext>
             </a:extLst>
           </p:cNvPr>
@@ -2744,7 +2754,7 @@
           <a:bodyPr/>
           <a:lstStyle/>
           <a:p>
-            <a:fld id="{48BD35DB-5832-495D-800E-4D7243E62646}" type="slidenum">
+            <a:fld id="{3C79BE77-5787-4723-B083-9E0A604951A1}" type="slidenum">
               <a:rPr lang="en-IN" smtClean="0"/>
               <a:t>‹#›</a:t>
             </a:fld>
@@ -2755,7 +2765,7 @@
     </p:spTree>
     <p:extLst>
       <p:ext uri="{BB962C8B-B14F-4D97-AF65-F5344CB8AC3E}">
-        <p14:creationId xmlns:p14="http://schemas.microsoft.com/office/powerpoint/2010/main" val="1916218154"/>
+        <p14:creationId xmlns:p14="http://schemas.microsoft.com/office/powerpoint/2010/main" val="1026259437"/>
       </p:ext>
     </p:extLst>
   </p:cSld>
@@ -2792,7 +2802,7 @@
           <p:cNvPr id="2" name="Title Placeholder 1">
             <a:extLst>
               <a:ext uri="{FF2B5EF4-FFF2-40B4-BE49-F238E27FC236}">
-                <a16:creationId xmlns:a16="http://schemas.microsoft.com/office/drawing/2014/main" id="{F9DD6BF7-DFF1-A2EB-35E4-8978BB699789}"/>
+                <a16:creationId xmlns:a16="http://schemas.microsoft.com/office/drawing/2014/main" id="{51B3C9E9-FB1B-979D-09D5-30294C5378D0}"/>
               </a:ext>
             </a:extLst>
           </p:cNvPr>
@@ -2831,7 +2841,7 @@
           <p:cNvPr id="3" name="Text Placeholder 2">
             <a:extLst>
               <a:ext uri="{FF2B5EF4-FFF2-40B4-BE49-F238E27FC236}">
-                <a16:creationId xmlns:a16="http://schemas.microsoft.com/office/drawing/2014/main" id="{E8CB1205-36E8-1029-7528-792F2C20F84E}"/>
+                <a16:creationId xmlns:a16="http://schemas.microsoft.com/office/drawing/2014/main" id="{CD947AFD-9859-3056-849D-8D1A1D19523E}"/>
               </a:ext>
             </a:extLst>
           </p:cNvPr>
@@ -2899,7 +2909,7 @@
           <p:cNvPr id="4" name="Date Placeholder 3">
             <a:extLst>
               <a:ext uri="{FF2B5EF4-FFF2-40B4-BE49-F238E27FC236}">
-                <a16:creationId xmlns:a16="http://schemas.microsoft.com/office/drawing/2014/main" id="{7DAE0A15-3A57-8E05-91C4-A413594EF0DC}"/>
+                <a16:creationId xmlns:a16="http://schemas.microsoft.com/office/drawing/2014/main" id="{6E0E4775-0F7F-7843-52B1-1313202E2614}"/>
               </a:ext>
             </a:extLst>
           </p:cNvPr>
@@ -2933,9 +2943,9 @@
             </a:lvl1pPr>
           </a:lstStyle>
           <a:p>
-            <a:fld id="{9439AAE6-4FE7-480D-BFEF-8AEFF48D5C17}" type="datetimeFigureOut">
+            <a:fld id="{F91BFC79-6DC8-4D52-9145-3805FB4D5873}" type="datetimeFigureOut">
               <a:rPr lang="en-IN" smtClean="0"/>
-              <a:t>08-05-2022</a:t>
+              <a:t>07-06-2022</a:t>
             </a:fld>
             <a:endParaRPr lang="en-IN"/>
           </a:p>
@@ -2946,7 +2956,7 @@
           <p:cNvPr id="5" name="Footer Placeholder 4">
             <a:extLst>
               <a:ext uri="{FF2B5EF4-FFF2-40B4-BE49-F238E27FC236}">
-                <a16:creationId xmlns:a16="http://schemas.microsoft.com/office/drawing/2014/main" id="{56366A44-9975-B994-827E-A096C9906EFB}"/>
+                <a16:creationId xmlns:a16="http://schemas.microsoft.com/office/drawing/2014/main" id="{4753ED56-241C-CA01-68FB-C08DD0263DC1}"/>
               </a:ext>
             </a:extLst>
           </p:cNvPr>
@@ -2989,7 +2999,7 @@
           <p:cNvPr id="6" name="Slide Number Placeholder 5">
             <a:extLst>
               <a:ext uri="{FF2B5EF4-FFF2-40B4-BE49-F238E27FC236}">
-                <a16:creationId xmlns:a16="http://schemas.microsoft.com/office/drawing/2014/main" id="{9AC2E55B-F6DF-58CD-2E82-5463B5113FE7}"/>
+                <a16:creationId xmlns:a16="http://schemas.microsoft.com/office/drawing/2014/main" id="{B16EBE29-B1AB-D687-E8A5-AB5951AB381E}"/>
               </a:ext>
             </a:extLst>
           </p:cNvPr>
@@ -3023,7 +3033,7 @@
             </a:lvl1pPr>
           </a:lstStyle>
           <a:p>
-            <a:fld id="{48BD35DB-5832-495D-800E-4D7243E62646}" type="slidenum">
+            <a:fld id="{3C79BE77-5787-4723-B083-9E0A604951A1}" type="slidenum">
               <a:rPr lang="en-IN" smtClean="0"/>
               <a:t>‹#›</a:t>
             </a:fld>
@@ -3034,7 +3044,7 @@
     </p:spTree>
     <p:extLst>
       <p:ext uri="{BB962C8B-B14F-4D97-AF65-F5344CB8AC3E}">
-        <p14:creationId xmlns:p14="http://schemas.microsoft.com/office/powerpoint/2010/main" val="754978957"/>
+        <p14:creationId xmlns:p14="http://schemas.microsoft.com/office/powerpoint/2010/main" val="600988035"/>
       </p:ext>
     </p:extLst>
   </p:cSld>
@@ -3416,7 +3426,7 @@
           <a:p>
             <a:r>
               <a:rPr lang="en-IN" dirty="0"/>
-              <a:t>Date – 08</a:t>
+              <a:t>Date – 07</a:t>
             </a:r>
             <a:r>
               <a:rPr lang="en-IN" baseline="30000" dirty="0"/>
@@ -3424,7 +3434,7 @@
             </a:r>
             <a:r>
               <a:rPr lang="en-IN" dirty="0"/>
-              <a:t> May, 2022</a:t>
+              <a:t> June, 2022</a:t>
             </a:r>
           </a:p>
         </p:txBody>
@@ -3464,7 +3474,7 @@
           <p:cNvPr id="2" name="Title 1">
             <a:extLst>
               <a:ext uri="{FF2B5EF4-FFF2-40B4-BE49-F238E27FC236}">
-                <a16:creationId xmlns:a16="http://schemas.microsoft.com/office/drawing/2014/main" id="{3BFEF2D6-1899-6FB1-F43B-BE70B6A9EF3B}"/>
+                <a16:creationId xmlns:a16="http://schemas.microsoft.com/office/drawing/2014/main" id="{5AB1BA00-5EF9-93E0-3E86-FC4D2E80F527}"/>
               </a:ext>
             </a:extLst>
           </p:cNvPr>
@@ -3477,25 +3487,24 @@
         </p:nvSpPr>
         <p:spPr>
           <a:xfrm>
-            <a:off x="838200" y="365125"/>
-            <a:ext cx="10515600" cy="880969"/>
+            <a:off x="75414" y="179110"/>
+            <a:ext cx="11877774" cy="501928"/>
           </a:xfrm>
         </p:spPr>
         <p:txBody>
-          <a:bodyPr/>
-          <a:lstStyle/>
-          <a:p>
-            <a:r>
-              <a:rPr lang="en-IN" b="0" i="0" dirty="0">
-                <a:solidFill>
-                  <a:srgbClr val="222222"/>
-                </a:solidFill>
-                <a:effectLst/>
-                <a:latin typeface="-apple-system"/>
-              </a:rPr>
-              <a:t>Python Comparison Operators</a:t>
-            </a:r>
-            <a:endParaRPr lang="en-IN" dirty="0"/>
+          <a:bodyPr>
+            <a:normAutofit fontScale="90000"/>
+          </a:bodyPr>
+          <a:lstStyle/>
+          <a:p>
+            <a:pPr algn="just"/>
+            <a:r>
+              <a:rPr lang="en-IN" b="1" i="0" dirty="0">
+                <a:effectLst/>
+                <a:latin typeface="erdana"/>
+              </a:rPr>
+              <a:t>Multiple Assignment</a:t>
+            </a:r>
           </a:p>
         </p:txBody>
       </p:sp>
@@ -3504,7 +3513,7 @@
           <p:cNvPr id="3" name="Content Placeholder 2">
             <a:extLst>
               <a:ext uri="{FF2B5EF4-FFF2-40B4-BE49-F238E27FC236}">
-                <a16:creationId xmlns:a16="http://schemas.microsoft.com/office/drawing/2014/main" id="{AC38AC28-3F55-9C23-EED8-BC8A9A6C1B51}"/>
+                <a16:creationId xmlns:a16="http://schemas.microsoft.com/office/drawing/2014/main" id="{E032DE1F-B025-5BEE-8915-7E9B2E1CA311}"/>
               </a:ext>
             </a:extLst>
           </p:cNvPr>
@@ -3517,8 +3526,8 @@
         </p:nvSpPr>
         <p:spPr>
           <a:xfrm>
-            <a:off x="838200" y="1308847"/>
-            <a:ext cx="10515600" cy="5280212"/>
+            <a:off x="75414" y="895546"/>
+            <a:ext cx="11877774" cy="5783344"/>
           </a:xfrm>
         </p:spPr>
         <p:txBody>
@@ -3527,54 +3536,174 @@
           </a:bodyPr>
           <a:lstStyle/>
           <a:p>
-            <a:r>
-              <a:rPr lang="en-US" sz="2000" b="0" i="0" dirty="0">
+            <a:pPr marL="514350" indent="-514350">
+              <a:buAutoNum type="arabicPeriod"/>
+            </a:pPr>
+            <a:r>
+              <a:rPr lang="en-US" b="1" i="0" dirty="0">
                 <a:solidFill>
-                  <a:srgbClr val="222222"/>
+                  <a:srgbClr val="333333"/>
                 </a:solidFill>
                 <a:effectLst/>
-                <a:latin typeface="-apple-system"/>
-              </a:rPr>
-              <a:t>Python Comparison Operators are called Relational operators, and they are mostly used either in IF Statements or Loops. Comparison Operators in Python are usually used to check the relationship between two variables. If the relation is true, it returns TRUE, and if the relation is false, then it will return output as FALSE. The below table shows all the Comparison Operators.</a:t>
-            </a:r>
-            <a:endParaRPr lang="en-IN" sz="2000" dirty="0"/>
-          </a:p>
-        </p:txBody>
-      </p:sp>
-      <p:pic>
-        <p:nvPicPr>
-          <p:cNvPr id="5" name="Picture 4">
-            <a:extLst>
-              <a:ext uri="{FF2B5EF4-FFF2-40B4-BE49-F238E27FC236}">
-                <a16:creationId xmlns:a16="http://schemas.microsoft.com/office/drawing/2014/main" id="{24F42CAD-EE41-EDE1-93B2-FECCCBF78574}"/>
-              </a:ext>
-            </a:extLst>
-          </p:cNvPr>
-          <p:cNvPicPr>
-            <a:picLocks noChangeAspect="1"/>
-          </p:cNvPicPr>
-          <p:nvPr/>
-        </p:nvPicPr>
-        <p:blipFill>
-          <a:blip r:embed="rId2"/>
-          <a:stretch>
-            <a:fillRect/>
-          </a:stretch>
-        </p:blipFill>
-        <p:spPr>
-          <a:xfrm>
-            <a:off x="2201177" y="2545976"/>
-            <a:ext cx="7628281" cy="3693740"/>
-          </a:xfrm>
-          <a:prstGeom prst="rect">
-            <a:avLst/>
-          </a:prstGeom>
-        </p:spPr>
-      </p:pic>
+                <a:latin typeface="inter-bold"/>
+              </a:rPr>
+              <a:t>Assigning single value to multiple variables:</a:t>
+            </a:r>
+          </a:p>
+          <a:p>
+            <a:pPr lvl="1"/>
+            <a:r>
+              <a:rPr lang="en-IN" b="0" i="0" dirty="0">
+                <a:solidFill>
+                  <a:srgbClr val="000000"/>
+                </a:solidFill>
+                <a:effectLst/>
+                <a:latin typeface="inter-regular"/>
+              </a:rPr>
+              <a:t>x=y=z=</a:t>
+            </a:r>
+            <a:r>
+              <a:rPr lang="en-IN" b="0" i="0" dirty="0">
+                <a:solidFill>
+                  <a:srgbClr val="C00000"/>
+                </a:solidFill>
+                <a:effectLst/>
+                <a:latin typeface="inter-regular"/>
+              </a:rPr>
+              <a:t>50</a:t>
+            </a:r>
+            <a:endParaRPr lang="en-US" b="1" i="0" dirty="0">
+              <a:solidFill>
+                <a:srgbClr val="333333"/>
+              </a:solidFill>
+              <a:effectLst/>
+              <a:latin typeface="inter-bold"/>
+            </a:endParaRPr>
+          </a:p>
+          <a:p>
+            <a:pPr marL="0" indent="0">
+              <a:buNone/>
+            </a:pPr>
+            <a:r>
+              <a:rPr lang="en-IN" b="1" i="0" dirty="0">
+                <a:solidFill>
+                  <a:srgbClr val="333333"/>
+                </a:solidFill>
+                <a:effectLst/>
+                <a:latin typeface="inter-bold"/>
+              </a:rPr>
+              <a:t>2. Assigning multiple values to multiple variables:</a:t>
+            </a:r>
+          </a:p>
+          <a:p>
+            <a:pPr lvl="1"/>
+            <a:r>
+              <a:rPr lang="en-IN" b="0" i="0" dirty="0" err="1">
+                <a:solidFill>
+                  <a:srgbClr val="000000"/>
+                </a:solidFill>
+                <a:effectLst/>
+                <a:latin typeface="inter-regular"/>
+              </a:rPr>
+              <a:t>a,b,c</a:t>
+            </a:r>
+            <a:r>
+              <a:rPr lang="en-IN" b="0" i="0" dirty="0">
+                <a:solidFill>
+                  <a:srgbClr val="000000"/>
+                </a:solidFill>
+                <a:effectLst/>
+                <a:latin typeface="inter-regular"/>
+              </a:rPr>
+              <a:t>=</a:t>
+            </a:r>
+            <a:r>
+              <a:rPr lang="en-IN" b="0" i="0" dirty="0">
+                <a:solidFill>
+                  <a:srgbClr val="C00000"/>
+                </a:solidFill>
+                <a:effectLst/>
+                <a:latin typeface="inter-regular"/>
+              </a:rPr>
+              <a:t>5</a:t>
+            </a:r>
+            <a:r>
+              <a:rPr lang="en-IN" b="0" i="0" dirty="0">
+                <a:solidFill>
+                  <a:srgbClr val="000000"/>
+                </a:solidFill>
+                <a:effectLst/>
+                <a:latin typeface="inter-regular"/>
+              </a:rPr>
+              <a:t>,</a:t>
+            </a:r>
+            <a:r>
+              <a:rPr lang="en-IN" b="0" i="0" dirty="0">
+                <a:solidFill>
+                  <a:srgbClr val="C00000"/>
+                </a:solidFill>
+                <a:effectLst/>
+                <a:latin typeface="inter-regular"/>
+              </a:rPr>
+              <a:t>10</a:t>
+            </a:r>
+            <a:r>
+              <a:rPr lang="en-IN" b="0" i="0" dirty="0">
+                <a:solidFill>
+                  <a:srgbClr val="000000"/>
+                </a:solidFill>
+                <a:effectLst/>
+                <a:latin typeface="inter-regular"/>
+              </a:rPr>
+              <a:t>,</a:t>
+            </a:r>
+            <a:r>
+              <a:rPr lang="en-IN" b="0" i="0" dirty="0">
+                <a:solidFill>
+                  <a:srgbClr val="C00000"/>
+                </a:solidFill>
+                <a:effectLst/>
+                <a:latin typeface="inter-regular"/>
+              </a:rPr>
+              <a:t>15</a:t>
+            </a:r>
+            <a:r>
+              <a:rPr lang="en-IN" b="0" i="0" dirty="0">
+                <a:solidFill>
+                  <a:srgbClr val="000000"/>
+                </a:solidFill>
+                <a:effectLst/>
+                <a:latin typeface="inter-regular"/>
+              </a:rPr>
+              <a:t> </a:t>
+            </a:r>
+          </a:p>
+          <a:p>
+            <a:pPr lvl="1"/>
+            <a:r>
+              <a:rPr lang="en-US" b="0" i="0" dirty="0">
+                <a:solidFill>
+                  <a:srgbClr val="333333"/>
+                </a:solidFill>
+                <a:effectLst/>
+                <a:latin typeface="inter-regular"/>
+              </a:rPr>
+              <a:t>The values will be assigned in the order in which variables appear.</a:t>
+            </a:r>
+            <a:endParaRPr lang="en-IN" b="0" i="0" dirty="0">
+              <a:solidFill>
+                <a:srgbClr val="000000"/>
+              </a:solidFill>
+              <a:effectLst/>
+              <a:latin typeface="inter-regular"/>
+            </a:endParaRPr>
+          </a:p>
+        </p:txBody>
+      </p:sp>
     </p:spTree>
     <p:extLst>
       <p:ext uri="{BB962C8B-B14F-4D97-AF65-F5344CB8AC3E}">
-        <p14:creationId xmlns:p14="http://schemas.microsoft.com/office/powerpoint/2010/main" val="932381567"/>
+        <p14:creationId xmlns:p14="http://schemas.microsoft.com/office/powerpoint/2010/main" val="379183028"/>
       </p:ext>
     </p:extLst>
   </p:cSld>
@@ -3606,7 +3735,7 @@
           <p:cNvPr id="2" name="Title 1">
             <a:extLst>
               <a:ext uri="{FF2B5EF4-FFF2-40B4-BE49-F238E27FC236}">
-                <a16:creationId xmlns:a16="http://schemas.microsoft.com/office/drawing/2014/main" id="{373EAC9B-2FCB-D9D7-FEB8-F0A06AF3C3AF}"/>
+                <a16:creationId xmlns:a16="http://schemas.microsoft.com/office/drawing/2014/main" id="{5AB1BA00-5EF9-93E0-3E86-FC4D2E80F527}"/>
               </a:ext>
             </a:extLst>
           </p:cNvPr>
@@ -3619,25 +3748,24 @@
         </p:nvSpPr>
         <p:spPr>
           <a:xfrm>
-            <a:off x="838200" y="365125"/>
-            <a:ext cx="10515600" cy="746499"/>
+            <a:off x="75414" y="179110"/>
+            <a:ext cx="11877774" cy="501928"/>
           </a:xfrm>
         </p:spPr>
         <p:txBody>
-          <a:bodyPr/>
-          <a:lstStyle/>
-          <a:p>
-            <a:r>
-              <a:rPr lang="en-IN" b="0" i="0" dirty="0">
-                <a:solidFill>
-                  <a:srgbClr val="222222"/>
-                </a:solidFill>
-                <a:effectLst/>
-                <a:latin typeface="-apple-system"/>
-              </a:rPr>
-              <a:t>Python Logical Operators</a:t>
-            </a:r>
-            <a:endParaRPr lang="en-IN" dirty="0"/>
+          <a:bodyPr>
+            <a:normAutofit fontScale="90000"/>
+          </a:bodyPr>
+          <a:lstStyle/>
+          <a:p>
+            <a:pPr algn="just"/>
+            <a:r>
+              <a:rPr lang="en-IN" b="1" i="0" dirty="0">
+                <a:effectLst/>
+                <a:latin typeface="erdana"/>
+              </a:rPr>
+              <a:t>Local Variable</a:t>
+            </a:r>
           </a:p>
         </p:txBody>
       </p:sp>
@@ -3646,7 +3774,7 @@
           <p:cNvPr id="3" name="Content Placeholder 2">
             <a:extLst>
               <a:ext uri="{FF2B5EF4-FFF2-40B4-BE49-F238E27FC236}">
-                <a16:creationId xmlns:a16="http://schemas.microsoft.com/office/drawing/2014/main" id="{E7443CA2-F79A-3562-2031-1BFE79EB7814}"/>
+                <a16:creationId xmlns:a16="http://schemas.microsoft.com/office/drawing/2014/main" id="{E032DE1F-B025-5BEE-8915-7E9B2E1CA311}"/>
               </a:ext>
             </a:extLst>
           </p:cNvPr>
@@ -3659,68 +3787,2622 @@
         </p:nvSpPr>
         <p:spPr>
           <a:xfrm>
-            <a:off x="838200" y="1192306"/>
-            <a:ext cx="10515600" cy="5300569"/>
+            <a:off x="75414" y="895546"/>
+            <a:ext cx="11877774" cy="5783344"/>
           </a:xfrm>
         </p:spPr>
         <p:txBody>
-          <a:bodyPr/>
-          <a:lstStyle/>
-          <a:p>
-            <a:pPr algn="l"/>
-            <a:r>
-              <a:rPr lang="en-US" sz="2000" b="0" i="0" dirty="0">
-                <a:solidFill>
-                  <a:srgbClr val="222222"/>
-                </a:solidFill>
-                <a:effectLst/>
-                <a:latin typeface="-apple-system"/>
-              </a:rPr>
-              <a:t>Python Logical Operators are used to combine two or more conditions and perform the logical operations using Logical AND, OR, and NOT. The Python Comparison Operators are used to compare two variables, what if we want to match more than one condition? Very simple, Python logical operators will do the trick for you. The below table outlines the and, or, not operator with examples.</a:t>
-            </a:r>
-          </a:p>
-          <a:p>
-            <a:br>
-              <a:rPr lang="en-US" dirty="0"/>
-            </a:br>
+          <a:bodyPr>
+            <a:normAutofit/>
+          </a:bodyPr>
+          <a:lstStyle/>
+          <a:p>
+            <a:r>
+              <a:rPr lang="en-US" b="0" i="0" dirty="0">
+                <a:effectLst/>
+                <a:latin typeface="inter-regular"/>
+              </a:rPr>
+              <a:t>Local variables are the variables that declared inside the function and have scope within the function. Let's understand the following example.</a:t>
+            </a:r>
+          </a:p>
+          <a:p>
+            <a:pPr lvl="2" algn="just">
+              <a:buFont typeface="+mj-lt"/>
+              <a:buAutoNum type="arabicPeriod"/>
+            </a:pPr>
+            <a:r>
+              <a:rPr lang="en-US" b="0" i="0" dirty="0">
+                <a:effectLst/>
+                <a:latin typeface="inter-regular"/>
+              </a:rPr>
+              <a:t># Declaring a function  </a:t>
+            </a:r>
+          </a:p>
+          <a:p>
+            <a:pPr lvl="2" algn="just">
+              <a:buFont typeface="+mj-lt"/>
+              <a:buAutoNum type="arabicPeriod"/>
+            </a:pPr>
+            <a:r>
+              <a:rPr lang="en-US" b="1" i="0" dirty="0">
+                <a:effectLst/>
+                <a:latin typeface="inter-regular"/>
+              </a:rPr>
+              <a:t>def</a:t>
+            </a:r>
+            <a:r>
+              <a:rPr lang="en-US" b="0" i="0" dirty="0">
+                <a:effectLst/>
+                <a:latin typeface="inter-regular"/>
+              </a:rPr>
+              <a:t> add():  </a:t>
+            </a:r>
+          </a:p>
+          <a:p>
+            <a:pPr lvl="2" algn="just">
+              <a:buFont typeface="+mj-lt"/>
+              <a:buAutoNum type="arabicPeriod"/>
+            </a:pPr>
+            <a:r>
+              <a:rPr lang="en-US" b="0" i="0" dirty="0">
+                <a:effectLst/>
+                <a:latin typeface="inter-regular"/>
+              </a:rPr>
+              <a:t>    # Defining local variables. They has scope only within a function  </a:t>
+            </a:r>
+          </a:p>
+          <a:p>
+            <a:pPr lvl="2" algn="just">
+              <a:buFont typeface="+mj-lt"/>
+              <a:buAutoNum type="arabicPeriod"/>
+            </a:pPr>
+            <a:r>
+              <a:rPr lang="en-US" b="0" i="0" dirty="0">
+                <a:effectLst/>
+                <a:latin typeface="inter-regular"/>
+              </a:rPr>
+              <a:t>    a = 20  </a:t>
+            </a:r>
+          </a:p>
+          <a:p>
+            <a:pPr lvl="2" algn="just">
+              <a:buFont typeface="+mj-lt"/>
+              <a:buAutoNum type="arabicPeriod"/>
+            </a:pPr>
+            <a:r>
+              <a:rPr lang="en-US" b="0" i="0" dirty="0">
+                <a:effectLst/>
+                <a:latin typeface="inter-regular"/>
+              </a:rPr>
+              <a:t>    b = 30  </a:t>
+            </a:r>
+          </a:p>
+          <a:p>
+            <a:pPr lvl="2" algn="just">
+              <a:buFont typeface="+mj-lt"/>
+              <a:buAutoNum type="arabicPeriod"/>
+            </a:pPr>
+            <a:r>
+              <a:rPr lang="en-US" b="0" i="0" dirty="0">
+                <a:effectLst/>
+                <a:latin typeface="inter-regular"/>
+              </a:rPr>
+              <a:t>    c = a + b  </a:t>
+            </a:r>
+          </a:p>
+          <a:p>
+            <a:pPr lvl="2" algn="just">
+              <a:buFont typeface="+mj-lt"/>
+              <a:buAutoNum type="arabicPeriod"/>
+            </a:pPr>
+            <a:r>
+              <a:rPr lang="en-US" b="0" i="0" dirty="0">
+                <a:effectLst/>
+                <a:latin typeface="inter-regular"/>
+              </a:rPr>
+              <a:t>    </a:t>
+            </a:r>
+            <a:r>
+              <a:rPr lang="en-US" b="1" i="0" dirty="0">
+                <a:effectLst/>
+                <a:latin typeface="inter-regular"/>
+              </a:rPr>
+              <a:t>print</a:t>
+            </a:r>
+            <a:r>
+              <a:rPr lang="en-US" b="0" i="0" dirty="0">
+                <a:effectLst/>
+                <a:latin typeface="inter-regular"/>
+              </a:rPr>
+              <a:t>("The sum is:", c)  </a:t>
+            </a:r>
+          </a:p>
+          <a:p>
+            <a:pPr lvl="2" algn="just">
+              <a:buFont typeface="+mj-lt"/>
+              <a:buAutoNum type="arabicPeriod"/>
+            </a:pPr>
+            <a:r>
+              <a:rPr lang="en-US" b="0" i="0" dirty="0">
+                <a:effectLst/>
+                <a:latin typeface="inter-regular"/>
+              </a:rPr>
+              <a:t># Calling a function  </a:t>
+            </a:r>
+          </a:p>
+          <a:p>
+            <a:pPr lvl="2" algn="just">
+              <a:buFont typeface="+mj-lt"/>
+              <a:buAutoNum type="arabicPeriod"/>
+            </a:pPr>
+            <a:r>
+              <a:rPr lang="en-US" b="0" i="0" dirty="0">
+                <a:effectLst/>
+                <a:latin typeface="inter-regular"/>
+              </a:rPr>
+              <a:t>add()  </a:t>
+            </a:r>
+          </a:p>
+          <a:p>
+            <a:r>
+              <a:rPr lang="en-US" b="0" i="0" dirty="0">
+                <a:effectLst/>
+                <a:latin typeface="inter-regular"/>
+              </a:rPr>
+              <a:t>In the above code, we declared a function named </a:t>
+            </a:r>
+            <a:r>
+              <a:rPr lang="en-US" b="1" i="0" dirty="0">
+                <a:effectLst/>
+                <a:latin typeface="inter-bold"/>
+              </a:rPr>
+              <a:t>add()</a:t>
+            </a:r>
+            <a:r>
+              <a:rPr lang="en-US" b="0" i="0" dirty="0">
+                <a:effectLst/>
+                <a:latin typeface="inter-regular"/>
+              </a:rPr>
+              <a:t> and assigned a few variables within the function. These variables will be referred to as the </a:t>
+            </a:r>
+            <a:r>
+              <a:rPr lang="en-US" b="1" i="0" dirty="0">
+                <a:effectLst/>
+                <a:latin typeface="inter-bold"/>
+              </a:rPr>
+              <a:t>local variables</a:t>
+            </a:r>
+            <a:r>
+              <a:rPr lang="en-US" b="0" i="0" dirty="0">
+                <a:effectLst/>
+                <a:latin typeface="inter-regular"/>
+              </a:rPr>
+              <a:t> which have scope only inside the function. If we try to use them outside the function, we get an error.</a:t>
+            </a:r>
             <a:endParaRPr lang="en-IN" dirty="0"/>
           </a:p>
         </p:txBody>
       </p:sp>
-      <p:pic>
-        <p:nvPicPr>
-          <p:cNvPr id="5" name="Picture 4">
-            <a:extLst>
-              <a:ext uri="{FF2B5EF4-FFF2-40B4-BE49-F238E27FC236}">
-                <a16:creationId xmlns:a16="http://schemas.microsoft.com/office/drawing/2014/main" id="{DEB19F1F-D35A-37A1-4BDC-CD4B0330AF4C}"/>
-              </a:ext>
-            </a:extLst>
-          </p:cNvPr>
-          <p:cNvPicPr>
-            <a:picLocks noChangeAspect="1"/>
-          </p:cNvPicPr>
-          <p:nvPr/>
-        </p:nvPicPr>
-        <p:blipFill>
-          <a:blip r:embed="rId2"/>
-          <a:stretch>
-            <a:fillRect/>
-          </a:stretch>
-        </p:blipFill>
+    </p:spTree>
+    <p:extLst>
+      <p:ext uri="{BB962C8B-B14F-4D97-AF65-F5344CB8AC3E}">
+        <p14:creationId xmlns:p14="http://schemas.microsoft.com/office/powerpoint/2010/main" val="1209563452"/>
+      </p:ext>
+    </p:extLst>
+  </p:cSld>
+  <p:clrMapOvr>
+    <a:masterClrMapping/>
+  </p:clrMapOvr>
+</p:sld>
+</file>
+
+<file path=ppt/slides/slide12.xml><?xml version="1.0" encoding="utf-8"?>
+<p:sld xmlns:a="http://schemas.openxmlformats.org/drawingml/2006/main" xmlns:r="http://schemas.openxmlformats.org/officeDocument/2006/relationships" xmlns:p="http://schemas.openxmlformats.org/presentationml/2006/main">
+  <p:cSld>
+    <p:spTree>
+      <p:nvGrpSpPr>
+        <p:cNvPr id="1" name=""/>
+        <p:cNvGrpSpPr/>
+        <p:nvPr/>
+      </p:nvGrpSpPr>
+      <p:grpSpPr>
+        <a:xfrm>
+          <a:off x="0" y="0"/>
+          <a:ext cx="0" cy="0"/>
+          <a:chOff x="0" y="0"/>
+          <a:chExt cx="0" cy="0"/>
+        </a:xfrm>
+      </p:grpSpPr>
+      <p:sp>
+        <p:nvSpPr>
+          <p:cNvPr id="2" name="Title 1">
+            <a:extLst>
+              <a:ext uri="{FF2B5EF4-FFF2-40B4-BE49-F238E27FC236}">
+                <a16:creationId xmlns:a16="http://schemas.microsoft.com/office/drawing/2014/main" id="{5AB1BA00-5EF9-93E0-3E86-FC4D2E80F527}"/>
+              </a:ext>
+            </a:extLst>
+          </p:cNvPr>
+          <p:cNvSpPr>
+            <a:spLocks noGrp="1"/>
+          </p:cNvSpPr>
+          <p:nvPr>
+            <p:ph type="title"/>
+          </p:nvPr>
+        </p:nvSpPr>
         <p:spPr>
           <a:xfrm>
-            <a:off x="1881370" y="2740621"/>
-            <a:ext cx="8721001" cy="3077473"/>
+            <a:off x="75414" y="179110"/>
+            <a:ext cx="11877774" cy="501928"/>
+          </a:xfrm>
+        </p:spPr>
+        <p:txBody>
+          <a:bodyPr>
+            <a:normAutofit fontScale="90000"/>
+          </a:bodyPr>
+          <a:lstStyle/>
+          <a:p>
+            <a:pPr algn="just"/>
+            <a:r>
+              <a:rPr lang="en-IN" b="1" i="0" dirty="0">
+                <a:effectLst/>
+                <a:latin typeface="erdana"/>
+              </a:rPr>
+              <a:t>Global Variables</a:t>
+            </a:r>
+          </a:p>
+        </p:txBody>
+      </p:sp>
+      <p:sp>
+        <p:nvSpPr>
+          <p:cNvPr id="3" name="Content Placeholder 2">
+            <a:extLst>
+              <a:ext uri="{FF2B5EF4-FFF2-40B4-BE49-F238E27FC236}">
+                <a16:creationId xmlns:a16="http://schemas.microsoft.com/office/drawing/2014/main" id="{E032DE1F-B025-5BEE-8915-7E9B2E1CA311}"/>
+              </a:ext>
+            </a:extLst>
+          </p:cNvPr>
+          <p:cNvSpPr>
+            <a:spLocks noGrp="1"/>
+          </p:cNvSpPr>
+          <p:nvPr>
+            <p:ph idx="1"/>
+          </p:nvPr>
+        </p:nvSpPr>
+        <p:spPr>
+          <a:xfrm>
+            <a:off x="75414" y="895546"/>
+            <a:ext cx="11877774" cy="5783344"/>
+          </a:xfrm>
+        </p:spPr>
+        <p:txBody>
+          <a:bodyPr>
+            <a:normAutofit fontScale="85000" lnSpcReduction="20000"/>
+          </a:bodyPr>
+          <a:lstStyle/>
+          <a:p>
+            <a:pPr algn="just"/>
+            <a:r>
+              <a:rPr lang="en-US" b="0" i="0" dirty="0">
+                <a:effectLst/>
+                <a:latin typeface="inter-regular"/>
+              </a:rPr>
+              <a:t>Global variables can be used throughout the program, and its scope is in the entire program. We can use global variables inside or outside the function.</a:t>
+            </a:r>
+          </a:p>
+          <a:p>
+            <a:pPr algn="just"/>
+            <a:r>
+              <a:rPr lang="en-US" b="0" i="0" dirty="0">
+                <a:effectLst/>
+                <a:latin typeface="inter-regular"/>
+              </a:rPr>
+              <a:t>A variable declared outside the function is the global variable by default. Python provides the </a:t>
+            </a:r>
+            <a:r>
+              <a:rPr lang="en-US" b="1" i="0" dirty="0">
+                <a:effectLst/>
+                <a:latin typeface="inter-bold"/>
+              </a:rPr>
+              <a:t>global</a:t>
+            </a:r>
+            <a:r>
+              <a:rPr lang="en-US" b="0" i="0" dirty="0">
+                <a:effectLst/>
+                <a:latin typeface="inter-regular"/>
+              </a:rPr>
+              <a:t> keyword to use global variable inside the function. If we don't use the </a:t>
+            </a:r>
+            <a:r>
+              <a:rPr lang="en-US" b="1" i="0" dirty="0">
+                <a:effectLst/>
+                <a:latin typeface="inter-bold"/>
+              </a:rPr>
+              <a:t>global</a:t>
+            </a:r>
+            <a:r>
+              <a:rPr lang="en-US" b="0" i="0" dirty="0">
+                <a:effectLst/>
+                <a:latin typeface="inter-regular"/>
+              </a:rPr>
+              <a:t> keyword, the function treats it as a local variable. Let's understand the following example.</a:t>
+            </a:r>
+          </a:p>
+          <a:p>
+            <a:pPr lvl="2" algn="just">
+              <a:buFont typeface="+mj-lt"/>
+              <a:buAutoNum type="arabicPeriod"/>
+            </a:pPr>
+            <a:r>
+              <a:rPr lang="en-IN" b="0" i="0" dirty="0">
+                <a:effectLst/>
+                <a:latin typeface="inter-regular"/>
+              </a:rPr>
+              <a:t>x = 101  </a:t>
+            </a:r>
+          </a:p>
+          <a:p>
+            <a:pPr lvl="2" algn="just">
+              <a:buFont typeface="+mj-lt"/>
+              <a:buAutoNum type="arabicPeriod"/>
+            </a:pPr>
+            <a:r>
+              <a:rPr lang="en-IN" b="0" i="0" dirty="0">
+                <a:effectLst/>
+                <a:latin typeface="inter-regular"/>
+              </a:rPr>
+              <a:t># Global variable in function  </a:t>
+            </a:r>
+          </a:p>
+          <a:p>
+            <a:pPr lvl="2" algn="just">
+              <a:buFont typeface="+mj-lt"/>
+              <a:buAutoNum type="arabicPeriod"/>
+            </a:pPr>
+            <a:r>
+              <a:rPr lang="en-IN" b="1" i="0" dirty="0">
+                <a:effectLst/>
+                <a:latin typeface="inter-regular"/>
+              </a:rPr>
+              <a:t>def</a:t>
+            </a:r>
+            <a:r>
+              <a:rPr lang="en-IN" b="0" i="0" dirty="0">
+                <a:effectLst/>
+                <a:latin typeface="inter-regular"/>
+              </a:rPr>
+              <a:t> </a:t>
+            </a:r>
+            <a:r>
+              <a:rPr lang="en-IN" b="0" i="0" dirty="0" err="1">
+                <a:effectLst/>
+                <a:latin typeface="inter-regular"/>
+              </a:rPr>
+              <a:t>mainFunction</a:t>
+            </a:r>
+            <a:r>
+              <a:rPr lang="en-IN" b="0" i="0" dirty="0">
+                <a:effectLst/>
+                <a:latin typeface="inter-regular"/>
+              </a:rPr>
+              <a:t>():  </a:t>
+            </a:r>
+          </a:p>
+          <a:p>
+            <a:pPr lvl="2" algn="just">
+              <a:buFont typeface="+mj-lt"/>
+              <a:buAutoNum type="arabicPeriod"/>
+            </a:pPr>
+            <a:r>
+              <a:rPr lang="en-IN" b="0" i="0" dirty="0">
+                <a:effectLst/>
+                <a:latin typeface="inter-regular"/>
+              </a:rPr>
+              <a:t>    # printing a global variable  </a:t>
+            </a:r>
+          </a:p>
+          <a:p>
+            <a:pPr lvl="2" algn="just">
+              <a:buFont typeface="+mj-lt"/>
+              <a:buAutoNum type="arabicPeriod"/>
+            </a:pPr>
+            <a:r>
+              <a:rPr lang="en-IN" b="0" i="0" dirty="0">
+                <a:effectLst/>
+                <a:latin typeface="inter-regular"/>
+              </a:rPr>
+              <a:t>    </a:t>
+            </a:r>
+            <a:r>
+              <a:rPr lang="en-IN" b="1" i="0" dirty="0">
+                <a:effectLst/>
+                <a:latin typeface="inter-regular"/>
+              </a:rPr>
+              <a:t>global</a:t>
+            </a:r>
+            <a:r>
+              <a:rPr lang="en-IN" b="0" i="0" dirty="0">
+                <a:effectLst/>
+                <a:latin typeface="inter-regular"/>
+              </a:rPr>
+              <a:t> x  </a:t>
+            </a:r>
+          </a:p>
+          <a:p>
+            <a:pPr lvl="2" algn="just">
+              <a:buFont typeface="+mj-lt"/>
+              <a:buAutoNum type="arabicPeriod"/>
+            </a:pPr>
+            <a:r>
+              <a:rPr lang="en-IN" b="0" i="0" dirty="0">
+                <a:effectLst/>
+                <a:latin typeface="inter-regular"/>
+              </a:rPr>
+              <a:t>    </a:t>
+            </a:r>
+            <a:r>
+              <a:rPr lang="en-IN" b="1" i="0" dirty="0">
+                <a:effectLst/>
+                <a:latin typeface="inter-regular"/>
+              </a:rPr>
+              <a:t>print</a:t>
+            </a:r>
+            <a:r>
+              <a:rPr lang="en-IN" b="0" i="0" dirty="0">
+                <a:effectLst/>
+                <a:latin typeface="inter-regular"/>
+              </a:rPr>
+              <a:t>(x)  </a:t>
+            </a:r>
+          </a:p>
+          <a:p>
+            <a:pPr lvl="2" algn="just">
+              <a:buFont typeface="+mj-lt"/>
+              <a:buAutoNum type="arabicPeriod"/>
+            </a:pPr>
+            <a:r>
+              <a:rPr lang="en-IN" b="0" i="0" dirty="0">
+                <a:effectLst/>
+                <a:latin typeface="inter-regular"/>
+              </a:rPr>
+              <a:t>    # modifying a global variable  </a:t>
+            </a:r>
+          </a:p>
+          <a:p>
+            <a:pPr lvl="2" algn="just">
+              <a:buFont typeface="+mj-lt"/>
+              <a:buAutoNum type="arabicPeriod"/>
+            </a:pPr>
+            <a:r>
+              <a:rPr lang="en-IN" b="0" i="0" dirty="0">
+                <a:effectLst/>
+                <a:latin typeface="inter-regular"/>
+              </a:rPr>
+              <a:t>    x = ’Hello World’  </a:t>
+            </a:r>
+          </a:p>
+          <a:p>
+            <a:pPr lvl="2" algn="just">
+              <a:buFont typeface="+mj-lt"/>
+              <a:buAutoNum type="arabicPeriod"/>
+            </a:pPr>
+            <a:r>
+              <a:rPr lang="en-IN" b="0" i="0" dirty="0">
+                <a:effectLst/>
+                <a:latin typeface="inter-regular"/>
+              </a:rPr>
+              <a:t>    </a:t>
+            </a:r>
+            <a:r>
+              <a:rPr lang="en-IN" b="1" i="0" dirty="0">
+                <a:effectLst/>
+                <a:latin typeface="inter-regular"/>
+              </a:rPr>
+              <a:t>print</a:t>
+            </a:r>
+            <a:r>
+              <a:rPr lang="en-IN" b="0" i="0" dirty="0">
+                <a:effectLst/>
+                <a:latin typeface="inter-regular"/>
+              </a:rPr>
+              <a:t>(x)  </a:t>
+            </a:r>
+          </a:p>
+          <a:p>
+            <a:pPr lvl="2" algn="just">
+              <a:buFont typeface="+mj-lt"/>
+              <a:buAutoNum type="arabicPeriod"/>
+            </a:pPr>
+            <a:r>
+              <a:rPr lang="en-IN" b="0" i="0" dirty="0" err="1">
+                <a:effectLst/>
+                <a:latin typeface="inter-regular"/>
+              </a:rPr>
+              <a:t>mainFunction</a:t>
+            </a:r>
+            <a:r>
+              <a:rPr lang="en-IN" b="0" i="0" dirty="0">
+                <a:effectLst/>
+                <a:latin typeface="inter-regular"/>
+              </a:rPr>
+              <a:t>()  </a:t>
+            </a:r>
+          </a:p>
+          <a:p>
+            <a:pPr lvl="2" algn="just">
+              <a:buFont typeface="+mj-lt"/>
+              <a:buAutoNum type="arabicPeriod"/>
+            </a:pPr>
+            <a:r>
+              <a:rPr lang="en-IN" b="1" i="0" dirty="0">
+                <a:effectLst/>
+                <a:latin typeface="inter-regular"/>
+              </a:rPr>
+              <a:t>print</a:t>
+            </a:r>
+            <a:r>
+              <a:rPr lang="en-IN" b="0" i="0" dirty="0">
+                <a:effectLst/>
+                <a:latin typeface="inter-regular"/>
+              </a:rPr>
+              <a:t>(x)  </a:t>
+            </a:r>
+          </a:p>
+          <a:p>
+            <a:r>
+              <a:rPr lang="en-US" b="0" i="0" dirty="0">
+                <a:solidFill>
+                  <a:srgbClr val="333333"/>
+                </a:solidFill>
+                <a:effectLst/>
+                <a:latin typeface="inter-regular"/>
+              </a:rPr>
+              <a:t>In the above code, we declare a global variable </a:t>
+            </a:r>
+            <a:r>
+              <a:rPr lang="en-US" b="1" i="0" dirty="0">
+                <a:solidFill>
+                  <a:srgbClr val="333333"/>
+                </a:solidFill>
+                <a:effectLst/>
+                <a:latin typeface="inter-bold"/>
+              </a:rPr>
+              <a:t>x</a:t>
+            </a:r>
+            <a:r>
+              <a:rPr lang="en-US" b="0" i="0" dirty="0">
+                <a:solidFill>
+                  <a:srgbClr val="333333"/>
+                </a:solidFill>
+                <a:effectLst/>
+                <a:latin typeface="inter-regular"/>
+              </a:rPr>
+              <a:t> and assign a value to it. Next, we defined a function and accessed the declared variable using the </a:t>
+            </a:r>
+            <a:r>
+              <a:rPr lang="en-US" b="1" i="0" dirty="0">
+                <a:solidFill>
+                  <a:srgbClr val="333333"/>
+                </a:solidFill>
+                <a:effectLst/>
+                <a:latin typeface="inter-bold"/>
+              </a:rPr>
+              <a:t>global</a:t>
+            </a:r>
+            <a:r>
+              <a:rPr lang="en-US" b="0" i="0" dirty="0">
+                <a:solidFill>
+                  <a:srgbClr val="333333"/>
+                </a:solidFill>
+                <a:effectLst/>
+                <a:latin typeface="inter-regular"/>
+              </a:rPr>
+              <a:t> keyword inside the function. Now we can modify its value. Then, we assigned a new string value to the variable x.</a:t>
+            </a:r>
+            <a:endParaRPr lang="en-IN" dirty="0"/>
+          </a:p>
+        </p:txBody>
+      </p:sp>
+    </p:spTree>
+    <p:extLst>
+      <p:ext uri="{BB962C8B-B14F-4D97-AF65-F5344CB8AC3E}">
+        <p14:creationId xmlns:p14="http://schemas.microsoft.com/office/powerpoint/2010/main" val="1819315168"/>
+      </p:ext>
+    </p:extLst>
+  </p:cSld>
+  <p:clrMapOvr>
+    <a:masterClrMapping/>
+  </p:clrMapOvr>
+</p:sld>
+</file>
+
+<file path=ppt/slides/slide13.xml><?xml version="1.0" encoding="utf-8"?>
+<p:sld xmlns:a="http://schemas.openxmlformats.org/drawingml/2006/main" xmlns:r="http://schemas.openxmlformats.org/officeDocument/2006/relationships" xmlns:p="http://schemas.openxmlformats.org/presentationml/2006/main">
+  <p:cSld>
+    <p:spTree>
+      <p:nvGrpSpPr>
+        <p:cNvPr id="1" name=""/>
+        <p:cNvGrpSpPr/>
+        <p:nvPr/>
+      </p:nvGrpSpPr>
+      <p:grpSpPr>
+        <a:xfrm>
+          <a:off x="0" y="0"/>
+          <a:ext cx="0" cy="0"/>
+          <a:chOff x="0" y="0"/>
+          <a:chExt cx="0" cy="0"/>
+        </a:xfrm>
+      </p:grpSpPr>
+      <p:sp>
+        <p:nvSpPr>
+          <p:cNvPr id="2" name="Title 1">
+            <a:extLst>
+              <a:ext uri="{FF2B5EF4-FFF2-40B4-BE49-F238E27FC236}">
+                <a16:creationId xmlns:a16="http://schemas.microsoft.com/office/drawing/2014/main" id="{5AB1BA00-5EF9-93E0-3E86-FC4D2E80F527}"/>
+              </a:ext>
+            </a:extLst>
+          </p:cNvPr>
+          <p:cNvSpPr>
+            <a:spLocks noGrp="1"/>
+          </p:cNvSpPr>
+          <p:nvPr>
+            <p:ph type="title"/>
+          </p:nvPr>
+        </p:nvSpPr>
+        <p:spPr>
+          <a:xfrm>
+            <a:off x="75414" y="179110"/>
+            <a:ext cx="11877774" cy="501928"/>
+          </a:xfrm>
+        </p:spPr>
+        <p:txBody>
+          <a:bodyPr>
+            <a:normAutofit fontScale="90000"/>
+          </a:bodyPr>
+          <a:lstStyle/>
+          <a:p>
+            <a:pPr algn="just"/>
+            <a:r>
+              <a:rPr lang="en-IN" b="1" i="0" dirty="0">
+                <a:effectLst/>
+                <a:latin typeface="erdana"/>
+              </a:rPr>
+              <a:t>Delete a variable</a:t>
+            </a:r>
+          </a:p>
+        </p:txBody>
+      </p:sp>
+      <p:sp>
+        <p:nvSpPr>
+          <p:cNvPr id="3" name="Content Placeholder 2">
+            <a:extLst>
+              <a:ext uri="{FF2B5EF4-FFF2-40B4-BE49-F238E27FC236}">
+                <a16:creationId xmlns:a16="http://schemas.microsoft.com/office/drawing/2014/main" id="{E032DE1F-B025-5BEE-8915-7E9B2E1CA311}"/>
+              </a:ext>
+            </a:extLst>
+          </p:cNvPr>
+          <p:cNvSpPr>
+            <a:spLocks noGrp="1"/>
+          </p:cNvSpPr>
+          <p:nvPr>
+            <p:ph idx="1"/>
+          </p:nvPr>
+        </p:nvSpPr>
+        <p:spPr>
+          <a:xfrm>
+            <a:off x="75414" y="895546"/>
+            <a:ext cx="11877774" cy="5783344"/>
+          </a:xfrm>
+        </p:spPr>
+        <p:txBody>
+          <a:bodyPr>
+            <a:normAutofit/>
+          </a:bodyPr>
+          <a:lstStyle/>
+          <a:p>
+            <a:r>
+              <a:rPr lang="en-US" b="0" i="0" dirty="0">
+                <a:effectLst/>
+                <a:latin typeface="inter-regular"/>
+              </a:rPr>
+              <a:t>We can delete the variable using the </a:t>
+            </a:r>
+            <a:r>
+              <a:rPr lang="en-US" b="1" i="0" dirty="0">
+                <a:effectLst/>
+                <a:latin typeface="inter-bold"/>
+              </a:rPr>
+              <a:t>del</a:t>
+            </a:r>
+            <a:r>
+              <a:rPr lang="en-US" b="0" i="0" dirty="0">
+                <a:effectLst/>
+                <a:latin typeface="inter-regular"/>
+              </a:rPr>
+              <a:t> keyword. The syntax is given below.</a:t>
+            </a:r>
+          </a:p>
+          <a:p>
+            <a:r>
+              <a:rPr lang="en-US" b="1" dirty="0">
+                <a:latin typeface="inter-regular"/>
+              </a:rPr>
+              <a:t>Syntax</a:t>
+            </a:r>
+          </a:p>
+          <a:p>
+            <a:r>
+              <a:rPr lang="en-IN" b="1" i="0" dirty="0">
+                <a:effectLst/>
+                <a:latin typeface="inter-regular"/>
+              </a:rPr>
+              <a:t>del</a:t>
+            </a:r>
+            <a:r>
+              <a:rPr lang="en-IN" b="0" i="0" dirty="0">
+                <a:effectLst/>
+                <a:latin typeface="inter-regular"/>
+              </a:rPr>
+              <a:t> &lt;</a:t>
+            </a:r>
+            <a:r>
+              <a:rPr lang="en-IN" b="0" i="0" dirty="0" err="1">
+                <a:effectLst/>
+                <a:latin typeface="inter-regular"/>
+              </a:rPr>
+              <a:t>variable_name</a:t>
+            </a:r>
+            <a:r>
+              <a:rPr lang="en-IN" b="0" i="0" dirty="0">
+                <a:effectLst/>
+                <a:latin typeface="inter-regular"/>
+              </a:rPr>
+              <a:t>&gt;</a:t>
+            </a:r>
+          </a:p>
+          <a:p>
+            <a:r>
+              <a:rPr lang="en-US" b="0" i="0" dirty="0">
+                <a:effectLst/>
+                <a:latin typeface="inter-regular"/>
+              </a:rPr>
+              <a:t>In the following example, we create a variable x and assign value to it. We deleted variable x, and print it, we get the error </a:t>
+            </a:r>
+            <a:r>
+              <a:rPr lang="en-US" b="1" i="0" dirty="0">
+                <a:effectLst/>
+                <a:latin typeface="inter-bold"/>
+              </a:rPr>
+              <a:t>"variable x is not defined"</a:t>
+            </a:r>
+            <a:r>
+              <a:rPr lang="en-US" b="0" i="0" dirty="0">
+                <a:effectLst/>
+                <a:latin typeface="inter-regular"/>
+              </a:rPr>
+              <a:t>. The variable x will no longer use in future.</a:t>
+            </a:r>
+            <a:endParaRPr lang="en-IN" dirty="0">
+              <a:latin typeface="inter-regular"/>
+            </a:endParaRPr>
+          </a:p>
+          <a:p>
+            <a:pPr lvl="1" algn="just">
+              <a:buFont typeface="+mj-lt"/>
+              <a:buAutoNum type="arabicPeriod"/>
+            </a:pPr>
+            <a:r>
+              <a:rPr lang="en-US" b="0" i="0" dirty="0">
+                <a:effectLst/>
+                <a:latin typeface="inter-regular"/>
+              </a:rPr>
+              <a:t>x = 6  </a:t>
+            </a:r>
+          </a:p>
+          <a:p>
+            <a:pPr lvl="1" algn="just">
+              <a:buFont typeface="+mj-lt"/>
+              <a:buAutoNum type="arabicPeriod"/>
+            </a:pPr>
+            <a:r>
+              <a:rPr lang="en-US" b="0" i="0" dirty="0">
+                <a:effectLst/>
+                <a:latin typeface="inter-regular"/>
+              </a:rPr>
+              <a:t># deleting a variable.   </a:t>
+            </a:r>
+          </a:p>
+          <a:p>
+            <a:pPr lvl="1" algn="just">
+              <a:buFont typeface="+mj-lt"/>
+              <a:buAutoNum type="arabicPeriod"/>
+            </a:pPr>
+            <a:r>
+              <a:rPr lang="en-US" b="1" i="0" dirty="0">
+                <a:effectLst/>
+                <a:latin typeface="inter-regular"/>
+              </a:rPr>
+              <a:t>del</a:t>
+            </a:r>
+            <a:r>
+              <a:rPr lang="en-US" b="0" i="0" dirty="0">
+                <a:effectLst/>
+                <a:latin typeface="inter-regular"/>
+              </a:rPr>
+              <a:t> x  </a:t>
+            </a:r>
+          </a:p>
+          <a:p>
+            <a:pPr lvl="1" algn="just">
+              <a:buFont typeface="+mj-lt"/>
+              <a:buAutoNum type="arabicPeriod"/>
+            </a:pPr>
+            <a:r>
+              <a:rPr lang="en-US" b="1" i="0" dirty="0">
+                <a:effectLst/>
+                <a:latin typeface="inter-regular"/>
+              </a:rPr>
+              <a:t>print</a:t>
+            </a:r>
+            <a:r>
+              <a:rPr lang="en-US" b="0" i="0" dirty="0">
+                <a:effectLst/>
+                <a:latin typeface="inter-regular"/>
+              </a:rPr>
+              <a:t>(x)  #will throw error</a:t>
+            </a:r>
+          </a:p>
+          <a:p>
+            <a:pPr marL="0" indent="0">
+              <a:buNone/>
+            </a:pPr>
+            <a:endParaRPr lang="en-IN" b="1" dirty="0"/>
+          </a:p>
+        </p:txBody>
+      </p:sp>
+    </p:spTree>
+    <p:extLst>
+      <p:ext uri="{BB962C8B-B14F-4D97-AF65-F5344CB8AC3E}">
+        <p14:creationId xmlns:p14="http://schemas.microsoft.com/office/powerpoint/2010/main" val="2771667187"/>
+      </p:ext>
+    </p:extLst>
+  </p:cSld>
+  <p:clrMapOvr>
+    <a:masterClrMapping/>
+  </p:clrMapOvr>
+</p:sld>
+</file>
+
+<file path=ppt/slides/slide14.xml><?xml version="1.0" encoding="utf-8"?>
+<p:sld xmlns:a="http://schemas.openxmlformats.org/drawingml/2006/main" xmlns:r="http://schemas.openxmlformats.org/officeDocument/2006/relationships" xmlns:p="http://schemas.openxmlformats.org/presentationml/2006/main">
+  <p:cSld>
+    <p:spTree>
+      <p:nvGrpSpPr>
+        <p:cNvPr id="1" name=""/>
+        <p:cNvGrpSpPr/>
+        <p:nvPr/>
+      </p:nvGrpSpPr>
+      <p:grpSpPr>
+        <a:xfrm>
+          <a:off x="0" y="0"/>
+          <a:ext cx="0" cy="0"/>
+          <a:chOff x="0" y="0"/>
+          <a:chExt cx="0" cy="0"/>
+        </a:xfrm>
+      </p:grpSpPr>
+      <p:sp>
+        <p:nvSpPr>
+          <p:cNvPr id="2" name="Title 1">
+            <a:extLst>
+              <a:ext uri="{FF2B5EF4-FFF2-40B4-BE49-F238E27FC236}">
+                <a16:creationId xmlns:a16="http://schemas.microsoft.com/office/drawing/2014/main" id="{5AB1BA00-5EF9-93E0-3E86-FC4D2E80F527}"/>
+              </a:ext>
+            </a:extLst>
+          </p:cNvPr>
+          <p:cNvSpPr>
+            <a:spLocks noGrp="1"/>
+          </p:cNvSpPr>
+          <p:nvPr>
+            <p:ph type="title"/>
+          </p:nvPr>
+        </p:nvSpPr>
+        <p:spPr>
+          <a:xfrm>
+            <a:off x="75414" y="179110"/>
+            <a:ext cx="11877774" cy="501928"/>
+          </a:xfrm>
+        </p:spPr>
+        <p:txBody>
+          <a:bodyPr>
+            <a:normAutofit fontScale="90000"/>
+          </a:bodyPr>
+          <a:lstStyle/>
+          <a:p>
+            <a:pPr algn="l" fontAlgn="base"/>
+            <a:r>
+              <a:rPr lang="en-IN" b="1" i="0" dirty="0">
+                <a:effectLst/>
+                <a:latin typeface="sofia-pro"/>
+              </a:rPr>
+              <a:t>Type Conversion in Python</a:t>
+            </a:r>
+          </a:p>
+        </p:txBody>
+      </p:sp>
+      <p:sp>
+        <p:nvSpPr>
+          <p:cNvPr id="3" name="Content Placeholder 2">
+            <a:extLst>
+              <a:ext uri="{FF2B5EF4-FFF2-40B4-BE49-F238E27FC236}">
+                <a16:creationId xmlns:a16="http://schemas.microsoft.com/office/drawing/2014/main" id="{E032DE1F-B025-5BEE-8915-7E9B2E1CA311}"/>
+              </a:ext>
+            </a:extLst>
+          </p:cNvPr>
+          <p:cNvSpPr>
+            <a:spLocks noGrp="1"/>
+          </p:cNvSpPr>
+          <p:nvPr>
+            <p:ph idx="1"/>
+          </p:nvPr>
+        </p:nvSpPr>
+        <p:spPr>
+          <a:xfrm>
+            <a:off x="75414" y="895546"/>
+            <a:ext cx="11877774" cy="5783344"/>
+          </a:xfrm>
+        </p:spPr>
+        <p:txBody>
+          <a:bodyPr>
+            <a:normAutofit/>
+          </a:bodyPr>
+          <a:lstStyle/>
+          <a:p>
+            <a:pPr algn="l" fontAlgn="base"/>
+            <a:r>
+              <a:rPr lang="en-US" b="0" i="0" dirty="0">
+                <a:effectLst/>
+                <a:latin typeface="urw-din"/>
+              </a:rPr>
+              <a:t>Python defines type conversion functions to directly convert one data type to another which is useful in day-to-day and competitive programming. This article is aimed at providing information about certain conversion functions.</a:t>
+            </a:r>
+          </a:p>
+          <a:p>
+            <a:pPr algn="l" fontAlgn="base"/>
+            <a:r>
+              <a:rPr lang="en-US" b="0" i="0" dirty="0">
+                <a:effectLst/>
+                <a:latin typeface="urw-din"/>
+              </a:rPr>
+              <a:t>There are two types of Type Conversion in Python:</a:t>
+            </a:r>
+          </a:p>
+          <a:p>
+            <a:pPr algn="l" fontAlgn="base">
+              <a:buFont typeface="+mj-lt"/>
+              <a:buAutoNum type="arabicPeriod"/>
+            </a:pPr>
+            <a:r>
+              <a:rPr lang="en-US" b="0" i="0" dirty="0">
+                <a:effectLst/>
+                <a:latin typeface="urw-din"/>
+              </a:rPr>
+              <a:t>Implicit Type Conversion</a:t>
+            </a:r>
+          </a:p>
+          <a:p>
+            <a:pPr algn="l" fontAlgn="base">
+              <a:buFont typeface="+mj-lt"/>
+              <a:buAutoNum type="arabicPeriod"/>
+            </a:pPr>
+            <a:r>
+              <a:rPr lang="en-US" b="0" i="0" dirty="0">
+                <a:effectLst/>
+                <a:latin typeface="urw-din"/>
+              </a:rPr>
+              <a:t>Explicit Type Conversion</a:t>
+            </a:r>
+          </a:p>
+          <a:p>
+            <a:endParaRPr lang="en-IN" dirty="0"/>
+          </a:p>
+        </p:txBody>
+      </p:sp>
+    </p:spTree>
+    <p:extLst>
+      <p:ext uri="{BB962C8B-B14F-4D97-AF65-F5344CB8AC3E}">
+        <p14:creationId xmlns:p14="http://schemas.microsoft.com/office/powerpoint/2010/main" val="3966134115"/>
+      </p:ext>
+    </p:extLst>
+  </p:cSld>
+  <p:clrMapOvr>
+    <a:masterClrMapping/>
+  </p:clrMapOvr>
+</p:sld>
+</file>
+
+<file path=ppt/slides/slide15.xml><?xml version="1.0" encoding="utf-8"?>
+<p:sld xmlns:a="http://schemas.openxmlformats.org/drawingml/2006/main" xmlns:r="http://schemas.openxmlformats.org/officeDocument/2006/relationships" xmlns:p="http://schemas.openxmlformats.org/presentationml/2006/main">
+  <p:cSld>
+    <p:spTree>
+      <p:nvGrpSpPr>
+        <p:cNvPr id="1" name=""/>
+        <p:cNvGrpSpPr/>
+        <p:nvPr/>
+      </p:nvGrpSpPr>
+      <p:grpSpPr>
+        <a:xfrm>
+          <a:off x="0" y="0"/>
+          <a:ext cx="0" cy="0"/>
+          <a:chOff x="0" y="0"/>
+          <a:chExt cx="0" cy="0"/>
+        </a:xfrm>
+      </p:grpSpPr>
+      <p:sp>
+        <p:nvSpPr>
+          <p:cNvPr id="2" name="Title 1">
+            <a:extLst>
+              <a:ext uri="{FF2B5EF4-FFF2-40B4-BE49-F238E27FC236}">
+                <a16:creationId xmlns:a16="http://schemas.microsoft.com/office/drawing/2014/main" id="{5AB1BA00-5EF9-93E0-3E86-FC4D2E80F527}"/>
+              </a:ext>
+            </a:extLst>
+          </p:cNvPr>
+          <p:cNvSpPr>
+            <a:spLocks noGrp="1"/>
+          </p:cNvSpPr>
+          <p:nvPr>
+            <p:ph type="title"/>
+          </p:nvPr>
+        </p:nvSpPr>
+        <p:spPr>
+          <a:xfrm>
+            <a:off x="75414" y="179110"/>
+            <a:ext cx="11877774" cy="501928"/>
+          </a:xfrm>
+        </p:spPr>
+        <p:txBody>
+          <a:bodyPr>
+            <a:normAutofit fontScale="90000"/>
+          </a:bodyPr>
+          <a:lstStyle/>
+          <a:p>
+            <a:pPr fontAlgn="base"/>
+            <a:r>
+              <a:rPr lang="en-IN" b="1" i="0" dirty="0">
+                <a:effectLst/>
+                <a:latin typeface="urw-din"/>
+              </a:rPr>
+              <a:t>Implicit Type Conversion</a:t>
+            </a:r>
+          </a:p>
+        </p:txBody>
+      </p:sp>
+      <p:sp>
+        <p:nvSpPr>
+          <p:cNvPr id="3" name="Content Placeholder 2">
+            <a:extLst>
+              <a:ext uri="{FF2B5EF4-FFF2-40B4-BE49-F238E27FC236}">
+                <a16:creationId xmlns:a16="http://schemas.microsoft.com/office/drawing/2014/main" id="{E032DE1F-B025-5BEE-8915-7E9B2E1CA311}"/>
+              </a:ext>
+            </a:extLst>
+          </p:cNvPr>
+          <p:cNvSpPr>
+            <a:spLocks noGrp="1"/>
+          </p:cNvSpPr>
+          <p:nvPr>
+            <p:ph idx="1"/>
+          </p:nvPr>
+        </p:nvSpPr>
+        <p:spPr>
+          <a:xfrm>
+            <a:off x="75414" y="895546"/>
+            <a:ext cx="11877774" cy="989815"/>
+          </a:xfrm>
+        </p:spPr>
+        <p:txBody>
+          <a:bodyPr>
+            <a:normAutofit/>
+          </a:bodyPr>
+          <a:lstStyle/>
+          <a:p>
+            <a:r>
+              <a:rPr lang="en-US" b="0" i="0" dirty="0">
+                <a:effectLst/>
+                <a:latin typeface="urw-din"/>
+              </a:rPr>
+              <a:t>In Implicit type conversion of data types in Python, the Python interpreter automatically converts one data type to another without any user involvement.</a:t>
+            </a:r>
+            <a:endParaRPr lang="en-IN" dirty="0"/>
+          </a:p>
+        </p:txBody>
+      </p:sp>
+      <p:sp>
+        <p:nvSpPr>
+          <p:cNvPr id="4" name="Title 1">
+            <a:extLst>
+              <a:ext uri="{FF2B5EF4-FFF2-40B4-BE49-F238E27FC236}">
+                <a16:creationId xmlns:a16="http://schemas.microsoft.com/office/drawing/2014/main" id="{B1B50741-0E54-FE0C-0620-DFA182131158}"/>
+              </a:ext>
+            </a:extLst>
+          </p:cNvPr>
+          <p:cNvSpPr txBox="1">
+            <a:spLocks/>
+          </p:cNvSpPr>
+          <p:nvPr/>
+        </p:nvSpPr>
+        <p:spPr>
+          <a:xfrm>
+            <a:off x="157113" y="2254578"/>
+            <a:ext cx="11877774" cy="501928"/>
           </a:xfrm>
           <a:prstGeom prst="rect">
             <a:avLst/>
           </a:prstGeom>
         </p:spPr>
-      </p:pic>
+        <p:txBody>
+          <a:bodyPr vert="horz" lIns="91440" tIns="45720" rIns="91440" bIns="45720" rtlCol="0" anchor="ctr">
+            <a:normAutofit fontScale="82500" lnSpcReduction="20000"/>
+          </a:bodyPr>
+          <a:lstStyle>
+            <a:lvl1pPr algn="l" defTabSz="914400" rtl="0" eaLnBrk="1" latinLnBrk="0" hangingPunct="1">
+              <a:lnSpc>
+                <a:spcPct val="90000"/>
+              </a:lnSpc>
+              <a:spcBef>
+                <a:spcPct val="0"/>
+              </a:spcBef>
+              <a:buNone/>
+              <a:defRPr sz="4400" kern="1200">
+                <a:solidFill>
+                  <a:schemeClr val="tx1"/>
+                </a:solidFill>
+                <a:latin typeface="+mj-lt"/>
+                <a:ea typeface="+mj-ea"/>
+                <a:cs typeface="+mj-cs"/>
+              </a:defRPr>
+            </a:lvl1pPr>
+          </a:lstStyle>
+          <a:p>
+            <a:pPr fontAlgn="base"/>
+            <a:r>
+              <a:rPr lang="en-IN" b="1" i="0" dirty="0">
+                <a:effectLst/>
+                <a:latin typeface="urw-din"/>
+              </a:rPr>
+              <a:t>Explicit Type Conversion</a:t>
+            </a:r>
+          </a:p>
+        </p:txBody>
+      </p:sp>
+      <p:sp>
+        <p:nvSpPr>
+          <p:cNvPr id="5" name="Content Placeholder 2">
+            <a:extLst>
+              <a:ext uri="{FF2B5EF4-FFF2-40B4-BE49-F238E27FC236}">
+                <a16:creationId xmlns:a16="http://schemas.microsoft.com/office/drawing/2014/main" id="{2894E4B1-85EF-7BEC-1D2F-9D8B166C3AE3}"/>
+              </a:ext>
+            </a:extLst>
+          </p:cNvPr>
+          <p:cNvSpPr txBox="1">
+            <a:spLocks/>
+          </p:cNvSpPr>
+          <p:nvPr/>
+        </p:nvSpPr>
+        <p:spPr>
+          <a:xfrm>
+            <a:off x="157113" y="2971014"/>
+            <a:ext cx="11877774" cy="3608895"/>
+          </a:xfrm>
+          <a:prstGeom prst="rect">
+            <a:avLst/>
+          </a:prstGeom>
+        </p:spPr>
+        <p:txBody>
+          <a:bodyPr vert="horz" lIns="91440" tIns="45720" rIns="91440" bIns="45720" rtlCol="0">
+            <a:normAutofit fontScale="62500" lnSpcReduction="20000"/>
+          </a:bodyPr>
+          <a:lstStyle>
+            <a:lvl1pPr marL="228600" indent="-228600" algn="l" defTabSz="914400" rtl="0" eaLnBrk="1" latinLnBrk="0" hangingPunct="1">
+              <a:lnSpc>
+                <a:spcPct val="90000"/>
+              </a:lnSpc>
+              <a:spcBef>
+                <a:spcPts val="1000"/>
+              </a:spcBef>
+              <a:buFont typeface="Arial" panose="020B0604020202020204" pitchFamily="34" charset="0"/>
+              <a:buChar char="•"/>
+              <a:defRPr sz="2800" kern="1200">
+                <a:solidFill>
+                  <a:schemeClr val="tx1"/>
+                </a:solidFill>
+                <a:latin typeface="+mn-lt"/>
+                <a:ea typeface="+mn-ea"/>
+                <a:cs typeface="+mn-cs"/>
+              </a:defRPr>
+            </a:lvl1pPr>
+            <a:lvl2pPr marL="685800" indent="-228600" algn="l" defTabSz="914400" rtl="0" eaLnBrk="1" latinLnBrk="0" hangingPunct="1">
+              <a:lnSpc>
+                <a:spcPct val="90000"/>
+              </a:lnSpc>
+              <a:spcBef>
+                <a:spcPts val="500"/>
+              </a:spcBef>
+              <a:buFont typeface="Arial" panose="020B0604020202020204" pitchFamily="34" charset="0"/>
+              <a:buChar char="•"/>
+              <a:defRPr sz="2400" kern="1200">
+                <a:solidFill>
+                  <a:schemeClr val="tx1"/>
+                </a:solidFill>
+                <a:latin typeface="+mn-lt"/>
+                <a:ea typeface="+mn-ea"/>
+                <a:cs typeface="+mn-cs"/>
+              </a:defRPr>
+            </a:lvl2pPr>
+            <a:lvl3pPr marL="1143000" indent="-228600" algn="l" defTabSz="914400" rtl="0" eaLnBrk="1" latinLnBrk="0" hangingPunct="1">
+              <a:lnSpc>
+                <a:spcPct val="90000"/>
+              </a:lnSpc>
+              <a:spcBef>
+                <a:spcPts val="500"/>
+              </a:spcBef>
+              <a:buFont typeface="Arial" panose="020B0604020202020204" pitchFamily="34" charset="0"/>
+              <a:buChar char="•"/>
+              <a:defRPr sz="2000" kern="1200">
+                <a:solidFill>
+                  <a:schemeClr val="tx1"/>
+                </a:solidFill>
+                <a:latin typeface="+mn-lt"/>
+                <a:ea typeface="+mn-ea"/>
+                <a:cs typeface="+mn-cs"/>
+              </a:defRPr>
+            </a:lvl3pPr>
+            <a:lvl4pPr marL="1600200" indent="-228600" algn="l" defTabSz="914400" rtl="0" eaLnBrk="1" latinLnBrk="0" hangingPunct="1">
+              <a:lnSpc>
+                <a:spcPct val="90000"/>
+              </a:lnSpc>
+              <a:spcBef>
+                <a:spcPts val="500"/>
+              </a:spcBef>
+              <a:buFont typeface="Arial" panose="020B0604020202020204" pitchFamily="34" charset="0"/>
+              <a:buChar char="•"/>
+              <a:defRPr sz="1800" kern="1200">
+                <a:solidFill>
+                  <a:schemeClr val="tx1"/>
+                </a:solidFill>
+                <a:latin typeface="+mn-lt"/>
+                <a:ea typeface="+mn-ea"/>
+                <a:cs typeface="+mn-cs"/>
+              </a:defRPr>
+            </a:lvl4pPr>
+            <a:lvl5pPr marL="2057400" indent="-228600" algn="l" defTabSz="914400" rtl="0" eaLnBrk="1" latinLnBrk="0" hangingPunct="1">
+              <a:lnSpc>
+                <a:spcPct val="90000"/>
+              </a:lnSpc>
+              <a:spcBef>
+                <a:spcPts val="500"/>
+              </a:spcBef>
+              <a:buFont typeface="Arial" panose="020B0604020202020204" pitchFamily="34" charset="0"/>
+              <a:buChar char="•"/>
+              <a:defRPr sz="1800" kern="1200">
+                <a:solidFill>
+                  <a:schemeClr val="tx1"/>
+                </a:solidFill>
+                <a:latin typeface="+mn-lt"/>
+                <a:ea typeface="+mn-ea"/>
+                <a:cs typeface="+mn-cs"/>
+              </a:defRPr>
+            </a:lvl5pPr>
+            <a:lvl6pPr marL="2514600" indent="-228600" algn="l" defTabSz="914400" rtl="0" eaLnBrk="1" latinLnBrk="0" hangingPunct="1">
+              <a:lnSpc>
+                <a:spcPct val="90000"/>
+              </a:lnSpc>
+              <a:spcBef>
+                <a:spcPts val="500"/>
+              </a:spcBef>
+              <a:buFont typeface="Arial" panose="020B0604020202020204" pitchFamily="34" charset="0"/>
+              <a:buChar char="•"/>
+              <a:defRPr sz="1800" kern="1200">
+                <a:solidFill>
+                  <a:schemeClr val="tx1"/>
+                </a:solidFill>
+                <a:latin typeface="+mn-lt"/>
+                <a:ea typeface="+mn-ea"/>
+                <a:cs typeface="+mn-cs"/>
+              </a:defRPr>
+            </a:lvl6pPr>
+            <a:lvl7pPr marL="2971800" indent="-228600" algn="l" defTabSz="914400" rtl="0" eaLnBrk="1" latinLnBrk="0" hangingPunct="1">
+              <a:lnSpc>
+                <a:spcPct val="90000"/>
+              </a:lnSpc>
+              <a:spcBef>
+                <a:spcPts val="500"/>
+              </a:spcBef>
+              <a:buFont typeface="Arial" panose="020B0604020202020204" pitchFamily="34" charset="0"/>
+              <a:buChar char="•"/>
+              <a:defRPr sz="1800" kern="1200">
+                <a:solidFill>
+                  <a:schemeClr val="tx1"/>
+                </a:solidFill>
+                <a:latin typeface="+mn-lt"/>
+                <a:ea typeface="+mn-ea"/>
+                <a:cs typeface="+mn-cs"/>
+              </a:defRPr>
+            </a:lvl7pPr>
+            <a:lvl8pPr marL="3429000" indent="-228600" algn="l" defTabSz="914400" rtl="0" eaLnBrk="1" latinLnBrk="0" hangingPunct="1">
+              <a:lnSpc>
+                <a:spcPct val="90000"/>
+              </a:lnSpc>
+              <a:spcBef>
+                <a:spcPts val="500"/>
+              </a:spcBef>
+              <a:buFont typeface="Arial" panose="020B0604020202020204" pitchFamily="34" charset="0"/>
+              <a:buChar char="•"/>
+              <a:defRPr sz="1800" kern="1200">
+                <a:solidFill>
+                  <a:schemeClr val="tx1"/>
+                </a:solidFill>
+                <a:latin typeface="+mn-lt"/>
+                <a:ea typeface="+mn-ea"/>
+                <a:cs typeface="+mn-cs"/>
+              </a:defRPr>
+            </a:lvl8pPr>
+            <a:lvl9pPr marL="3886200" indent="-228600" algn="l" defTabSz="914400" rtl="0" eaLnBrk="1" latinLnBrk="0" hangingPunct="1">
+              <a:lnSpc>
+                <a:spcPct val="90000"/>
+              </a:lnSpc>
+              <a:spcBef>
+                <a:spcPts val="500"/>
+              </a:spcBef>
+              <a:buFont typeface="Arial" panose="020B0604020202020204" pitchFamily="34" charset="0"/>
+              <a:buChar char="•"/>
+              <a:defRPr sz="1800" kern="1200">
+                <a:solidFill>
+                  <a:schemeClr val="tx1"/>
+                </a:solidFill>
+                <a:latin typeface="+mn-lt"/>
+                <a:ea typeface="+mn-ea"/>
+                <a:cs typeface="+mn-cs"/>
+              </a:defRPr>
+            </a:lvl9pPr>
+          </a:lstStyle>
+          <a:p>
+            <a:r>
+              <a:rPr lang="en-US" b="0" i="0" dirty="0">
+                <a:effectLst/>
+                <a:latin typeface="urw-din"/>
+              </a:rPr>
+              <a:t>In Explicit Type Conversion in Python, the data type is manually changed by the user as per their requirement. Various forms of explicit type conversion are explained below:</a:t>
+            </a:r>
+          </a:p>
+          <a:p>
+            <a:pPr marL="0" indent="0">
+              <a:buNone/>
+            </a:pPr>
+            <a:r>
+              <a:rPr lang="en-US" b="1" i="0" dirty="0">
+                <a:effectLst/>
+                <a:latin typeface="urw-din"/>
+              </a:rPr>
+              <a:t>1.int(a,</a:t>
+            </a:r>
+            <a:r>
+              <a:rPr lang="en-US" b="0" i="0" dirty="0">
+                <a:effectLst/>
+                <a:latin typeface="urw-din"/>
+              </a:rPr>
+              <a:t> </a:t>
+            </a:r>
+            <a:r>
+              <a:rPr lang="en-US" b="1" i="0" dirty="0">
+                <a:effectLst/>
+                <a:latin typeface="urw-din"/>
+              </a:rPr>
+              <a:t>base)</a:t>
+            </a:r>
+            <a:r>
+              <a:rPr lang="en-US" b="0" i="0" dirty="0">
+                <a:effectLst/>
+                <a:latin typeface="urw-din"/>
+              </a:rPr>
+              <a:t>: This function converts</a:t>
+            </a:r>
+            <a:r>
+              <a:rPr lang="en-US" b="1" i="0" dirty="0">
+                <a:effectLst/>
+                <a:latin typeface="urw-din"/>
+              </a:rPr>
+              <a:t> any data type to integer</a:t>
+            </a:r>
+            <a:r>
+              <a:rPr lang="en-US" b="0" i="0" dirty="0">
+                <a:effectLst/>
+                <a:latin typeface="urw-din"/>
+              </a:rPr>
+              <a:t>. ‘Base’ specifies the</a:t>
+            </a:r>
+            <a:r>
+              <a:rPr lang="en-US" b="1" i="0" dirty="0">
+                <a:effectLst/>
+                <a:latin typeface="urw-din"/>
+              </a:rPr>
+              <a:t> base in which string is</a:t>
+            </a:r>
+            <a:r>
+              <a:rPr lang="en-US" b="0" i="0" dirty="0">
+                <a:effectLst/>
+                <a:latin typeface="urw-din"/>
+              </a:rPr>
+              <a:t> if the data type is a string.</a:t>
+            </a:r>
+            <a:br>
+              <a:rPr lang="en-US" dirty="0"/>
+            </a:br>
+            <a:r>
+              <a:rPr lang="en-US" b="1" i="0" dirty="0">
+                <a:effectLst/>
+                <a:latin typeface="urw-din"/>
+              </a:rPr>
+              <a:t>2. float()</a:t>
+            </a:r>
+            <a:r>
+              <a:rPr lang="en-US" b="0" i="0" dirty="0">
+                <a:effectLst/>
+                <a:latin typeface="urw-din"/>
+              </a:rPr>
+              <a:t>: This function is used to convert </a:t>
+            </a:r>
+            <a:r>
+              <a:rPr lang="en-US" b="1" i="0" dirty="0">
+                <a:effectLst/>
+                <a:latin typeface="urw-din"/>
+              </a:rPr>
+              <a:t>any data type to a </a:t>
+            </a:r>
+            <a:r>
+              <a:rPr lang="en-US" b="0" i="0" dirty="0">
+                <a:effectLst/>
+                <a:latin typeface="urw-din"/>
+              </a:rPr>
+              <a:t>floating-point</a:t>
+            </a:r>
+            <a:r>
+              <a:rPr lang="en-US" b="1" i="0" dirty="0">
+                <a:effectLst/>
+                <a:latin typeface="urw-din"/>
+              </a:rPr>
+              <a:t> number3. </a:t>
+            </a:r>
+            <a:r>
+              <a:rPr lang="en-US" b="1" i="0" dirty="0" err="1">
+                <a:effectLst/>
+                <a:latin typeface="urw-din"/>
+              </a:rPr>
+              <a:t>ord</a:t>
+            </a:r>
+            <a:r>
+              <a:rPr lang="en-US" b="1" i="0" dirty="0">
+                <a:effectLst/>
+                <a:latin typeface="urw-din"/>
+              </a:rPr>
+              <a:t>() : </a:t>
+            </a:r>
+            <a:r>
+              <a:rPr lang="en-US" b="0" i="0" dirty="0">
+                <a:effectLst/>
+                <a:latin typeface="urw-din"/>
+              </a:rPr>
+              <a:t>This function is used to convert a </a:t>
+            </a:r>
+            <a:r>
+              <a:rPr lang="en-US" b="1" i="0" dirty="0">
+                <a:effectLst/>
+                <a:latin typeface="urw-din"/>
+              </a:rPr>
+              <a:t>character to integer.</a:t>
+            </a:r>
+            <a:br>
+              <a:rPr lang="en-US" dirty="0"/>
+            </a:br>
+            <a:r>
+              <a:rPr lang="en-US" b="1" i="0" dirty="0">
+                <a:effectLst/>
+                <a:latin typeface="urw-din"/>
+              </a:rPr>
+              <a:t>4. hex() : </a:t>
+            </a:r>
+            <a:r>
+              <a:rPr lang="en-US" b="0" i="0" dirty="0">
+                <a:effectLst/>
+                <a:latin typeface="urw-din"/>
+              </a:rPr>
+              <a:t>This function is to convert </a:t>
+            </a:r>
+            <a:r>
+              <a:rPr lang="en-US" b="1" i="0" dirty="0">
+                <a:effectLst/>
+                <a:latin typeface="urw-din"/>
+              </a:rPr>
+              <a:t>integer to hexadecimal string</a:t>
+            </a:r>
+            <a:r>
+              <a:rPr lang="en-US" b="0" i="0" dirty="0">
+                <a:effectLst/>
+                <a:latin typeface="urw-din"/>
+              </a:rPr>
+              <a:t>.</a:t>
+            </a:r>
+            <a:br>
+              <a:rPr lang="en-US" dirty="0"/>
+            </a:br>
+            <a:r>
+              <a:rPr lang="en-US" b="1" i="0" dirty="0">
+                <a:effectLst/>
+                <a:latin typeface="urw-din"/>
+              </a:rPr>
+              <a:t>5. oct() : </a:t>
+            </a:r>
+            <a:r>
+              <a:rPr lang="en-US" b="0" i="0" dirty="0">
+                <a:effectLst/>
+                <a:latin typeface="urw-din"/>
+              </a:rPr>
+              <a:t>This function is to convert </a:t>
+            </a:r>
+            <a:r>
+              <a:rPr lang="en-US" b="1" i="0" dirty="0">
+                <a:effectLst/>
+                <a:latin typeface="urw-din"/>
+              </a:rPr>
+              <a:t>integer to octal string</a:t>
+            </a:r>
+            <a:r>
+              <a:rPr lang="en-US" b="0" i="0" dirty="0">
+                <a:effectLst/>
+                <a:latin typeface="urw-din"/>
+              </a:rPr>
+              <a:t>.</a:t>
+            </a:r>
+          </a:p>
+          <a:p>
+            <a:pPr marL="0" indent="0">
+              <a:buNone/>
+            </a:pPr>
+            <a:r>
+              <a:rPr lang="en-US" b="1" i="0" dirty="0">
+                <a:effectLst/>
+                <a:latin typeface="urw-din"/>
+              </a:rPr>
+              <a:t>6. tuple() : </a:t>
+            </a:r>
+            <a:r>
+              <a:rPr lang="en-US" b="0" i="0" dirty="0">
+                <a:effectLst/>
+                <a:latin typeface="urw-din"/>
+              </a:rPr>
+              <a:t>This function is used to </a:t>
+            </a:r>
+            <a:r>
+              <a:rPr lang="en-US" b="1" i="0" dirty="0">
+                <a:effectLst/>
+                <a:latin typeface="urw-din"/>
+              </a:rPr>
+              <a:t>convert to a tuple</a:t>
+            </a:r>
+            <a:r>
+              <a:rPr lang="en-US" b="0" i="0" dirty="0">
+                <a:effectLst/>
+                <a:latin typeface="urw-din"/>
+              </a:rPr>
+              <a:t>.</a:t>
+            </a:r>
+            <a:br>
+              <a:rPr lang="en-US" dirty="0"/>
+            </a:br>
+            <a:r>
+              <a:rPr lang="en-US" b="1" i="0" dirty="0">
+                <a:effectLst/>
+                <a:latin typeface="urw-din"/>
+              </a:rPr>
+              <a:t>7. set() : </a:t>
+            </a:r>
+            <a:r>
+              <a:rPr lang="en-US" b="0" i="0" dirty="0">
+                <a:effectLst/>
+                <a:latin typeface="urw-din"/>
+              </a:rPr>
+              <a:t>This function returns the </a:t>
+            </a:r>
+            <a:r>
+              <a:rPr lang="en-US" b="1" i="0" dirty="0">
+                <a:effectLst/>
+                <a:latin typeface="urw-din"/>
+              </a:rPr>
+              <a:t>type after converting to set</a:t>
+            </a:r>
+            <a:r>
+              <a:rPr lang="en-US" b="0" i="0" dirty="0">
+                <a:effectLst/>
+                <a:latin typeface="urw-din"/>
+              </a:rPr>
+              <a:t>.</a:t>
+            </a:r>
+            <a:br>
+              <a:rPr lang="en-US" dirty="0"/>
+            </a:br>
+            <a:r>
+              <a:rPr lang="en-US" b="1" i="0" dirty="0">
+                <a:effectLst/>
+                <a:latin typeface="urw-din"/>
+              </a:rPr>
+              <a:t>8. list() : </a:t>
+            </a:r>
+            <a:r>
+              <a:rPr lang="en-US" b="0" i="0" dirty="0">
+                <a:effectLst/>
+                <a:latin typeface="urw-din"/>
+              </a:rPr>
+              <a:t>This function is used to convert </a:t>
+            </a:r>
+            <a:r>
+              <a:rPr lang="en-US" b="1" i="0" dirty="0">
+                <a:effectLst/>
+                <a:latin typeface="urw-din"/>
+              </a:rPr>
+              <a:t>any data type to a list type</a:t>
+            </a:r>
+            <a:r>
+              <a:rPr lang="en-US" b="0" i="0" dirty="0">
+                <a:effectLst/>
+                <a:latin typeface="urw-din"/>
+              </a:rPr>
+              <a:t>.</a:t>
+            </a:r>
+          </a:p>
+          <a:p>
+            <a:pPr marL="0" indent="0">
+              <a:buNone/>
+            </a:pPr>
+            <a:r>
+              <a:rPr lang="en-US" b="1" i="0" dirty="0">
+                <a:effectLst/>
+                <a:latin typeface="urw-din"/>
+              </a:rPr>
+              <a:t>9. </a:t>
+            </a:r>
+            <a:r>
+              <a:rPr lang="en-US" b="1" i="0" dirty="0" err="1">
+                <a:effectLst/>
+                <a:latin typeface="urw-din"/>
+              </a:rPr>
+              <a:t>dict</a:t>
+            </a:r>
+            <a:r>
+              <a:rPr lang="en-US" b="1" i="0" dirty="0">
+                <a:effectLst/>
+                <a:latin typeface="urw-din"/>
+              </a:rPr>
+              <a:t>() : </a:t>
+            </a:r>
+            <a:r>
+              <a:rPr lang="en-US" b="0" i="0" dirty="0">
+                <a:effectLst/>
+                <a:latin typeface="urw-din"/>
+              </a:rPr>
+              <a:t>This function is used to </a:t>
+            </a:r>
+            <a:r>
+              <a:rPr lang="en-US" b="1" i="0" dirty="0">
+                <a:effectLst/>
+                <a:latin typeface="urw-din"/>
+              </a:rPr>
+              <a:t>convert a tuple of order (</a:t>
+            </a:r>
+            <a:r>
+              <a:rPr lang="en-US" b="1" i="0" dirty="0" err="1">
+                <a:effectLst/>
+                <a:latin typeface="urw-din"/>
+              </a:rPr>
+              <a:t>key,value</a:t>
+            </a:r>
+            <a:r>
+              <a:rPr lang="en-US" b="1" i="0" dirty="0">
+                <a:effectLst/>
+                <a:latin typeface="urw-din"/>
+              </a:rPr>
+              <a:t>) into a dictionary</a:t>
+            </a:r>
+            <a:r>
+              <a:rPr lang="en-US" b="0" i="0" dirty="0">
+                <a:effectLst/>
+                <a:latin typeface="urw-din"/>
+              </a:rPr>
+              <a:t>.</a:t>
+            </a:r>
+            <a:br>
+              <a:rPr lang="en-US" dirty="0"/>
+            </a:br>
+            <a:r>
+              <a:rPr lang="en-US" b="1" i="0" dirty="0">
+                <a:effectLst/>
+                <a:latin typeface="urw-din"/>
+              </a:rPr>
+              <a:t>10. str() : </a:t>
+            </a:r>
+            <a:r>
+              <a:rPr lang="en-US" b="0" i="0" dirty="0">
+                <a:effectLst/>
+                <a:latin typeface="urw-din"/>
+              </a:rPr>
+              <a:t>Used to </a:t>
+            </a:r>
+            <a:r>
+              <a:rPr lang="en-US" b="1" i="0" dirty="0">
+                <a:effectLst/>
+                <a:latin typeface="urw-din"/>
+              </a:rPr>
+              <a:t>convert integer into a string.</a:t>
+            </a:r>
+            <a:br>
+              <a:rPr lang="en-US" dirty="0"/>
+            </a:br>
+            <a:r>
+              <a:rPr lang="en-US" b="1" i="0" dirty="0">
+                <a:effectLst/>
+                <a:latin typeface="urw-din"/>
+              </a:rPr>
+              <a:t>11. complex(</a:t>
+            </a:r>
+            <a:r>
+              <a:rPr lang="en-US" b="1" i="0" dirty="0" err="1">
+                <a:effectLst/>
+                <a:latin typeface="urw-din"/>
+              </a:rPr>
+              <a:t>real,imag</a:t>
+            </a:r>
+            <a:r>
+              <a:rPr lang="en-US" b="1" i="0" dirty="0">
+                <a:effectLst/>
+                <a:latin typeface="urw-din"/>
+              </a:rPr>
+              <a:t>) : </a:t>
+            </a:r>
+            <a:r>
+              <a:rPr lang="en-US" b="0" i="0" dirty="0">
+                <a:effectLst/>
+                <a:latin typeface="urw-din"/>
+              </a:rPr>
+              <a:t>This function</a:t>
+            </a:r>
+            <a:r>
+              <a:rPr lang="en-US" b="1" i="0" dirty="0">
+                <a:effectLst/>
+                <a:latin typeface="urw-din"/>
+              </a:rPr>
+              <a:t> converts real numbers to complex(</a:t>
+            </a:r>
+            <a:r>
+              <a:rPr lang="en-US" b="1" i="0" dirty="0" err="1">
+                <a:effectLst/>
+                <a:latin typeface="urw-din"/>
+              </a:rPr>
+              <a:t>real,imag</a:t>
+            </a:r>
+            <a:r>
+              <a:rPr lang="en-US" b="1" i="0" dirty="0">
+                <a:effectLst/>
+                <a:latin typeface="urw-din"/>
+              </a:rPr>
+              <a:t>) number.</a:t>
+            </a:r>
+          </a:p>
+          <a:p>
+            <a:pPr marL="0" indent="0">
+              <a:buNone/>
+            </a:pPr>
+            <a:r>
+              <a:rPr lang="en-US" b="1" i="0" dirty="0">
+                <a:effectLst/>
+                <a:latin typeface="urw-din"/>
+              </a:rPr>
+              <a:t>12. chr(number): </a:t>
+            </a:r>
+            <a:r>
+              <a:rPr lang="en-US" b="0" i="0" dirty="0">
+                <a:effectLst/>
+                <a:latin typeface="urw-din"/>
+              </a:rPr>
+              <a:t>This function</a:t>
+            </a:r>
+            <a:r>
+              <a:rPr lang="en-US" b="1" i="0" dirty="0">
+                <a:effectLst/>
+                <a:latin typeface="urw-din"/>
+              </a:rPr>
+              <a:t> converts number to its corresponding ASCII character.</a:t>
+            </a:r>
+            <a:r>
+              <a:rPr lang="en-US" b="0" i="0" dirty="0">
+                <a:effectLst/>
+                <a:latin typeface="urw-din"/>
+              </a:rPr>
+              <a:t> </a:t>
+            </a:r>
+            <a:endParaRPr lang="en-IN" dirty="0"/>
+          </a:p>
+        </p:txBody>
+      </p:sp>
     </p:spTree>
     <p:extLst>
       <p:ext uri="{BB962C8B-B14F-4D97-AF65-F5344CB8AC3E}">
-        <p14:creationId xmlns:p14="http://schemas.microsoft.com/office/powerpoint/2010/main" val="3234163435"/>
+        <p14:creationId xmlns:p14="http://schemas.microsoft.com/office/powerpoint/2010/main" val="4242900790"/>
+      </p:ext>
+    </p:extLst>
+  </p:cSld>
+  <p:clrMapOvr>
+    <a:masterClrMapping/>
+  </p:clrMapOvr>
+</p:sld>
+</file>
+
+<file path=ppt/slides/slide16.xml><?xml version="1.0" encoding="utf-8"?>
+<p:sld xmlns:a="http://schemas.openxmlformats.org/drawingml/2006/main" xmlns:r="http://schemas.openxmlformats.org/officeDocument/2006/relationships" xmlns:p="http://schemas.openxmlformats.org/presentationml/2006/main">
+  <p:cSld>
+    <p:spTree>
+      <p:nvGrpSpPr>
+        <p:cNvPr id="1" name=""/>
+        <p:cNvGrpSpPr/>
+        <p:nvPr/>
+      </p:nvGrpSpPr>
+      <p:grpSpPr>
+        <a:xfrm>
+          <a:off x="0" y="0"/>
+          <a:ext cx="0" cy="0"/>
+          <a:chOff x="0" y="0"/>
+          <a:chExt cx="0" cy="0"/>
+        </a:xfrm>
+      </p:grpSpPr>
+      <p:sp>
+        <p:nvSpPr>
+          <p:cNvPr id="2" name="Title 1">
+            <a:extLst>
+              <a:ext uri="{FF2B5EF4-FFF2-40B4-BE49-F238E27FC236}">
+                <a16:creationId xmlns:a16="http://schemas.microsoft.com/office/drawing/2014/main" id="{5AB1BA00-5EF9-93E0-3E86-FC4D2E80F527}"/>
+              </a:ext>
+            </a:extLst>
+          </p:cNvPr>
+          <p:cNvSpPr>
+            <a:spLocks noGrp="1"/>
+          </p:cNvSpPr>
+          <p:nvPr>
+            <p:ph type="title"/>
+          </p:nvPr>
+        </p:nvSpPr>
+        <p:spPr>
+          <a:xfrm>
+            <a:off x="75414" y="179110"/>
+            <a:ext cx="11877774" cy="501928"/>
+          </a:xfrm>
+        </p:spPr>
+        <p:txBody>
+          <a:bodyPr>
+            <a:normAutofit fontScale="90000"/>
+          </a:bodyPr>
+          <a:lstStyle/>
+          <a:p>
+            <a:pPr fontAlgn="base"/>
+            <a:r>
+              <a:rPr lang="en-IN" b="1" i="0" dirty="0">
+                <a:effectLst/>
+                <a:latin typeface="sofia-pro"/>
+              </a:rPr>
+              <a:t>Python Random Module</a:t>
+            </a:r>
+          </a:p>
+        </p:txBody>
+      </p:sp>
+      <p:sp>
+        <p:nvSpPr>
+          <p:cNvPr id="3" name="Content Placeholder 2">
+            <a:extLst>
+              <a:ext uri="{FF2B5EF4-FFF2-40B4-BE49-F238E27FC236}">
+                <a16:creationId xmlns:a16="http://schemas.microsoft.com/office/drawing/2014/main" id="{E032DE1F-B025-5BEE-8915-7E9B2E1CA311}"/>
+              </a:ext>
+            </a:extLst>
+          </p:cNvPr>
+          <p:cNvSpPr>
+            <a:spLocks noGrp="1"/>
+          </p:cNvSpPr>
+          <p:nvPr>
+            <p:ph idx="1"/>
+          </p:nvPr>
+        </p:nvSpPr>
+        <p:spPr>
+          <a:xfrm>
+            <a:off x="75414" y="895546"/>
+            <a:ext cx="11877774" cy="5783344"/>
+          </a:xfrm>
+        </p:spPr>
+        <p:txBody>
+          <a:bodyPr>
+            <a:normAutofit/>
+          </a:bodyPr>
+          <a:lstStyle/>
+          <a:p>
+            <a:r>
+              <a:rPr lang="en-US" b="0" i="0" dirty="0">
+                <a:effectLst/>
+                <a:latin typeface="urw-din"/>
+              </a:rPr>
+              <a:t>Python </a:t>
+            </a:r>
+            <a:r>
+              <a:rPr lang="en-US" b="1" i="0" dirty="0">
+                <a:effectLst/>
+                <a:latin typeface="urw-din"/>
+              </a:rPr>
+              <a:t>Random module</a:t>
+            </a:r>
+            <a:r>
+              <a:rPr lang="en-US" b="0" i="0" dirty="0">
+                <a:effectLst/>
+                <a:latin typeface="urw-din"/>
+              </a:rPr>
+              <a:t> is an in-built module of Python which is used to generate random numbers. These are pseudo-random numbers means these are not truly random. This module can be used to perform random actions such as generating random numbers, print random a value for a list or string, etc.</a:t>
+            </a:r>
+          </a:p>
+          <a:p>
+            <a:r>
+              <a:rPr lang="en-US" b="1" i="0" dirty="0">
+                <a:effectLst/>
+                <a:latin typeface="urw-din"/>
+              </a:rPr>
+              <a:t>Example: </a:t>
+            </a:r>
+            <a:r>
+              <a:rPr lang="en-US" b="0" i="0" dirty="0">
+                <a:effectLst/>
+                <a:latin typeface="urw-din"/>
+              </a:rPr>
+              <a:t>Printing a random value from a list</a:t>
+            </a:r>
+          </a:p>
+          <a:p>
+            <a:pPr lvl="1"/>
+            <a:r>
+              <a:rPr lang="en-US" dirty="0"/>
+              <a:t>import random</a:t>
+            </a:r>
+          </a:p>
+          <a:p>
+            <a:pPr lvl="1"/>
+            <a:r>
+              <a:rPr lang="en-US" dirty="0"/>
+              <a:t># prints a random value from the list</a:t>
+            </a:r>
+          </a:p>
+          <a:p>
+            <a:pPr lvl="1"/>
+            <a:r>
+              <a:rPr lang="en-US" dirty="0"/>
+              <a:t>list1 = [1, 2, 3, 4, 5, 6]</a:t>
+            </a:r>
+          </a:p>
+          <a:p>
+            <a:pPr lvl="1"/>
+            <a:r>
+              <a:rPr lang="en-US" dirty="0"/>
+              <a:t>print(</a:t>
+            </a:r>
+            <a:r>
+              <a:rPr lang="en-US" dirty="0" err="1"/>
+              <a:t>random.choice</a:t>
+            </a:r>
+            <a:r>
+              <a:rPr lang="en-US" dirty="0"/>
+              <a:t>(list1))</a:t>
+            </a:r>
+          </a:p>
+          <a:p>
+            <a:endParaRPr lang="en-IN" dirty="0"/>
+          </a:p>
+        </p:txBody>
+      </p:sp>
+    </p:spTree>
+    <p:extLst>
+      <p:ext uri="{BB962C8B-B14F-4D97-AF65-F5344CB8AC3E}">
+        <p14:creationId xmlns:p14="http://schemas.microsoft.com/office/powerpoint/2010/main" val="834131181"/>
+      </p:ext>
+    </p:extLst>
+  </p:cSld>
+  <p:clrMapOvr>
+    <a:masterClrMapping/>
+  </p:clrMapOvr>
+</p:sld>
+</file>
+
+<file path=ppt/slides/slide17.xml><?xml version="1.0" encoding="utf-8"?>
+<p:sld xmlns:a="http://schemas.openxmlformats.org/drawingml/2006/main" xmlns:r="http://schemas.openxmlformats.org/officeDocument/2006/relationships" xmlns:p="http://schemas.openxmlformats.org/presentationml/2006/main">
+  <p:cSld>
+    <p:spTree>
+      <p:nvGrpSpPr>
+        <p:cNvPr id="1" name=""/>
+        <p:cNvGrpSpPr/>
+        <p:nvPr/>
+      </p:nvGrpSpPr>
+      <p:grpSpPr>
+        <a:xfrm>
+          <a:off x="0" y="0"/>
+          <a:ext cx="0" cy="0"/>
+          <a:chOff x="0" y="0"/>
+          <a:chExt cx="0" cy="0"/>
+        </a:xfrm>
+      </p:grpSpPr>
+      <p:sp>
+        <p:nvSpPr>
+          <p:cNvPr id="2" name="Title 1">
+            <a:extLst>
+              <a:ext uri="{FF2B5EF4-FFF2-40B4-BE49-F238E27FC236}">
+                <a16:creationId xmlns:a16="http://schemas.microsoft.com/office/drawing/2014/main" id="{5AB1BA00-5EF9-93E0-3E86-FC4D2E80F527}"/>
+              </a:ext>
+            </a:extLst>
+          </p:cNvPr>
+          <p:cNvSpPr>
+            <a:spLocks noGrp="1"/>
+          </p:cNvSpPr>
+          <p:nvPr>
+            <p:ph type="title"/>
+          </p:nvPr>
+        </p:nvSpPr>
+        <p:spPr>
+          <a:xfrm>
+            <a:off x="75414" y="179110"/>
+            <a:ext cx="11877774" cy="501928"/>
+          </a:xfrm>
+        </p:spPr>
+        <p:txBody>
+          <a:bodyPr>
+            <a:normAutofit fontScale="90000"/>
+          </a:bodyPr>
+          <a:lstStyle/>
+          <a:p>
+            <a:pPr algn="l" fontAlgn="base"/>
+            <a:r>
+              <a:rPr lang="en-IN" b="1" i="0" dirty="0">
+                <a:effectLst/>
+                <a:latin typeface="urw-din"/>
+              </a:rPr>
+              <a:t>Creating Random Integers</a:t>
+            </a:r>
+          </a:p>
+        </p:txBody>
+      </p:sp>
+      <p:sp>
+        <p:nvSpPr>
+          <p:cNvPr id="3" name="Content Placeholder 2">
+            <a:extLst>
+              <a:ext uri="{FF2B5EF4-FFF2-40B4-BE49-F238E27FC236}">
+                <a16:creationId xmlns:a16="http://schemas.microsoft.com/office/drawing/2014/main" id="{E032DE1F-B025-5BEE-8915-7E9B2E1CA311}"/>
+              </a:ext>
+            </a:extLst>
+          </p:cNvPr>
+          <p:cNvSpPr>
+            <a:spLocks noGrp="1"/>
+          </p:cNvSpPr>
+          <p:nvPr>
+            <p:ph idx="1"/>
+          </p:nvPr>
+        </p:nvSpPr>
+        <p:spPr>
+          <a:xfrm>
+            <a:off x="75414" y="895546"/>
+            <a:ext cx="11877774" cy="5783344"/>
+          </a:xfrm>
+        </p:spPr>
+        <p:txBody>
+          <a:bodyPr>
+            <a:normAutofit/>
+          </a:bodyPr>
+          <a:lstStyle/>
+          <a:p>
+            <a:r>
+              <a:rPr lang="en-US" dirty="0" err="1"/>
+              <a:t>random.randint</a:t>
+            </a:r>
+            <a:r>
+              <a:rPr lang="en-US" dirty="0"/>
+              <a:t>() method is used to generate random integers between the given range.</a:t>
+            </a:r>
+          </a:p>
+          <a:p>
+            <a:r>
+              <a:rPr lang="en-IN" b="1" i="0" dirty="0">
+                <a:effectLst/>
+                <a:latin typeface="urw-din"/>
+              </a:rPr>
+              <a:t>Syntax :</a:t>
+            </a:r>
+          </a:p>
+          <a:p>
+            <a:pPr lvl="1"/>
+            <a:r>
+              <a:rPr kumimoji="0" lang="en-US" altLang="en-US" b="0" i="0" u="none" strike="noStrike" cap="none" normalizeH="0" baseline="0" dirty="0" err="1">
+                <a:ln>
+                  <a:noFill/>
+                </a:ln>
+                <a:effectLst/>
+                <a:latin typeface="Consolas" panose="020B0609020204030204" pitchFamily="49" charset="0"/>
+              </a:rPr>
+              <a:t>randint</a:t>
+            </a:r>
+            <a:r>
+              <a:rPr kumimoji="0" lang="en-US" altLang="en-US" b="0" i="0" u="none" strike="noStrike" cap="none" normalizeH="0" baseline="0" dirty="0">
+                <a:ln>
+                  <a:noFill/>
+                </a:ln>
+                <a:effectLst/>
+                <a:latin typeface="Consolas" panose="020B0609020204030204" pitchFamily="49" charset="0"/>
+              </a:rPr>
+              <a:t>(start, end)</a:t>
+            </a:r>
+            <a:r>
+              <a:rPr kumimoji="0" lang="en-US" altLang="en-US" sz="1000" b="0" i="0" u="none" strike="noStrike" cap="none" normalizeH="0" baseline="0" dirty="0">
+                <a:ln>
+                  <a:noFill/>
+                </a:ln>
+                <a:effectLst/>
+              </a:rPr>
+              <a:t> </a:t>
+            </a:r>
+            <a:endParaRPr kumimoji="0" lang="en-US" altLang="en-US" sz="3600" b="0" i="0" u="none" strike="noStrike" cap="none" normalizeH="0" baseline="0" dirty="0">
+              <a:ln>
+                <a:noFill/>
+              </a:ln>
+              <a:effectLst/>
+              <a:latin typeface="Arial" panose="020B0604020202020204" pitchFamily="34" charset="0"/>
+            </a:endParaRPr>
+          </a:p>
+          <a:p>
+            <a:r>
+              <a:rPr lang="en-IN" b="1" i="0" dirty="0">
+                <a:effectLst/>
+                <a:latin typeface="urw-din"/>
+              </a:rPr>
+              <a:t>Example: </a:t>
+            </a:r>
+            <a:r>
+              <a:rPr lang="en-IN" b="0" i="0" dirty="0">
+                <a:effectLst/>
+                <a:latin typeface="urw-din"/>
+              </a:rPr>
+              <a:t>Creating random integers</a:t>
+            </a:r>
+          </a:p>
+          <a:p>
+            <a:pPr lvl="1"/>
+            <a:r>
+              <a:rPr lang="en-US" dirty="0"/>
+              <a:t>import random</a:t>
+            </a:r>
+          </a:p>
+          <a:p>
+            <a:pPr lvl="1"/>
+            <a:r>
+              <a:rPr lang="en-US" dirty="0"/>
+              <a:t># Generates a random number between 5 and 15</a:t>
+            </a:r>
+          </a:p>
+          <a:p>
+            <a:pPr lvl="1"/>
+            <a:r>
+              <a:rPr lang="en-US" dirty="0"/>
+              <a:t>r1 = </a:t>
+            </a:r>
+            <a:r>
+              <a:rPr lang="en-US" dirty="0" err="1"/>
+              <a:t>random.randint</a:t>
+            </a:r>
+            <a:r>
+              <a:rPr lang="en-US" dirty="0"/>
+              <a:t>(5, 15)</a:t>
+            </a:r>
+          </a:p>
+          <a:p>
+            <a:pPr lvl="1"/>
+            <a:r>
+              <a:rPr lang="en-US" dirty="0"/>
+              <a:t>print(</a:t>
+            </a:r>
+            <a:r>
+              <a:rPr lang="en-US" dirty="0" err="1"/>
+              <a:t>f"Random</a:t>
+            </a:r>
+            <a:r>
+              <a:rPr lang="en-US" dirty="0"/>
+              <a:t> number between 5 and 15 is {r1}“)</a:t>
+            </a:r>
+          </a:p>
+          <a:p>
+            <a:pPr lvl="1"/>
+            <a:endParaRPr lang="en-US" dirty="0"/>
+          </a:p>
+        </p:txBody>
+      </p:sp>
+    </p:spTree>
+    <p:extLst>
+      <p:ext uri="{BB962C8B-B14F-4D97-AF65-F5344CB8AC3E}">
+        <p14:creationId xmlns:p14="http://schemas.microsoft.com/office/powerpoint/2010/main" val="3193757873"/>
+      </p:ext>
+    </p:extLst>
+  </p:cSld>
+  <p:clrMapOvr>
+    <a:masterClrMapping/>
+  </p:clrMapOvr>
+</p:sld>
+</file>
+
+<file path=ppt/slides/slide18.xml><?xml version="1.0" encoding="utf-8"?>
+<p:sld xmlns:a="http://schemas.openxmlformats.org/drawingml/2006/main" xmlns:r="http://schemas.openxmlformats.org/officeDocument/2006/relationships" xmlns:p="http://schemas.openxmlformats.org/presentationml/2006/main">
+  <p:cSld>
+    <p:spTree>
+      <p:nvGrpSpPr>
+        <p:cNvPr id="1" name=""/>
+        <p:cNvGrpSpPr/>
+        <p:nvPr/>
+      </p:nvGrpSpPr>
+      <p:grpSpPr>
+        <a:xfrm>
+          <a:off x="0" y="0"/>
+          <a:ext cx="0" cy="0"/>
+          <a:chOff x="0" y="0"/>
+          <a:chExt cx="0" cy="0"/>
+        </a:xfrm>
+      </p:grpSpPr>
+      <p:sp>
+        <p:nvSpPr>
+          <p:cNvPr id="2" name="Title 1">
+            <a:extLst>
+              <a:ext uri="{FF2B5EF4-FFF2-40B4-BE49-F238E27FC236}">
+                <a16:creationId xmlns:a16="http://schemas.microsoft.com/office/drawing/2014/main" id="{5AB1BA00-5EF9-93E0-3E86-FC4D2E80F527}"/>
+              </a:ext>
+            </a:extLst>
+          </p:cNvPr>
+          <p:cNvSpPr>
+            <a:spLocks noGrp="1"/>
+          </p:cNvSpPr>
+          <p:nvPr>
+            <p:ph type="title"/>
+          </p:nvPr>
+        </p:nvSpPr>
+        <p:spPr>
+          <a:xfrm>
+            <a:off x="75414" y="179110"/>
+            <a:ext cx="11877774" cy="501928"/>
+          </a:xfrm>
+        </p:spPr>
+        <p:txBody>
+          <a:bodyPr>
+            <a:normAutofit fontScale="90000"/>
+          </a:bodyPr>
+          <a:lstStyle/>
+          <a:p>
+            <a:pPr algn="l" fontAlgn="base"/>
+            <a:r>
+              <a:rPr lang="en-IN" b="1" i="0" dirty="0">
+                <a:effectLst/>
+                <a:latin typeface="urw-din"/>
+              </a:rPr>
+              <a:t>Creating Random Floats</a:t>
+            </a:r>
+          </a:p>
+        </p:txBody>
+      </p:sp>
+      <p:sp>
+        <p:nvSpPr>
+          <p:cNvPr id="3" name="Content Placeholder 2">
+            <a:extLst>
+              <a:ext uri="{FF2B5EF4-FFF2-40B4-BE49-F238E27FC236}">
+                <a16:creationId xmlns:a16="http://schemas.microsoft.com/office/drawing/2014/main" id="{E032DE1F-B025-5BEE-8915-7E9B2E1CA311}"/>
+              </a:ext>
+            </a:extLst>
+          </p:cNvPr>
+          <p:cNvSpPr>
+            <a:spLocks noGrp="1"/>
+          </p:cNvSpPr>
+          <p:nvPr>
+            <p:ph idx="1"/>
+          </p:nvPr>
+        </p:nvSpPr>
+        <p:spPr>
+          <a:xfrm>
+            <a:off x="75414" y="895546"/>
+            <a:ext cx="11877774" cy="5783344"/>
+          </a:xfrm>
+        </p:spPr>
+        <p:txBody>
+          <a:bodyPr>
+            <a:normAutofit/>
+          </a:bodyPr>
+          <a:lstStyle/>
+          <a:p>
+            <a:r>
+              <a:rPr lang="en-US" dirty="0" err="1"/>
+              <a:t>random.random</a:t>
+            </a:r>
+            <a:r>
+              <a:rPr lang="en-US" dirty="0"/>
+              <a:t>() method is used to generate random floats between 0.0 to 1.</a:t>
+            </a:r>
+          </a:p>
+          <a:p>
+            <a:r>
+              <a:rPr lang="en-US" b="1" dirty="0"/>
+              <a:t>Syntax: </a:t>
+            </a:r>
+          </a:p>
+          <a:p>
+            <a:pPr lvl="1"/>
+            <a:r>
+              <a:rPr kumimoji="0" lang="en-US" altLang="en-US" b="0" i="0" u="none" strike="noStrike" cap="none" normalizeH="0" baseline="0" dirty="0" err="1">
+                <a:ln>
+                  <a:noFill/>
+                </a:ln>
+                <a:effectLst/>
+                <a:latin typeface="Consolas" panose="020B0609020204030204" pitchFamily="49" charset="0"/>
+              </a:rPr>
+              <a:t>random.random</a:t>
+            </a:r>
+            <a:r>
+              <a:rPr kumimoji="0" lang="en-US" altLang="en-US" b="0" i="0" u="none" strike="noStrike" cap="none" normalizeH="0" baseline="0" dirty="0">
+                <a:ln>
+                  <a:noFill/>
+                </a:ln>
+                <a:effectLst/>
+                <a:latin typeface="Consolas" panose="020B0609020204030204" pitchFamily="49" charset="0"/>
+              </a:rPr>
+              <a:t>()</a:t>
+            </a:r>
+            <a:r>
+              <a:rPr kumimoji="0" lang="en-US" altLang="en-US" sz="1000" b="0" i="0" u="none" strike="noStrike" cap="none" normalizeH="0" baseline="0" dirty="0">
+                <a:ln>
+                  <a:noFill/>
+                </a:ln>
+                <a:effectLst/>
+              </a:rPr>
+              <a:t> </a:t>
+            </a:r>
+            <a:endParaRPr kumimoji="0" lang="en-US" altLang="en-US" sz="3600" b="0" i="0" u="none" strike="noStrike" cap="none" normalizeH="0" baseline="0" dirty="0">
+              <a:ln>
+                <a:noFill/>
+              </a:ln>
+              <a:effectLst/>
+              <a:latin typeface="Arial" panose="020B0604020202020204" pitchFamily="34" charset="0"/>
+            </a:endParaRPr>
+          </a:p>
+          <a:p>
+            <a:r>
+              <a:rPr lang="en-US" b="1" dirty="0"/>
+              <a:t>Example:</a:t>
+            </a:r>
+          </a:p>
+          <a:p>
+            <a:r>
+              <a:rPr lang="en-US" dirty="0"/>
+              <a:t>import random</a:t>
+            </a:r>
+          </a:p>
+          <a:p>
+            <a:r>
+              <a:rPr lang="en-US" dirty="0"/>
+              <a:t># Prints random item</a:t>
+            </a:r>
+          </a:p>
+          <a:p>
+            <a:r>
+              <a:rPr lang="en-US" dirty="0"/>
+              <a:t>print(random())</a:t>
+            </a:r>
+          </a:p>
+          <a:p>
+            <a:endParaRPr lang="en-IN" b="1" dirty="0"/>
+          </a:p>
+        </p:txBody>
+      </p:sp>
+    </p:spTree>
+    <p:extLst>
+      <p:ext uri="{BB962C8B-B14F-4D97-AF65-F5344CB8AC3E}">
+        <p14:creationId xmlns:p14="http://schemas.microsoft.com/office/powerpoint/2010/main" val="2865324811"/>
+      </p:ext>
+    </p:extLst>
+  </p:cSld>
+  <p:clrMapOvr>
+    <a:masterClrMapping/>
+  </p:clrMapOvr>
+</p:sld>
+</file>
+
+<file path=ppt/slides/slide19.xml><?xml version="1.0" encoding="utf-8"?>
+<p:sld xmlns:a="http://schemas.openxmlformats.org/drawingml/2006/main" xmlns:r="http://schemas.openxmlformats.org/officeDocument/2006/relationships" xmlns:p="http://schemas.openxmlformats.org/presentationml/2006/main">
+  <p:cSld>
+    <p:spTree>
+      <p:nvGrpSpPr>
+        <p:cNvPr id="1" name=""/>
+        <p:cNvGrpSpPr/>
+        <p:nvPr/>
+      </p:nvGrpSpPr>
+      <p:grpSpPr>
+        <a:xfrm>
+          <a:off x="0" y="0"/>
+          <a:ext cx="0" cy="0"/>
+          <a:chOff x="0" y="0"/>
+          <a:chExt cx="0" cy="0"/>
+        </a:xfrm>
+      </p:grpSpPr>
+      <p:sp>
+        <p:nvSpPr>
+          <p:cNvPr id="2" name="Title 1">
+            <a:extLst>
+              <a:ext uri="{FF2B5EF4-FFF2-40B4-BE49-F238E27FC236}">
+                <a16:creationId xmlns:a16="http://schemas.microsoft.com/office/drawing/2014/main" id="{5AB1BA00-5EF9-93E0-3E86-FC4D2E80F527}"/>
+              </a:ext>
+            </a:extLst>
+          </p:cNvPr>
+          <p:cNvSpPr>
+            <a:spLocks noGrp="1"/>
+          </p:cNvSpPr>
+          <p:nvPr>
+            <p:ph type="title"/>
+          </p:nvPr>
+        </p:nvSpPr>
+        <p:spPr>
+          <a:xfrm>
+            <a:off x="75414" y="179110"/>
+            <a:ext cx="11877774" cy="501928"/>
+          </a:xfrm>
+        </p:spPr>
+        <p:txBody>
+          <a:bodyPr>
+            <a:normAutofit fontScale="90000"/>
+          </a:bodyPr>
+          <a:lstStyle/>
+          <a:p>
+            <a:pPr algn="l" fontAlgn="base"/>
+            <a:r>
+              <a:rPr lang="en-IN" b="1" i="0" dirty="0">
+                <a:effectLst/>
+                <a:latin typeface="urw-din"/>
+              </a:rPr>
+              <a:t>Selecting Random Elements</a:t>
+            </a:r>
+          </a:p>
+        </p:txBody>
+      </p:sp>
+      <p:sp>
+        <p:nvSpPr>
+          <p:cNvPr id="3" name="Content Placeholder 2">
+            <a:extLst>
+              <a:ext uri="{FF2B5EF4-FFF2-40B4-BE49-F238E27FC236}">
+                <a16:creationId xmlns:a16="http://schemas.microsoft.com/office/drawing/2014/main" id="{E032DE1F-B025-5BEE-8915-7E9B2E1CA311}"/>
+              </a:ext>
+            </a:extLst>
+          </p:cNvPr>
+          <p:cNvSpPr>
+            <a:spLocks noGrp="1"/>
+          </p:cNvSpPr>
+          <p:nvPr>
+            <p:ph idx="1"/>
+          </p:nvPr>
+        </p:nvSpPr>
+        <p:spPr>
+          <a:xfrm>
+            <a:off x="75414" y="895546"/>
+            <a:ext cx="11877774" cy="5783344"/>
+          </a:xfrm>
+        </p:spPr>
+        <p:txBody>
+          <a:bodyPr>
+            <a:normAutofit/>
+          </a:bodyPr>
+          <a:lstStyle/>
+          <a:p>
+            <a:r>
+              <a:rPr lang="en-US" dirty="0" err="1"/>
+              <a:t>random.choice</a:t>
+            </a:r>
+            <a:r>
+              <a:rPr lang="en-US" dirty="0"/>
+              <a:t>() function is used to return a random item from a list, tuple, or string.</a:t>
+            </a:r>
+          </a:p>
+          <a:p>
+            <a:r>
+              <a:rPr lang="en-US" b="1" dirty="0"/>
+              <a:t>Syntax:</a:t>
+            </a:r>
+          </a:p>
+          <a:p>
+            <a:pPr lvl="1"/>
+            <a:r>
+              <a:rPr kumimoji="0" lang="en-US" altLang="en-US" b="0" i="0" u="none" strike="noStrike" cap="none" normalizeH="0" baseline="0" dirty="0" err="1">
+                <a:ln>
+                  <a:noFill/>
+                </a:ln>
+                <a:effectLst/>
+                <a:latin typeface="Consolas" panose="020B0609020204030204" pitchFamily="49" charset="0"/>
+              </a:rPr>
+              <a:t>random.choice</a:t>
+            </a:r>
+            <a:r>
+              <a:rPr kumimoji="0" lang="en-US" altLang="en-US" b="0" i="0" u="none" strike="noStrike" cap="none" normalizeH="0" baseline="0" dirty="0">
+                <a:ln>
+                  <a:noFill/>
+                </a:ln>
+                <a:effectLst/>
+                <a:latin typeface="Consolas" panose="020B0609020204030204" pitchFamily="49" charset="0"/>
+              </a:rPr>
+              <a:t>(sequence)</a:t>
+            </a:r>
+            <a:r>
+              <a:rPr kumimoji="0" lang="en-US" altLang="en-US" sz="1000" b="0" i="0" u="none" strike="noStrike" cap="none" normalizeH="0" baseline="0" dirty="0">
+                <a:ln>
+                  <a:noFill/>
+                </a:ln>
+                <a:effectLst/>
+              </a:rPr>
+              <a:t> </a:t>
+            </a:r>
+            <a:endParaRPr kumimoji="0" lang="en-US" altLang="en-US" sz="3600" b="0" i="0" u="none" strike="noStrike" cap="none" normalizeH="0" baseline="0" dirty="0">
+              <a:ln>
+                <a:noFill/>
+              </a:ln>
+              <a:effectLst/>
+              <a:latin typeface="Arial" panose="020B0604020202020204" pitchFamily="34" charset="0"/>
+            </a:endParaRPr>
+          </a:p>
+          <a:p>
+            <a:r>
+              <a:rPr lang="en-IN" b="1" i="0" dirty="0">
+                <a:effectLst/>
+                <a:latin typeface="urw-din"/>
+              </a:rPr>
+              <a:t>Example:</a:t>
+            </a:r>
+          </a:p>
+          <a:p>
+            <a:pPr lvl="1"/>
+            <a:r>
+              <a:rPr lang="en-US" dirty="0"/>
+              <a:t>import random</a:t>
+            </a:r>
+          </a:p>
+          <a:p>
+            <a:pPr lvl="1"/>
+            <a:r>
+              <a:rPr lang="en-US" dirty="0"/>
+              <a:t>list1 = [1, 2, 3, 4, 5, 6]</a:t>
+            </a:r>
+          </a:p>
+          <a:p>
+            <a:pPr lvl="1"/>
+            <a:r>
+              <a:rPr lang="en-US" dirty="0"/>
+              <a:t>print(</a:t>
+            </a:r>
+            <a:r>
+              <a:rPr lang="en-US" dirty="0" err="1"/>
+              <a:t>random.choice</a:t>
+            </a:r>
+            <a:r>
+              <a:rPr lang="en-US" dirty="0"/>
+              <a:t>(list1))</a:t>
+            </a:r>
+          </a:p>
+          <a:p>
+            <a:endParaRPr lang="en-IN" dirty="0"/>
+          </a:p>
+        </p:txBody>
+      </p:sp>
+    </p:spTree>
+    <p:extLst>
+      <p:ext uri="{BB962C8B-B14F-4D97-AF65-F5344CB8AC3E}">
+        <p14:creationId xmlns:p14="http://schemas.microsoft.com/office/powerpoint/2010/main" val="3671735990"/>
       </p:ext>
     </p:extLst>
   </p:cSld>
@@ -3830,6 +6512,630 @@
     <p:extLst>
       <p:ext uri="{BB962C8B-B14F-4D97-AF65-F5344CB8AC3E}">
         <p14:creationId xmlns:p14="http://schemas.microsoft.com/office/powerpoint/2010/main" val="309518478"/>
+      </p:ext>
+    </p:extLst>
+  </p:cSld>
+  <p:clrMapOvr>
+    <a:masterClrMapping/>
+  </p:clrMapOvr>
+</p:sld>
+</file>
+
+<file path=ppt/slides/slide20.xml><?xml version="1.0" encoding="utf-8"?>
+<p:sld xmlns:a="http://schemas.openxmlformats.org/drawingml/2006/main" xmlns:r="http://schemas.openxmlformats.org/officeDocument/2006/relationships" xmlns:p="http://schemas.openxmlformats.org/presentationml/2006/main">
+  <p:cSld>
+    <p:spTree>
+      <p:nvGrpSpPr>
+        <p:cNvPr id="1" name=""/>
+        <p:cNvGrpSpPr/>
+        <p:nvPr/>
+      </p:nvGrpSpPr>
+      <p:grpSpPr>
+        <a:xfrm>
+          <a:off x="0" y="0"/>
+          <a:ext cx="0" cy="0"/>
+          <a:chOff x="0" y="0"/>
+          <a:chExt cx="0" cy="0"/>
+        </a:xfrm>
+      </p:grpSpPr>
+      <p:sp>
+        <p:nvSpPr>
+          <p:cNvPr id="2" name="Title 1">
+            <a:extLst>
+              <a:ext uri="{FF2B5EF4-FFF2-40B4-BE49-F238E27FC236}">
+                <a16:creationId xmlns:a16="http://schemas.microsoft.com/office/drawing/2014/main" id="{5AB1BA00-5EF9-93E0-3E86-FC4D2E80F527}"/>
+              </a:ext>
+            </a:extLst>
+          </p:cNvPr>
+          <p:cNvSpPr>
+            <a:spLocks noGrp="1"/>
+          </p:cNvSpPr>
+          <p:nvPr>
+            <p:ph type="title"/>
+          </p:nvPr>
+        </p:nvSpPr>
+        <p:spPr>
+          <a:xfrm>
+            <a:off x="75414" y="179110"/>
+            <a:ext cx="11877774" cy="501928"/>
+          </a:xfrm>
+        </p:spPr>
+        <p:txBody>
+          <a:bodyPr>
+            <a:normAutofit fontScale="90000"/>
+          </a:bodyPr>
+          <a:lstStyle/>
+          <a:p>
+            <a:pPr algn="l" fontAlgn="base"/>
+            <a:r>
+              <a:rPr lang="en-IN" b="1" i="0" dirty="0">
+                <a:effectLst/>
+                <a:latin typeface="urw-din"/>
+              </a:rPr>
+              <a:t>Shuffling List</a:t>
+            </a:r>
+          </a:p>
+        </p:txBody>
+      </p:sp>
+      <p:sp>
+        <p:nvSpPr>
+          <p:cNvPr id="3" name="Content Placeholder 2">
+            <a:extLst>
+              <a:ext uri="{FF2B5EF4-FFF2-40B4-BE49-F238E27FC236}">
+                <a16:creationId xmlns:a16="http://schemas.microsoft.com/office/drawing/2014/main" id="{E032DE1F-B025-5BEE-8915-7E9B2E1CA311}"/>
+              </a:ext>
+            </a:extLst>
+          </p:cNvPr>
+          <p:cNvSpPr>
+            <a:spLocks noGrp="1"/>
+          </p:cNvSpPr>
+          <p:nvPr>
+            <p:ph idx="1"/>
+          </p:nvPr>
+        </p:nvSpPr>
+        <p:spPr>
+          <a:xfrm>
+            <a:off x="75414" y="895546"/>
+            <a:ext cx="11877774" cy="5783344"/>
+          </a:xfrm>
+        </p:spPr>
+        <p:txBody>
+          <a:bodyPr>
+            <a:normAutofit lnSpcReduction="10000"/>
+          </a:bodyPr>
+          <a:lstStyle/>
+          <a:p>
+            <a:r>
+              <a:rPr lang="en-US" dirty="0" err="1"/>
+              <a:t>random.shuffle</a:t>
+            </a:r>
+            <a:r>
+              <a:rPr lang="en-US" dirty="0"/>
+              <a:t>() method is used to shuffle a sequence (list). Shuffling means changing the position of the elements of the sequence. Here, the shuffling operation is </a:t>
+            </a:r>
+            <a:r>
+              <a:rPr lang="en-US" dirty="0" err="1"/>
+              <a:t>inplace</a:t>
+            </a:r>
+            <a:r>
+              <a:rPr lang="en-US" dirty="0"/>
+              <a:t>.</a:t>
+            </a:r>
+          </a:p>
+          <a:p>
+            <a:r>
+              <a:rPr lang="en-US" b="1" dirty="0"/>
+              <a:t>Syntax:</a:t>
+            </a:r>
+          </a:p>
+          <a:p>
+            <a:pPr lvl="1"/>
+            <a:r>
+              <a:rPr kumimoji="0" lang="en-US" altLang="en-US" b="0" i="0" u="none" strike="noStrike" cap="none" normalizeH="0" baseline="0" dirty="0" err="1">
+                <a:ln>
+                  <a:noFill/>
+                </a:ln>
+                <a:effectLst/>
+                <a:latin typeface="Consolas" panose="020B0609020204030204" pitchFamily="49" charset="0"/>
+              </a:rPr>
+              <a:t>random.shuffle</a:t>
+            </a:r>
+            <a:r>
+              <a:rPr kumimoji="0" lang="en-US" altLang="en-US" b="0" i="0" u="none" strike="noStrike" cap="none" normalizeH="0" baseline="0" dirty="0">
+                <a:ln>
+                  <a:noFill/>
+                </a:ln>
+                <a:effectLst/>
+                <a:latin typeface="Consolas" panose="020B0609020204030204" pitchFamily="49" charset="0"/>
+              </a:rPr>
+              <a:t>(sequence, function)</a:t>
+            </a:r>
+            <a:r>
+              <a:rPr kumimoji="0" lang="en-US" altLang="en-US" sz="1000" b="0" i="0" u="none" strike="noStrike" cap="none" normalizeH="0" baseline="0" dirty="0">
+                <a:ln>
+                  <a:noFill/>
+                </a:ln>
+                <a:effectLst/>
+              </a:rPr>
+              <a:t> </a:t>
+            </a:r>
+            <a:endParaRPr kumimoji="0" lang="en-US" altLang="en-US" sz="3600" b="0" i="0" u="none" strike="noStrike" cap="none" normalizeH="0" baseline="0" dirty="0">
+              <a:ln>
+                <a:noFill/>
+              </a:ln>
+              <a:effectLst/>
+              <a:latin typeface="Arial" panose="020B0604020202020204" pitchFamily="34" charset="0"/>
+            </a:endParaRPr>
+          </a:p>
+          <a:p>
+            <a:r>
+              <a:rPr lang="en-IN" b="1" i="0" dirty="0">
+                <a:effectLst/>
+                <a:latin typeface="urw-din"/>
+              </a:rPr>
+              <a:t>Example:</a:t>
+            </a:r>
+          </a:p>
+          <a:p>
+            <a:pPr lvl="1"/>
+            <a:r>
+              <a:rPr lang="en-IN" dirty="0"/>
+              <a:t>import random</a:t>
+            </a:r>
+          </a:p>
+          <a:p>
+            <a:pPr lvl="1"/>
+            <a:r>
+              <a:rPr lang="en-IN" dirty="0"/>
+              <a:t># declare a list</a:t>
+            </a:r>
+          </a:p>
+          <a:p>
+            <a:pPr lvl="1"/>
+            <a:r>
+              <a:rPr lang="en-IN" dirty="0" err="1"/>
+              <a:t>sample_list</a:t>
+            </a:r>
+            <a:r>
+              <a:rPr lang="en-IN" dirty="0"/>
+              <a:t> = [1, 2, 3, 4, 5]</a:t>
+            </a:r>
+          </a:p>
+          <a:p>
+            <a:pPr lvl="1"/>
+            <a:r>
+              <a:rPr lang="en-IN" dirty="0"/>
+              <a:t>print("Original list : ")</a:t>
+            </a:r>
+          </a:p>
+          <a:p>
+            <a:pPr lvl="1"/>
+            <a:r>
+              <a:rPr lang="en-IN" dirty="0"/>
+              <a:t>print(</a:t>
+            </a:r>
+            <a:r>
+              <a:rPr lang="en-IN" dirty="0" err="1"/>
+              <a:t>sample_list</a:t>
+            </a:r>
+            <a:r>
+              <a:rPr lang="en-IN" dirty="0"/>
+              <a:t>)</a:t>
+            </a:r>
+          </a:p>
+          <a:p>
+            <a:pPr lvl="1"/>
+            <a:r>
+              <a:rPr lang="en-IN" dirty="0"/>
+              <a:t># first shuffle</a:t>
+            </a:r>
+          </a:p>
+          <a:p>
+            <a:pPr lvl="1"/>
+            <a:r>
+              <a:rPr lang="en-IN" dirty="0" err="1"/>
+              <a:t>random.shuffle</a:t>
+            </a:r>
+            <a:r>
+              <a:rPr lang="en-IN" dirty="0"/>
+              <a:t>(</a:t>
+            </a:r>
+            <a:r>
+              <a:rPr lang="en-IN" dirty="0" err="1"/>
+              <a:t>sample_list</a:t>
+            </a:r>
+            <a:r>
+              <a:rPr lang="en-IN" dirty="0"/>
+              <a:t>)</a:t>
+            </a:r>
+          </a:p>
+          <a:p>
+            <a:pPr lvl="1"/>
+            <a:r>
+              <a:rPr lang="en-IN" dirty="0"/>
+              <a:t>print(</a:t>
+            </a:r>
+            <a:r>
+              <a:rPr lang="en-IN" dirty="0" err="1"/>
+              <a:t>f"After</a:t>
+            </a:r>
+            <a:r>
+              <a:rPr lang="en-IN" dirty="0"/>
+              <a:t> the first shuffle : {</a:t>
+            </a:r>
+            <a:r>
+              <a:rPr lang="en-IN" dirty="0" err="1"/>
+              <a:t>sample_list</a:t>
+            </a:r>
+            <a:r>
+              <a:rPr lang="en-IN" dirty="0"/>
+              <a:t>}")</a:t>
+            </a:r>
+          </a:p>
+          <a:p>
+            <a:pPr marL="0" indent="0">
+              <a:buNone/>
+            </a:pPr>
+            <a:endParaRPr lang="en-IN" dirty="0"/>
+          </a:p>
+        </p:txBody>
+      </p:sp>
+    </p:spTree>
+    <p:extLst>
+      <p:ext uri="{BB962C8B-B14F-4D97-AF65-F5344CB8AC3E}">
+        <p14:creationId xmlns:p14="http://schemas.microsoft.com/office/powerpoint/2010/main" val="716905738"/>
+      </p:ext>
+    </p:extLst>
+  </p:cSld>
+  <p:clrMapOvr>
+    <a:masterClrMapping/>
+  </p:clrMapOvr>
+</p:sld>
+</file>
+
+<file path=ppt/slides/slide21.xml><?xml version="1.0" encoding="utf-8"?>
+<p:sld xmlns:a="http://schemas.openxmlformats.org/drawingml/2006/main" xmlns:r="http://schemas.openxmlformats.org/officeDocument/2006/relationships" xmlns:p="http://schemas.openxmlformats.org/presentationml/2006/main">
+  <p:cSld>
+    <p:spTree>
+      <p:nvGrpSpPr>
+        <p:cNvPr id="1" name=""/>
+        <p:cNvGrpSpPr/>
+        <p:nvPr/>
+      </p:nvGrpSpPr>
+      <p:grpSpPr>
+        <a:xfrm>
+          <a:off x="0" y="0"/>
+          <a:ext cx="0" cy="0"/>
+          <a:chOff x="0" y="0"/>
+          <a:chExt cx="0" cy="0"/>
+        </a:xfrm>
+      </p:grpSpPr>
+      <p:sp>
+        <p:nvSpPr>
+          <p:cNvPr id="2" name="Title 1">
+            <a:extLst>
+              <a:ext uri="{FF2B5EF4-FFF2-40B4-BE49-F238E27FC236}">
+                <a16:creationId xmlns:a16="http://schemas.microsoft.com/office/drawing/2014/main" id="{5AB1BA00-5EF9-93E0-3E86-FC4D2E80F527}"/>
+              </a:ext>
+            </a:extLst>
+          </p:cNvPr>
+          <p:cNvSpPr>
+            <a:spLocks noGrp="1"/>
+          </p:cNvSpPr>
+          <p:nvPr>
+            <p:ph type="title"/>
+          </p:nvPr>
+        </p:nvSpPr>
+        <p:spPr>
+          <a:xfrm>
+            <a:off x="75414" y="179110"/>
+            <a:ext cx="11877774" cy="501928"/>
+          </a:xfrm>
+        </p:spPr>
+        <p:txBody>
+          <a:bodyPr>
+            <a:normAutofit fontScale="90000"/>
+          </a:bodyPr>
+          <a:lstStyle/>
+          <a:p>
+            <a:pPr algn="l"/>
+            <a:r>
+              <a:rPr lang="en-IN" b="1" i="0" dirty="0">
+                <a:solidFill>
+                  <a:srgbClr val="000000"/>
+                </a:solidFill>
+                <a:effectLst/>
+                <a:latin typeface="Segoe UI" panose="020B0502040204020203" pitchFamily="34" charset="0"/>
+              </a:rPr>
+              <a:t>Python - Modify Strings</a:t>
+            </a:r>
+          </a:p>
+        </p:txBody>
+      </p:sp>
+      <p:sp>
+        <p:nvSpPr>
+          <p:cNvPr id="3" name="Content Placeholder 2">
+            <a:extLst>
+              <a:ext uri="{FF2B5EF4-FFF2-40B4-BE49-F238E27FC236}">
+                <a16:creationId xmlns:a16="http://schemas.microsoft.com/office/drawing/2014/main" id="{E032DE1F-B025-5BEE-8915-7E9B2E1CA311}"/>
+              </a:ext>
+            </a:extLst>
+          </p:cNvPr>
+          <p:cNvSpPr>
+            <a:spLocks noGrp="1"/>
+          </p:cNvSpPr>
+          <p:nvPr>
+            <p:ph idx="1"/>
+          </p:nvPr>
+        </p:nvSpPr>
+        <p:spPr>
+          <a:xfrm>
+            <a:off x="75414" y="895546"/>
+            <a:ext cx="11877774" cy="5783344"/>
+          </a:xfrm>
+        </p:spPr>
+        <p:txBody>
+          <a:bodyPr>
+            <a:normAutofit fontScale="85000" lnSpcReduction="20000"/>
+          </a:bodyPr>
+          <a:lstStyle/>
+          <a:p>
+            <a:r>
+              <a:rPr lang="en-US" b="0" dirty="0">
+                <a:effectLst/>
+                <a:latin typeface="Consolas" panose="020B0609020204030204" pitchFamily="49" charset="0"/>
+              </a:rPr>
+              <a:t>str1 = '     hello World        ' </a:t>
+            </a:r>
+          </a:p>
+          <a:p>
+            <a:r>
+              <a:rPr lang="en-US" b="0" dirty="0">
+                <a:effectLst/>
+                <a:latin typeface="Consolas" panose="020B0609020204030204" pitchFamily="49" charset="0"/>
+              </a:rPr>
+              <a:t>print(</a:t>
+            </a:r>
+            <a:r>
+              <a:rPr lang="en-US" b="0" dirty="0" err="1">
+                <a:effectLst/>
+                <a:latin typeface="Consolas" panose="020B0609020204030204" pitchFamily="49" charset="0"/>
+              </a:rPr>
+              <a:t>f"Original</a:t>
+            </a:r>
+            <a:r>
+              <a:rPr lang="en-US" b="0" dirty="0">
+                <a:effectLst/>
+                <a:latin typeface="Consolas" panose="020B0609020204030204" pitchFamily="49" charset="0"/>
+              </a:rPr>
+              <a:t> String - '{str1}'")</a:t>
+            </a:r>
+          </a:p>
+          <a:p>
+            <a:r>
+              <a:rPr lang="en-US" b="0" dirty="0">
+                <a:effectLst/>
+                <a:latin typeface="Consolas" panose="020B0609020204030204" pitchFamily="49" charset="0"/>
+              </a:rPr>
+              <a:t>print(</a:t>
+            </a:r>
+            <a:r>
+              <a:rPr lang="en-US" b="0" dirty="0" err="1">
+                <a:effectLst/>
+                <a:latin typeface="Consolas" panose="020B0609020204030204" pitchFamily="49" charset="0"/>
+              </a:rPr>
+              <a:t>f"String</a:t>
+            </a:r>
+            <a:r>
+              <a:rPr lang="en-US" b="0" dirty="0">
+                <a:effectLst/>
+                <a:latin typeface="Consolas" panose="020B0609020204030204" pitchFamily="49" charset="0"/>
+              </a:rPr>
+              <a:t> in all upper case characters - '{str1.upper()}'")</a:t>
+            </a:r>
+          </a:p>
+          <a:p>
+            <a:r>
+              <a:rPr lang="en-US" b="0" dirty="0">
+                <a:effectLst/>
+                <a:latin typeface="Consolas" panose="020B0609020204030204" pitchFamily="49" charset="0"/>
+              </a:rPr>
+              <a:t>print(</a:t>
+            </a:r>
+            <a:r>
+              <a:rPr lang="en-US" b="0" dirty="0" err="1">
+                <a:effectLst/>
+                <a:latin typeface="Consolas" panose="020B0609020204030204" pitchFamily="49" charset="0"/>
+              </a:rPr>
+              <a:t>f"String</a:t>
+            </a:r>
+            <a:r>
+              <a:rPr lang="en-US" b="0" dirty="0">
+                <a:effectLst/>
+                <a:latin typeface="Consolas" panose="020B0609020204030204" pitchFamily="49" charset="0"/>
+              </a:rPr>
+              <a:t> in all lower case characters - '{str1.lower()}'")</a:t>
+            </a:r>
+          </a:p>
+          <a:p>
+            <a:r>
+              <a:rPr lang="en-US" b="0" dirty="0">
+                <a:effectLst/>
+                <a:latin typeface="Consolas" panose="020B0609020204030204" pitchFamily="49" charset="0"/>
+              </a:rPr>
+              <a:t>#we have a strip() in string which we use for removing extra spaces from</a:t>
+            </a:r>
+          </a:p>
+          <a:p>
+            <a:r>
+              <a:rPr lang="en-US" b="0" dirty="0">
+                <a:effectLst/>
+                <a:latin typeface="Consolas" panose="020B0609020204030204" pitchFamily="49" charset="0"/>
+              </a:rPr>
+              <a:t># left of starting character and to the right of ending character</a:t>
+            </a:r>
+          </a:p>
+          <a:p>
+            <a:r>
+              <a:rPr lang="en-US" b="0" dirty="0">
+                <a:effectLst/>
+                <a:latin typeface="Consolas" panose="020B0609020204030204" pitchFamily="49" charset="0"/>
+              </a:rPr>
+              <a:t>print(</a:t>
+            </a:r>
+            <a:r>
+              <a:rPr lang="en-US" b="0" dirty="0" err="1">
+                <a:effectLst/>
+                <a:latin typeface="Consolas" panose="020B0609020204030204" pitchFamily="49" charset="0"/>
+              </a:rPr>
+              <a:t>f"String</a:t>
+            </a:r>
+            <a:r>
+              <a:rPr lang="en-US" b="0" dirty="0">
+                <a:effectLst/>
+                <a:latin typeface="Consolas" panose="020B0609020204030204" pitchFamily="49" charset="0"/>
+              </a:rPr>
+              <a:t> after removing extra spaces from left and right '{str1.strip()}'")</a:t>
+            </a:r>
+          </a:p>
+          <a:p>
+            <a:r>
+              <a:rPr lang="en-US" b="0" dirty="0">
+                <a:effectLst/>
+                <a:latin typeface="Consolas" panose="020B0609020204030204" pitchFamily="49" charset="0"/>
+              </a:rPr>
+              <a:t>#to replace any character with other in a string we use replace()</a:t>
+            </a:r>
+          </a:p>
+          <a:p>
+            <a:r>
+              <a:rPr lang="en-US" b="0" dirty="0">
+                <a:effectLst/>
+                <a:latin typeface="Consolas" panose="020B0609020204030204" pitchFamily="49" charset="0"/>
+              </a:rPr>
+              <a:t>print(</a:t>
+            </a:r>
+            <a:r>
+              <a:rPr lang="en-US" b="0" dirty="0" err="1">
+                <a:effectLst/>
+                <a:latin typeface="Consolas" panose="020B0609020204030204" pitchFamily="49" charset="0"/>
+              </a:rPr>
+              <a:t>f"String</a:t>
+            </a:r>
+            <a:r>
+              <a:rPr lang="en-US" b="0" dirty="0">
+                <a:effectLst/>
+                <a:latin typeface="Consolas" panose="020B0609020204030204" pitchFamily="49" charset="0"/>
+              </a:rPr>
+              <a:t> after replace h with y '{str1.replace('</a:t>
+            </a:r>
+            <a:r>
+              <a:rPr lang="en-US" b="0" dirty="0" err="1">
+                <a:effectLst/>
+                <a:latin typeface="Consolas" panose="020B0609020204030204" pitchFamily="49" charset="0"/>
+              </a:rPr>
+              <a:t>h','y</a:t>
+            </a:r>
+            <a:r>
+              <a:rPr lang="en-US" b="0" dirty="0">
+                <a:effectLst/>
+                <a:latin typeface="Consolas" panose="020B0609020204030204" pitchFamily="49" charset="0"/>
+              </a:rPr>
+              <a:t>')}’”)</a:t>
+            </a:r>
+          </a:p>
+          <a:p>
+            <a:r>
+              <a:rPr lang="en-US" b="0" dirty="0">
+                <a:effectLst/>
+                <a:latin typeface="Consolas" panose="020B0609020204030204" pitchFamily="49" charset="0"/>
+              </a:rPr>
+              <a:t>#to split a string into </a:t>
+            </a:r>
+            <a:r>
+              <a:rPr lang="en-US" b="0" dirty="0" err="1">
+                <a:effectLst/>
+                <a:latin typeface="Consolas" panose="020B0609020204030204" pitchFamily="49" charset="0"/>
+              </a:rPr>
+              <a:t>subtring</a:t>
+            </a:r>
+            <a:r>
+              <a:rPr lang="en-US" b="0" dirty="0">
+                <a:effectLst/>
+                <a:latin typeface="Consolas" panose="020B0609020204030204" pitchFamily="49" charset="0"/>
+              </a:rPr>
+              <a:t> on a character</a:t>
+            </a:r>
+          </a:p>
+          <a:p>
+            <a:r>
+              <a:rPr lang="en-US" b="0" dirty="0">
+                <a:effectLst/>
+                <a:latin typeface="Consolas" panose="020B0609020204030204" pitchFamily="49" charset="0"/>
+              </a:rPr>
+              <a:t>str2 = "</a:t>
+            </a:r>
+            <a:r>
+              <a:rPr lang="en-US" b="0" dirty="0" err="1">
+                <a:effectLst/>
+                <a:latin typeface="Consolas" panose="020B0609020204030204" pitchFamily="49" charset="0"/>
+              </a:rPr>
+              <a:t>Hello,How</a:t>
+            </a:r>
+            <a:r>
+              <a:rPr lang="en-US" b="0" dirty="0">
+                <a:effectLst/>
+                <a:latin typeface="Consolas" panose="020B0609020204030204" pitchFamily="49" charset="0"/>
+              </a:rPr>
+              <a:t>, </a:t>
+            </a:r>
+            <a:r>
+              <a:rPr lang="en-US" b="0" dirty="0" err="1">
+                <a:effectLst/>
+                <a:latin typeface="Consolas" panose="020B0609020204030204" pitchFamily="49" charset="0"/>
+              </a:rPr>
+              <a:t>are,you</a:t>
+            </a:r>
+            <a:r>
+              <a:rPr lang="en-US" b="0" dirty="0">
+                <a:effectLst/>
+                <a:latin typeface="Consolas" panose="020B0609020204030204" pitchFamily="49" charset="0"/>
+              </a:rPr>
+              <a:t>"</a:t>
+            </a:r>
+          </a:p>
+          <a:p>
+            <a:r>
+              <a:rPr lang="en-US" b="0" dirty="0">
+                <a:effectLst/>
+                <a:latin typeface="Consolas" panose="020B0609020204030204" pitchFamily="49" charset="0"/>
+              </a:rPr>
+              <a:t>print(</a:t>
+            </a:r>
+            <a:r>
+              <a:rPr lang="en-US" b="0" dirty="0" err="1">
+                <a:effectLst/>
+                <a:latin typeface="Consolas" panose="020B0609020204030204" pitchFamily="49" charset="0"/>
+              </a:rPr>
+              <a:t>f"String</a:t>
+            </a:r>
+            <a:r>
+              <a:rPr lang="en-US" b="0" dirty="0">
+                <a:effectLst/>
+                <a:latin typeface="Consolas" panose="020B0609020204030204" pitchFamily="49" charset="0"/>
+              </a:rPr>
+              <a:t> after splitting on comma(,) = '{str2.split(',')}'") #by default it splits from space</a:t>
+            </a:r>
+          </a:p>
+          <a:p>
+            <a:endParaRPr lang="en-IN" dirty="0"/>
+          </a:p>
+        </p:txBody>
+      </p:sp>
+    </p:spTree>
+    <p:extLst>
+      <p:ext uri="{BB962C8B-B14F-4D97-AF65-F5344CB8AC3E}">
+        <p14:creationId xmlns:p14="http://schemas.microsoft.com/office/powerpoint/2010/main" val="3335248726"/>
       </p:ext>
     </p:extLst>
   </p:cSld>
@@ -4108,7 +7414,7 @@
           <p:cNvPr id="2" name="Title 1">
             <a:extLst>
               <a:ext uri="{FF2B5EF4-FFF2-40B4-BE49-F238E27FC236}">
-                <a16:creationId xmlns:a16="http://schemas.microsoft.com/office/drawing/2014/main" id="{5AB1BA00-5EF9-93E0-3E86-FC4D2E80F527}"/>
+                <a16:creationId xmlns:a16="http://schemas.microsoft.com/office/drawing/2014/main" id="{ABFB3198-565D-A411-3469-E16E22F46F26}"/>
               </a:ext>
             </a:extLst>
           </p:cNvPr>
@@ -4126,7 +7432,7 @@
           <a:p>
             <a:r>
               <a:rPr lang="en-IN" b="1" dirty="0"/>
-              <a:t>Python Basics</a:t>
+              <a:t>Resources</a:t>
             </a:r>
           </a:p>
         </p:txBody>
@@ -4136,7 +7442,7 @@
           <p:cNvPr id="3" name="Content Placeholder 2">
             <a:extLst>
               <a:ext uri="{FF2B5EF4-FFF2-40B4-BE49-F238E27FC236}">
-                <a16:creationId xmlns:a16="http://schemas.microsoft.com/office/drawing/2014/main" id="{E032DE1F-B025-5BEE-8915-7E9B2E1CA311}"/>
+                <a16:creationId xmlns:a16="http://schemas.microsoft.com/office/drawing/2014/main" id="{332B5644-917A-6DC5-17BE-3AA4EDA41C70}"/>
               </a:ext>
             </a:extLst>
           </p:cNvPr>
@@ -4149,79 +7455,74 @@
         </p:nvSpPr>
         <p:spPr/>
         <p:txBody>
-          <a:bodyPr>
-            <a:normAutofit fontScale="92500" lnSpcReduction="20000"/>
-          </a:bodyPr>
+          <a:bodyPr/>
           <a:lstStyle/>
           <a:p>
             <a:r>
               <a:rPr lang="en-IN" dirty="0"/>
-              <a:t>Variables </a:t>
-            </a:r>
+              <a:t>Download Python - </a:t>
+            </a:r>
+            <a:r>
+              <a:rPr lang="en-IN" dirty="0">
+                <a:hlinkClick r:id="rId2"/>
+              </a:rPr>
+              <a:t>Download Python | Python.org</a:t>
+            </a:r>
+            <a:endParaRPr lang="en-IN" dirty="0"/>
           </a:p>
           <a:p>
             <a:r>
               <a:rPr lang="en-IN" dirty="0"/>
-              <a:t>Global Variables</a:t>
-            </a:r>
-          </a:p>
-          <a:p>
-            <a:r>
-              <a:rPr lang="en-IN" dirty="0"/>
-              <a:t>Local Variables</a:t>
-            </a:r>
-          </a:p>
-          <a:p>
-            <a:r>
-              <a:rPr lang="en-IN" dirty="0"/>
-              <a:t>Datatypes</a:t>
-            </a:r>
-          </a:p>
-          <a:p>
-            <a:r>
-              <a:rPr lang="en-IN" dirty="0"/>
-              <a:t>Type Conversion</a:t>
-            </a:r>
-          </a:p>
-          <a:p>
-            <a:r>
-              <a:rPr lang="en-IN" dirty="0"/>
-              <a:t>Random Numbers</a:t>
-            </a:r>
-          </a:p>
-          <a:p>
-            <a:r>
-              <a:rPr lang="en-IN" dirty="0"/>
-              <a:t>Download Library</a:t>
-            </a:r>
-          </a:p>
-          <a:p>
-            <a:r>
-              <a:rPr lang="en-IN" dirty="0"/>
-              <a:t>Pip</a:t>
-            </a:r>
-          </a:p>
-          <a:p>
-            <a:r>
-              <a:rPr lang="en-IN" dirty="0"/>
-              <a:t>String Modification (String Methods, Formatted string)</a:t>
-            </a:r>
-          </a:p>
-          <a:p>
-            <a:r>
-              <a:rPr lang="en-IN" dirty="0"/>
-              <a:t>Unpacking of list</a:t>
-            </a:r>
-          </a:p>
-          <a:p>
+              <a:t>Download VS Code - </a:t>
+            </a:r>
+            <a:r>
+              <a:rPr lang="en-US" dirty="0">
+                <a:hlinkClick r:id="rId3"/>
+              </a:rPr>
+              <a:t>Download Visual Studio Code - Mac, Linux, Windows</a:t>
+            </a:r>
+            <a:r>
+              <a:rPr lang="en-US" dirty="0"/>
+              <a:t> (Click on windows icon to download it </a:t>
+            </a:r>
             <a:endParaRPr lang="en-IN" dirty="0"/>
           </a:p>
         </p:txBody>
       </p:sp>
+      <p:pic>
+        <p:nvPicPr>
+          <p:cNvPr id="5" name="Picture 4">
+            <a:extLst>
+              <a:ext uri="{FF2B5EF4-FFF2-40B4-BE49-F238E27FC236}">
+                <a16:creationId xmlns:a16="http://schemas.microsoft.com/office/drawing/2014/main" id="{3CB7439F-D25D-ECE2-E5BA-160A8ADC6DBB}"/>
+              </a:ext>
+            </a:extLst>
+          </p:cNvPr>
+          <p:cNvPicPr>
+            <a:picLocks noChangeAspect="1"/>
+          </p:cNvPicPr>
+          <p:nvPr/>
+        </p:nvPicPr>
+        <p:blipFill>
+          <a:blip r:embed="rId4"/>
+          <a:stretch>
+            <a:fillRect/>
+          </a:stretch>
+        </p:blipFill>
+        <p:spPr>
+          <a:xfrm>
+            <a:off x="2805953" y="3588265"/>
+            <a:ext cx="4940511" cy="2412734"/>
+          </a:xfrm>
+          <a:prstGeom prst="rect">
+            <a:avLst/>
+          </a:prstGeom>
+        </p:spPr>
+      </p:pic>
     </p:spTree>
     <p:extLst>
       <p:ext uri="{BB962C8B-B14F-4D97-AF65-F5344CB8AC3E}">
-        <p14:creationId xmlns:p14="http://schemas.microsoft.com/office/powerpoint/2010/main" val="772634289"/>
+        <p14:creationId xmlns:p14="http://schemas.microsoft.com/office/powerpoint/2010/main" val="1786418662"/>
       </p:ext>
     </p:extLst>
   </p:cSld>
@@ -4253,7 +7554,7 @@
           <p:cNvPr id="2" name="Title 1">
             <a:extLst>
               <a:ext uri="{FF2B5EF4-FFF2-40B4-BE49-F238E27FC236}">
-                <a16:creationId xmlns:a16="http://schemas.microsoft.com/office/drawing/2014/main" id="{E1576D2F-CD93-2FC5-2B5F-07A89847BE6C}"/>
+                <a16:creationId xmlns:a16="http://schemas.microsoft.com/office/drawing/2014/main" id="{5AB1BA00-5EF9-93E0-3E86-FC4D2E80F527}"/>
               </a:ext>
             </a:extLst>
           </p:cNvPr>
@@ -4270,25 +7571,9 @@
           <a:lstStyle/>
           <a:p>
             <a:r>
-              <a:rPr lang="en-IN" b="0" i="0" dirty="0">
-                <a:solidFill>
-                  <a:srgbClr val="222222"/>
-                </a:solidFill>
-                <a:effectLst/>
-                <a:latin typeface="-apple-system"/>
-              </a:rPr>
-              <a:t>Python Tutorial on Operators</a:t>
-            </a:r>
-            <a:br>
-              <a:rPr lang="en-IN" b="0" i="0" dirty="0">
-                <a:solidFill>
-                  <a:srgbClr val="222222"/>
-                </a:solidFill>
-                <a:effectLst/>
-                <a:latin typeface="-apple-system"/>
-              </a:rPr>
-            </a:br>
-            <a:endParaRPr lang="en-IN" dirty="0"/>
+              <a:rPr lang="en-IN" b="1" dirty="0"/>
+              <a:t>Python Basics</a:t>
+            </a:r>
           </a:p>
         </p:txBody>
       </p:sp>
@@ -4297,7 +7582,7 @@
           <p:cNvPr id="3" name="Content Placeholder 2">
             <a:extLst>
               <a:ext uri="{FF2B5EF4-FFF2-40B4-BE49-F238E27FC236}">
-                <a16:creationId xmlns:a16="http://schemas.microsoft.com/office/drawing/2014/main" id="{A031CBB0-1B69-84E4-C0BD-3C6EC878E0D6}"/>
+                <a16:creationId xmlns:a16="http://schemas.microsoft.com/office/drawing/2014/main" id="{E032DE1F-B025-5BEE-8915-7E9B2E1CA311}"/>
               </a:ext>
             </a:extLst>
           </p:cNvPr>
@@ -4310,51 +7595,65 @@
         </p:nvSpPr>
         <p:spPr/>
         <p:txBody>
-          <a:bodyPr/>
-          <a:lstStyle/>
-          <a:p>
-            <a:r>
-              <a:rPr lang="en-US" b="0" i="0" dirty="0">
-                <a:solidFill>
-                  <a:srgbClr val="222222"/>
-                </a:solidFill>
-                <a:effectLst/>
-                <a:latin typeface="-apple-system"/>
-              </a:rPr>
-              <a:t>It is the best language to learn for the people who are new to programming and experienced with other languages. The first step is to install Python programming language on your operating system (if not installed by default).</a:t>
-            </a:r>
-          </a:p>
-          <a:p>
-            <a:r>
-              <a:rPr lang="en-US" b="0" i="0" dirty="0">
-                <a:solidFill>
-                  <a:srgbClr val="222222"/>
-                </a:solidFill>
-                <a:effectLst/>
-                <a:latin typeface="-apple-system"/>
-              </a:rPr>
-              <a:t>Once the Python installation is completed, you can start learning from basic operators tutorial to </a:t>
-            </a:r>
-            <a:r>
-              <a:rPr lang="en-US" b="0" i="0" dirty="0" err="1">
-                <a:solidFill>
-                  <a:srgbClr val="222222"/>
-                </a:solidFill>
-                <a:effectLst/>
-                <a:latin typeface="-apple-system"/>
-              </a:rPr>
-              <a:t>Numpy</a:t>
-            </a:r>
-            <a:r>
-              <a:rPr lang="en-US" b="0" i="0" dirty="0">
-                <a:solidFill>
-                  <a:srgbClr val="222222"/>
-                </a:solidFill>
-                <a:effectLst/>
-                <a:latin typeface="-apple-system"/>
-              </a:rPr>
-              <a:t> and pandas modules. And tis language supports the following operators. Use this section to learn the basics of the programming.</a:t>
-            </a:r>
+          <a:bodyPr>
+            <a:normAutofit lnSpcReduction="10000"/>
+          </a:bodyPr>
+          <a:lstStyle/>
+          <a:p>
+            <a:r>
+              <a:rPr lang="en-IN" dirty="0"/>
+              <a:t>Variables </a:t>
+            </a:r>
+          </a:p>
+          <a:p>
+            <a:r>
+              <a:rPr lang="en-IN" dirty="0"/>
+              <a:t>Global Variables</a:t>
+            </a:r>
+          </a:p>
+          <a:p>
+            <a:r>
+              <a:rPr lang="en-IN" dirty="0"/>
+              <a:t>Local Variables</a:t>
+            </a:r>
+          </a:p>
+          <a:p>
+            <a:r>
+              <a:rPr lang="en-IN" dirty="0"/>
+              <a:t>Datatypes</a:t>
+            </a:r>
+          </a:p>
+          <a:p>
+            <a:r>
+              <a:rPr lang="en-IN" dirty="0"/>
+              <a:t>Type Conversion</a:t>
+            </a:r>
+          </a:p>
+          <a:p>
+            <a:r>
+              <a:rPr lang="en-IN" dirty="0"/>
+              <a:t>Random Numbers</a:t>
+            </a:r>
+          </a:p>
+          <a:p>
+            <a:r>
+              <a:rPr lang="en-IN" dirty="0"/>
+              <a:t>Download Library</a:t>
+            </a:r>
+          </a:p>
+          <a:p>
+            <a:r>
+              <a:rPr lang="en-IN" dirty="0"/>
+              <a:t>Pip (Pip Installs Packages)</a:t>
+            </a:r>
+          </a:p>
+          <a:p>
+            <a:r>
+              <a:rPr lang="en-IN" dirty="0"/>
+              <a:t>String Modification (String Methods, Formatted string)</a:t>
+            </a:r>
+          </a:p>
+          <a:p>
             <a:endParaRPr lang="en-IN" dirty="0"/>
           </a:p>
         </p:txBody>
@@ -4362,7 +7661,7 @@
     </p:spTree>
     <p:extLst>
       <p:ext uri="{BB962C8B-B14F-4D97-AF65-F5344CB8AC3E}">
-        <p14:creationId xmlns:p14="http://schemas.microsoft.com/office/powerpoint/2010/main" val="1820581490"/>
+        <p14:creationId xmlns:p14="http://schemas.microsoft.com/office/powerpoint/2010/main" val="772634289"/>
       </p:ext>
     </p:extLst>
   </p:cSld>
@@ -4394,7 +7693,7 @@
           <p:cNvPr id="2" name="Title 1">
             <a:extLst>
               <a:ext uri="{FF2B5EF4-FFF2-40B4-BE49-F238E27FC236}">
-                <a16:creationId xmlns:a16="http://schemas.microsoft.com/office/drawing/2014/main" id="{1E286BD7-8573-66D4-FFC7-9FD54DAB51B0}"/>
+                <a16:creationId xmlns:a16="http://schemas.microsoft.com/office/drawing/2014/main" id="{5AB1BA00-5EF9-93E0-3E86-FC4D2E80F527}"/>
               </a:ext>
             </a:extLst>
           </p:cNvPr>
@@ -4407,25 +7706,24 @@
         </p:nvSpPr>
         <p:spPr>
           <a:xfrm>
-            <a:off x="838200" y="365125"/>
-            <a:ext cx="10515600" cy="773393"/>
+            <a:off x="75414" y="179110"/>
+            <a:ext cx="11877774" cy="501928"/>
           </a:xfrm>
         </p:spPr>
         <p:txBody>
-          <a:bodyPr/>
-          <a:lstStyle/>
-          <a:p>
-            <a:r>
-              <a:rPr lang="en-IN" b="0" i="0" dirty="0">
-                <a:solidFill>
-                  <a:srgbClr val="222222"/>
-                </a:solidFill>
-                <a:effectLst/>
-                <a:latin typeface="-apple-system"/>
-              </a:rPr>
-              <a:t>Python Arithmetic Operators</a:t>
-            </a:r>
-            <a:endParaRPr lang="en-IN" dirty="0"/>
+          <a:bodyPr>
+            <a:normAutofit fontScale="90000"/>
+          </a:bodyPr>
+          <a:lstStyle/>
+          <a:p>
+            <a:pPr algn="just"/>
+            <a:r>
+              <a:rPr lang="en-IN" b="1" i="0" dirty="0">
+                <a:effectLst/>
+                <a:latin typeface="erdana"/>
+              </a:rPr>
+              <a:t>Python Variables</a:t>
+            </a:r>
           </a:p>
         </p:txBody>
       </p:sp>
@@ -4434,7 +7732,7 @@
           <p:cNvPr id="3" name="Content Placeholder 2">
             <a:extLst>
               <a:ext uri="{FF2B5EF4-FFF2-40B4-BE49-F238E27FC236}">
-                <a16:creationId xmlns:a16="http://schemas.microsoft.com/office/drawing/2014/main" id="{7BF2A1EB-01BA-C2A3-F969-A0C80C099FEB}"/>
+                <a16:creationId xmlns:a16="http://schemas.microsoft.com/office/drawing/2014/main" id="{E032DE1F-B025-5BEE-8915-7E9B2E1CA311}"/>
               </a:ext>
             </a:extLst>
           </p:cNvPr>
@@ -4447,8 +7745,8 @@
         </p:nvSpPr>
         <p:spPr>
           <a:xfrm>
-            <a:off x="838200" y="1138518"/>
-            <a:ext cx="10515600" cy="5620870"/>
+            <a:off x="75414" y="895546"/>
+            <a:ext cx="11877774" cy="5783344"/>
           </a:xfrm>
         </p:spPr>
         <p:txBody>
@@ -4457,54 +7755,86 @@
           </a:bodyPr>
           <a:lstStyle/>
           <a:p>
-            <a:r>
-              <a:rPr lang="en-US" sz="2000" b="0" i="0" dirty="0">
+            <a:pPr algn="just"/>
+            <a:r>
+              <a:rPr lang="en-US" b="0" i="0" dirty="0">
                 <a:solidFill>
-                  <a:srgbClr val="222222"/>
+                  <a:srgbClr val="333333"/>
                 </a:solidFill>
                 <a:effectLst/>
-                <a:latin typeface="-apple-system"/>
-              </a:rPr>
-              <a:t>Python Arithmetic operators include Addition, Subtraction, Multiplication, Division, Floor Division, Exponent (or Power), and Modulus. All these Arithmetic are binary operators, which means they operate on two operands. </a:t>
-            </a:r>
-            <a:endParaRPr lang="en-IN" sz="2000" dirty="0"/>
-          </a:p>
-        </p:txBody>
-      </p:sp>
-      <p:pic>
-        <p:nvPicPr>
-          <p:cNvPr id="5" name="Picture 4">
-            <a:extLst>
-              <a:ext uri="{FF2B5EF4-FFF2-40B4-BE49-F238E27FC236}">
-                <a16:creationId xmlns:a16="http://schemas.microsoft.com/office/drawing/2014/main" id="{AE2D5329-E55F-3AD0-AAD6-4A60FDCE897F}"/>
-              </a:ext>
-            </a:extLst>
-          </p:cNvPr>
-          <p:cNvPicPr>
-            <a:picLocks noChangeAspect="1"/>
-          </p:cNvPicPr>
-          <p:nvPr/>
-        </p:nvPicPr>
-        <p:blipFill>
-          <a:blip r:embed="rId2"/>
-          <a:stretch>
-            <a:fillRect/>
-          </a:stretch>
-        </p:blipFill>
-        <p:spPr>
-          <a:xfrm>
-            <a:off x="949720" y="2124635"/>
-            <a:ext cx="10310027" cy="4368240"/>
-          </a:xfrm>
-          <a:prstGeom prst="rect">
-            <a:avLst/>
-          </a:prstGeom>
-        </p:spPr>
-      </p:pic>
+                <a:latin typeface="inter-regular"/>
+              </a:rPr>
+              <a:t>Variable is a name that is used to refer to memory location. Python variable is also known as an identifier and used to hold value.</a:t>
+            </a:r>
+          </a:p>
+          <a:p>
+            <a:pPr algn="just"/>
+            <a:r>
+              <a:rPr lang="en-US" b="0" i="0" dirty="0">
+                <a:solidFill>
+                  <a:srgbClr val="333333"/>
+                </a:solidFill>
+                <a:effectLst/>
+                <a:latin typeface="inter-regular"/>
+              </a:rPr>
+              <a:t>In Python, we don't need to specify the type of variable because Python is a infer language and smart enough to get variable type.</a:t>
+            </a:r>
+          </a:p>
+          <a:p>
+            <a:pPr algn="just"/>
+            <a:r>
+              <a:rPr lang="en-US" b="0" i="0" dirty="0">
+                <a:solidFill>
+                  <a:srgbClr val="333333"/>
+                </a:solidFill>
+                <a:effectLst/>
+                <a:latin typeface="inter-regular"/>
+              </a:rPr>
+              <a:t>Variable names can be a group of both the letters and digits, but they have to begin with a letter or an underscore.</a:t>
+            </a:r>
+          </a:p>
+          <a:p>
+            <a:pPr algn="just"/>
+            <a:r>
+              <a:rPr lang="en-US" b="0" i="0" dirty="0">
+                <a:solidFill>
+                  <a:srgbClr val="333333"/>
+                </a:solidFill>
+                <a:effectLst/>
+                <a:latin typeface="inter-regular"/>
+              </a:rPr>
+              <a:t>It is recommended to use lowercase letters for the variable name. Rahul and </a:t>
+            </a:r>
+            <a:r>
+              <a:rPr lang="en-US" b="0" i="0" dirty="0" err="1">
+                <a:solidFill>
+                  <a:srgbClr val="333333"/>
+                </a:solidFill>
+                <a:effectLst/>
+                <a:latin typeface="inter-regular"/>
+              </a:rPr>
+              <a:t>rahul</a:t>
+            </a:r>
+            <a:r>
+              <a:rPr lang="en-US" b="0" i="0" dirty="0">
+                <a:solidFill>
+                  <a:srgbClr val="333333"/>
+                </a:solidFill>
+                <a:effectLst/>
+                <a:latin typeface="inter-regular"/>
+              </a:rPr>
+              <a:t> both are two different variables.</a:t>
+            </a:r>
+          </a:p>
+          <a:p>
+            <a:endParaRPr lang="en-IN" dirty="0"/>
+          </a:p>
+        </p:txBody>
+      </p:sp>
     </p:spTree>
     <p:extLst>
       <p:ext uri="{BB962C8B-B14F-4D97-AF65-F5344CB8AC3E}">
-        <p14:creationId xmlns:p14="http://schemas.microsoft.com/office/powerpoint/2010/main" val="544742901"/>
+        <p14:creationId xmlns:p14="http://schemas.microsoft.com/office/powerpoint/2010/main" val="3919485764"/>
       </p:ext>
     </p:extLst>
   </p:cSld>
@@ -4536,7 +7866,7 @@
           <p:cNvPr id="2" name="Title 1">
             <a:extLst>
               <a:ext uri="{FF2B5EF4-FFF2-40B4-BE49-F238E27FC236}">
-                <a16:creationId xmlns:a16="http://schemas.microsoft.com/office/drawing/2014/main" id="{96576124-DF4A-0BB7-10E9-6A67A3D4C8CC}"/>
+                <a16:creationId xmlns:a16="http://schemas.microsoft.com/office/drawing/2014/main" id="{5AB1BA00-5EF9-93E0-3E86-FC4D2E80F527}"/>
               </a:ext>
             </a:extLst>
           </p:cNvPr>
@@ -4549,8 +7879,47 @@
         </p:nvSpPr>
         <p:spPr>
           <a:xfrm>
-            <a:off x="838200" y="365126"/>
-            <a:ext cx="10515600" cy="746498"/>
+            <a:off x="75414" y="179110"/>
+            <a:ext cx="11877774" cy="501928"/>
+          </a:xfrm>
+        </p:spPr>
+        <p:txBody>
+          <a:bodyPr>
+            <a:normAutofit fontScale="90000"/>
+          </a:bodyPr>
+          <a:lstStyle/>
+          <a:p>
+            <a:pPr algn="just"/>
+            <a:r>
+              <a:rPr lang="en-IN" b="1" i="0" dirty="0">
+                <a:effectLst/>
+                <a:latin typeface="erdana"/>
+              </a:rPr>
+              <a:t>Identifier Naming</a:t>
+            </a:r>
+          </a:p>
+        </p:txBody>
+      </p:sp>
+      <p:sp>
+        <p:nvSpPr>
+          <p:cNvPr id="3" name="Content Placeholder 2">
+            <a:extLst>
+              <a:ext uri="{FF2B5EF4-FFF2-40B4-BE49-F238E27FC236}">
+                <a16:creationId xmlns:a16="http://schemas.microsoft.com/office/drawing/2014/main" id="{E032DE1F-B025-5BEE-8915-7E9B2E1CA311}"/>
+              </a:ext>
+            </a:extLst>
+          </p:cNvPr>
+          <p:cNvSpPr>
+            <a:spLocks noGrp="1"/>
+          </p:cNvSpPr>
+          <p:nvPr>
+            <p:ph idx="1"/>
+          </p:nvPr>
+        </p:nvSpPr>
+        <p:spPr>
+          <a:xfrm>
+            <a:off x="75414" y="895546"/>
+            <a:ext cx="11877774" cy="5783344"/>
           </a:xfrm>
         </p:spPr>
         <p:txBody>
@@ -4559,118 +7928,159 @@
           </a:bodyPr>
           <a:lstStyle/>
           <a:p>
-            <a:r>
-              <a:rPr lang="en-IN" b="0" i="0" dirty="0">
+            <a:pPr algn="just"/>
+            <a:r>
+              <a:rPr lang="en-US" b="0" i="0" dirty="0">
                 <a:solidFill>
-                  <a:srgbClr val="222222"/>
+                  <a:srgbClr val="333333"/>
                 </a:solidFill>
                 <a:effectLst/>
-                <a:latin typeface="-apple-system"/>
-              </a:rPr>
-              <a:t>Python Assignment Operators</a:t>
-            </a:r>
+                <a:latin typeface="inter-regular"/>
+              </a:rPr>
+              <a:t>Variables are the example of identifiers. An Identifier is used to identify the literals used in the program. The rules to name an identifier are given below.</a:t>
+            </a:r>
+          </a:p>
+          <a:p>
+            <a:pPr algn="just">
+              <a:buFont typeface="Arial" panose="020B0604020202020204" pitchFamily="34" charset="0"/>
+              <a:buChar char="•"/>
+            </a:pPr>
+            <a:r>
+              <a:rPr lang="en-US" b="0" i="0" dirty="0">
+                <a:solidFill>
+                  <a:srgbClr val="000000"/>
+                </a:solidFill>
+                <a:effectLst/>
+                <a:latin typeface="inter-regular"/>
+              </a:rPr>
+              <a:t>The first character of the variable must be an alphabet or underscore ( _ ).</a:t>
+            </a:r>
+          </a:p>
+          <a:p>
+            <a:pPr algn="just">
+              <a:buFont typeface="Arial" panose="020B0604020202020204" pitchFamily="34" charset="0"/>
+              <a:buChar char="•"/>
+            </a:pPr>
+            <a:r>
+              <a:rPr lang="en-US" b="0" i="0" dirty="0">
+                <a:solidFill>
+                  <a:srgbClr val="000000"/>
+                </a:solidFill>
+                <a:effectLst/>
+                <a:latin typeface="inter-regular"/>
+              </a:rPr>
+              <a:t>All the characters except the first character may be an alphabet of lower-case(a-z), upper-case (A-Z), underscore, or digit (0-9).</a:t>
+            </a:r>
+          </a:p>
+          <a:p>
+            <a:pPr algn="just">
+              <a:buFont typeface="Arial" panose="020B0604020202020204" pitchFamily="34" charset="0"/>
+              <a:buChar char="•"/>
+            </a:pPr>
+            <a:r>
+              <a:rPr lang="en-US" b="0" i="0" dirty="0">
+                <a:solidFill>
+                  <a:srgbClr val="000000"/>
+                </a:solidFill>
+                <a:effectLst/>
+                <a:latin typeface="inter-regular"/>
+              </a:rPr>
+              <a:t>Identifier name must not contain any white-space, or special character (!, @, #, %, ^, &amp;, *).</a:t>
+            </a:r>
+          </a:p>
+          <a:p>
+            <a:pPr algn="just">
+              <a:buFont typeface="Arial" panose="020B0604020202020204" pitchFamily="34" charset="0"/>
+              <a:buChar char="•"/>
+            </a:pPr>
+            <a:r>
+              <a:rPr lang="en-US" b="0" i="0" dirty="0">
+                <a:solidFill>
+                  <a:srgbClr val="000000"/>
+                </a:solidFill>
+                <a:effectLst/>
+                <a:latin typeface="inter-regular"/>
+              </a:rPr>
+              <a:t>Identifier name must not be similar to any keyword defined in the language.</a:t>
+            </a:r>
+          </a:p>
+          <a:p>
+            <a:pPr algn="just">
+              <a:buFont typeface="Arial" panose="020B0604020202020204" pitchFamily="34" charset="0"/>
+              <a:buChar char="•"/>
+            </a:pPr>
+            <a:r>
+              <a:rPr lang="en-US" b="0" i="0" dirty="0">
+                <a:solidFill>
+                  <a:srgbClr val="000000"/>
+                </a:solidFill>
+                <a:effectLst/>
+                <a:latin typeface="inter-regular"/>
+              </a:rPr>
+              <a:t>Identifier names are case sensitive; for example, my name, and </a:t>
+            </a:r>
+            <a:r>
+              <a:rPr lang="en-US" b="0" i="0" dirty="0" err="1">
+                <a:solidFill>
+                  <a:srgbClr val="000000"/>
+                </a:solidFill>
+                <a:effectLst/>
+                <a:latin typeface="inter-regular"/>
+              </a:rPr>
+              <a:t>MyName</a:t>
+            </a:r>
+            <a:r>
+              <a:rPr lang="en-US" b="0" i="0" dirty="0">
+                <a:solidFill>
+                  <a:srgbClr val="000000"/>
+                </a:solidFill>
+                <a:effectLst/>
+                <a:latin typeface="inter-regular"/>
+              </a:rPr>
+              <a:t> is not the same.</a:t>
+            </a:r>
+          </a:p>
+          <a:p>
+            <a:pPr algn="just">
+              <a:buFont typeface="Arial" panose="020B0604020202020204" pitchFamily="34" charset="0"/>
+              <a:buChar char="•"/>
+            </a:pPr>
+            <a:r>
+              <a:rPr lang="en-US" b="0" i="0" dirty="0">
+                <a:solidFill>
+                  <a:srgbClr val="000000"/>
+                </a:solidFill>
+                <a:effectLst/>
+                <a:latin typeface="inter-regular"/>
+              </a:rPr>
+              <a:t>Examples of valid identifiers: a123, _n, n_9, etc.</a:t>
+            </a:r>
+          </a:p>
+          <a:p>
+            <a:pPr algn="just">
+              <a:buFont typeface="Arial" panose="020B0604020202020204" pitchFamily="34" charset="0"/>
+              <a:buChar char="•"/>
+            </a:pPr>
+            <a:r>
+              <a:rPr lang="en-US" b="0" i="0" dirty="0">
+                <a:solidFill>
+                  <a:srgbClr val="000000"/>
+                </a:solidFill>
+                <a:effectLst/>
+                <a:latin typeface="inter-regular"/>
+              </a:rPr>
+              <a:t>Examples of invalid identifiers: 1a, n%4, n 9, etc.</a:t>
+            </a:r>
+          </a:p>
+          <a:p>
             <a:endParaRPr lang="en-IN" dirty="0"/>
           </a:p>
         </p:txBody>
       </p:sp>
-      <p:sp>
-        <p:nvSpPr>
-          <p:cNvPr id="3" name="Content Placeholder 2">
-            <a:extLst>
-              <a:ext uri="{FF2B5EF4-FFF2-40B4-BE49-F238E27FC236}">
-                <a16:creationId xmlns:a16="http://schemas.microsoft.com/office/drawing/2014/main" id="{EA8E8E1C-E9A5-1572-B169-3EF8C315D866}"/>
-              </a:ext>
-            </a:extLst>
-          </p:cNvPr>
-          <p:cNvSpPr>
-            <a:spLocks noGrp="1"/>
-          </p:cNvSpPr>
-          <p:nvPr>
-            <p:ph idx="1"/>
-          </p:nvPr>
-        </p:nvSpPr>
-        <p:spPr>
-          <a:xfrm>
-            <a:off x="838199" y="1246094"/>
-            <a:ext cx="11066929" cy="5459506"/>
-          </a:xfrm>
-        </p:spPr>
-        <p:txBody>
-          <a:bodyPr>
-            <a:normAutofit/>
-          </a:bodyPr>
-          <a:lstStyle/>
-          <a:p>
-            <a:r>
-              <a:rPr lang="en-US" sz="2000" b="0" i="0" dirty="0">
-                <a:solidFill>
-                  <a:srgbClr val="222222"/>
-                </a:solidFill>
-                <a:effectLst/>
-                <a:latin typeface="-apple-system"/>
-              </a:rPr>
-              <a:t>The Python Assignment Operators are handy to assign the values to the declared variables. Equals (=) operator is the most commonly used assignment operator in Python. For example: </a:t>
-            </a:r>
-            <a:r>
-              <a:rPr lang="en-US" sz="2000" b="0" i="0" dirty="0" err="1">
-                <a:solidFill>
-                  <a:srgbClr val="222222"/>
-                </a:solidFill>
-                <a:effectLst/>
-                <a:latin typeface="-apple-system"/>
-              </a:rPr>
-              <a:t>i</a:t>
-            </a:r>
-            <a:r>
-              <a:rPr lang="en-US" sz="2000" b="0" i="0" dirty="0">
-                <a:solidFill>
-                  <a:srgbClr val="222222"/>
-                </a:solidFill>
-                <a:effectLst/>
-                <a:latin typeface="-apple-system"/>
-              </a:rPr>
-              <a:t> =10</a:t>
-            </a:r>
-          </a:p>
-          <a:p>
-            <a:endParaRPr lang="en-IN" sz="2000" dirty="0"/>
-          </a:p>
-        </p:txBody>
-      </p:sp>
-      <p:pic>
-        <p:nvPicPr>
-          <p:cNvPr id="6" name="Picture 5">
-            <a:extLst>
-              <a:ext uri="{FF2B5EF4-FFF2-40B4-BE49-F238E27FC236}">
-                <a16:creationId xmlns:a16="http://schemas.microsoft.com/office/drawing/2014/main" id="{AFF150E4-BC85-40D1-CF21-8126C09EB73D}"/>
-              </a:ext>
-            </a:extLst>
-          </p:cNvPr>
-          <p:cNvPicPr>
-            <a:picLocks noChangeAspect="1"/>
-          </p:cNvPicPr>
-          <p:nvPr/>
-        </p:nvPicPr>
-        <p:blipFill>
-          <a:blip r:embed="rId2"/>
-          <a:stretch>
-            <a:fillRect/>
-          </a:stretch>
-        </p:blipFill>
-        <p:spPr>
-          <a:xfrm>
-            <a:off x="1111623" y="1945340"/>
-            <a:ext cx="10641105" cy="4652683"/>
-          </a:xfrm>
-          <a:prstGeom prst="rect">
-            <a:avLst/>
-          </a:prstGeom>
-        </p:spPr>
-      </p:pic>
     </p:spTree>
     <p:extLst>
       <p:ext uri="{BB962C8B-B14F-4D97-AF65-F5344CB8AC3E}">
-        <p14:creationId xmlns:p14="http://schemas.microsoft.com/office/powerpoint/2010/main" val="1973675536"/>
+        <p14:creationId xmlns:p14="http://schemas.microsoft.com/office/powerpoint/2010/main" val="156366483"/>
       </p:ext>
     </p:extLst>
   </p:cSld>
@@ -4702,7 +8112,7 @@
           <p:cNvPr id="2" name="Title 1">
             <a:extLst>
               <a:ext uri="{FF2B5EF4-FFF2-40B4-BE49-F238E27FC236}">
-                <a16:creationId xmlns:a16="http://schemas.microsoft.com/office/drawing/2014/main" id="{926DFCE3-C5D7-BC13-6EE8-2E6A92F731B1}"/>
+                <a16:creationId xmlns:a16="http://schemas.microsoft.com/office/drawing/2014/main" id="{5AB1BA00-5EF9-93E0-3E86-FC4D2E80F527}"/>
               </a:ext>
             </a:extLst>
           </p:cNvPr>
@@ -4715,25 +8125,24 @@
         </p:nvSpPr>
         <p:spPr>
           <a:xfrm>
-            <a:off x="838200" y="365125"/>
-            <a:ext cx="10515600" cy="800287"/>
+            <a:off x="75414" y="179110"/>
+            <a:ext cx="11877774" cy="501928"/>
           </a:xfrm>
         </p:spPr>
         <p:txBody>
-          <a:bodyPr/>
-          <a:lstStyle/>
-          <a:p>
-            <a:r>
-              <a:rPr lang="en-IN" b="0" i="0" dirty="0">
-                <a:solidFill>
-                  <a:srgbClr val="222222"/>
-                </a:solidFill>
-                <a:effectLst/>
-                <a:latin typeface="-apple-system"/>
-              </a:rPr>
-              <a:t>Python Bitwise Operators</a:t>
-            </a:r>
-            <a:endParaRPr lang="en-IN" dirty="0"/>
+          <a:bodyPr>
+            <a:normAutofit fontScale="90000"/>
+          </a:bodyPr>
+          <a:lstStyle/>
+          <a:p>
+            <a:pPr algn="just"/>
+            <a:r>
+              <a:rPr lang="en-US" b="1" i="0" dirty="0">
+                <a:effectLst/>
+                <a:latin typeface="erdana"/>
+              </a:rPr>
+              <a:t>Declaring Variable and Assigning Values</a:t>
+            </a:r>
           </a:p>
         </p:txBody>
       </p:sp>
@@ -4742,7 +8151,7 @@
           <p:cNvPr id="3" name="Content Placeholder 2">
             <a:extLst>
               <a:ext uri="{FF2B5EF4-FFF2-40B4-BE49-F238E27FC236}">
-                <a16:creationId xmlns:a16="http://schemas.microsoft.com/office/drawing/2014/main" id="{F7953823-1E31-4B6C-2F60-B41CC7643869}"/>
+                <a16:creationId xmlns:a16="http://schemas.microsoft.com/office/drawing/2014/main" id="{E032DE1F-B025-5BEE-8915-7E9B2E1CA311}"/>
               </a:ext>
             </a:extLst>
           </p:cNvPr>
@@ -4755,37 +8164,52 @@
         </p:nvSpPr>
         <p:spPr>
           <a:xfrm>
-            <a:off x="838200" y="1290918"/>
-            <a:ext cx="10515600" cy="5271247"/>
+            <a:off x="75414" y="895546"/>
+            <a:ext cx="11877774" cy="5783344"/>
           </a:xfrm>
         </p:spPr>
         <p:txBody>
-          <a:bodyPr/>
-          <a:lstStyle/>
-          <a:p>
-            <a:pPr algn="l"/>
-            <a:r>
-              <a:rPr lang="en-US" sz="2000" b="0" i="0" dirty="0">
+          <a:bodyPr>
+            <a:normAutofit/>
+          </a:bodyPr>
+          <a:lstStyle/>
+          <a:p>
+            <a:pPr algn="just"/>
+            <a:r>
+              <a:rPr lang="en-US" b="0" i="0" dirty="0">
                 <a:solidFill>
-                  <a:srgbClr val="222222"/>
+                  <a:srgbClr val="333333"/>
                 </a:solidFill>
                 <a:effectLst/>
-                <a:latin typeface="-apple-system"/>
-              </a:rPr>
-              <a:t>Python Bitwise operators help perform bit operations. All the decimal values will convert into binary values (bits sequence, i.e., 0100, 1100, 1000, 1001, etc.). Next, the Python bitwise operators work on these bits, such as shifting left to right or transforming bit values from 0 to 1 and vice versa.</a:t>
-            </a:r>
-          </a:p>
-          <a:p>
-            <a:pPr algn="l"/>
-            <a:r>
-              <a:rPr lang="en-US" sz="2000" b="0" i="0" dirty="0">
+                <a:latin typeface="inter-regular"/>
+              </a:rPr>
+              <a:t>Python does not bind us to declare a variable before using it in the application. It allows us to create a variable at the required time.</a:t>
+            </a:r>
+          </a:p>
+          <a:p>
+            <a:pPr algn="just"/>
+            <a:r>
+              <a:rPr lang="en-US" b="0" i="0" dirty="0">
                 <a:solidFill>
-                  <a:srgbClr val="222222"/>
+                  <a:srgbClr val="333333"/>
                 </a:solidFill>
                 <a:effectLst/>
-                <a:latin typeface="-apple-system"/>
-              </a:rPr>
-              <a:t>The next table shows the different Python Bitwise operators and their meaning. For example, Consider x = 6 and y = 8 and their values in binary form are: x = 0110 and y = 1000</a:t>
+                <a:latin typeface="inter-regular"/>
+              </a:rPr>
+              <a:t>We don't need to declare explicitly variable in Python. When we assign any value to the variable, that variable is declared automatically.</a:t>
+            </a:r>
+          </a:p>
+          <a:p>
+            <a:pPr algn="just"/>
+            <a:r>
+              <a:rPr lang="en-US" b="0" i="0" dirty="0">
+                <a:solidFill>
+                  <a:srgbClr val="333333"/>
+                </a:solidFill>
+                <a:effectLst/>
+                <a:latin typeface="inter-regular"/>
+              </a:rPr>
+              <a:t>The equal (=) operator is used to assign value to a variable.</a:t>
             </a:r>
           </a:p>
           <a:p>
@@ -4793,40 +8217,10 @@
           </a:p>
         </p:txBody>
       </p:sp>
-      <p:pic>
-        <p:nvPicPr>
-          <p:cNvPr id="5" name="Picture 4">
-            <a:extLst>
-              <a:ext uri="{FF2B5EF4-FFF2-40B4-BE49-F238E27FC236}">
-                <a16:creationId xmlns:a16="http://schemas.microsoft.com/office/drawing/2014/main" id="{5F49187F-F868-A1F8-5B8D-81A1847944CD}"/>
-              </a:ext>
-            </a:extLst>
-          </p:cNvPr>
-          <p:cNvPicPr>
-            <a:picLocks noChangeAspect="1"/>
-          </p:cNvPicPr>
-          <p:nvPr/>
-        </p:nvPicPr>
-        <p:blipFill>
-          <a:blip r:embed="rId2"/>
-          <a:stretch>
-            <a:fillRect/>
-          </a:stretch>
-        </p:blipFill>
-        <p:spPr>
-          <a:xfrm>
-            <a:off x="2689412" y="3199661"/>
-            <a:ext cx="6291074" cy="3102808"/>
-          </a:xfrm>
-          <a:prstGeom prst="rect">
-            <a:avLst/>
-          </a:prstGeom>
-        </p:spPr>
-      </p:pic>
     </p:spTree>
     <p:extLst>
       <p:ext uri="{BB962C8B-B14F-4D97-AF65-F5344CB8AC3E}">
-        <p14:creationId xmlns:p14="http://schemas.microsoft.com/office/powerpoint/2010/main" val="2209909154"/>
+        <p14:creationId xmlns:p14="http://schemas.microsoft.com/office/powerpoint/2010/main" val="3321025238"/>
       </p:ext>
     </p:extLst>
   </p:cSld>
@@ -4858,7 +8252,7 @@
           <p:cNvPr id="2" name="Title 1">
             <a:extLst>
               <a:ext uri="{FF2B5EF4-FFF2-40B4-BE49-F238E27FC236}">
-                <a16:creationId xmlns:a16="http://schemas.microsoft.com/office/drawing/2014/main" id="{6BD68F07-20A9-3632-CC7B-DFEBDEC0AFA3}"/>
+                <a16:creationId xmlns:a16="http://schemas.microsoft.com/office/drawing/2014/main" id="{5AB1BA00-5EF9-93E0-3E86-FC4D2E80F527}"/>
               </a:ext>
             </a:extLst>
           </p:cNvPr>
@@ -4871,8 +8265,47 @@
         </p:nvSpPr>
         <p:spPr>
           <a:xfrm>
-            <a:off x="838200" y="365126"/>
-            <a:ext cx="10515600" cy="818216"/>
+            <a:off x="75414" y="179110"/>
+            <a:ext cx="11877774" cy="501928"/>
+          </a:xfrm>
+        </p:spPr>
+        <p:txBody>
+          <a:bodyPr>
+            <a:normAutofit fontScale="90000"/>
+          </a:bodyPr>
+          <a:lstStyle/>
+          <a:p>
+            <a:pPr algn="just"/>
+            <a:r>
+              <a:rPr lang="en-IN" b="1" i="0" dirty="0">
+                <a:effectLst/>
+                <a:latin typeface="erdana"/>
+              </a:rPr>
+              <a:t>Object References</a:t>
+            </a:r>
+          </a:p>
+        </p:txBody>
+      </p:sp>
+      <p:sp>
+        <p:nvSpPr>
+          <p:cNvPr id="3" name="Content Placeholder 2">
+            <a:extLst>
+              <a:ext uri="{FF2B5EF4-FFF2-40B4-BE49-F238E27FC236}">
+                <a16:creationId xmlns:a16="http://schemas.microsoft.com/office/drawing/2014/main" id="{E032DE1F-B025-5BEE-8915-7E9B2E1CA311}"/>
+              </a:ext>
+            </a:extLst>
+          </p:cNvPr>
+          <p:cNvSpPr>
+            <a:spLocks noGrp="1"/>
+          </p:cNvSpPr>
+          <p:nvPr>
+            <p:ph idx="1"/>
+          </p:nvPr>
+        </p:nvSpPr>
+        <p:spPr>
+          <a:xfrm>
+            <a:off x="75414" y="895546"/>
+            <a:ext cx="11877774" cy="5783344"/>
           </a:xfrm>
         </p:spPr>
         <p:txBody>
@@ -4881,96 +8314,163 @@
           </a:bodyPr>
           <a:lstStyle/>
           <a:p>
+            <a:pPr algn="just"/>
+            <a:r>
+              <a:rPr lang="en-US" b="0" i="0" dirty="0">
+                <a:solidFill>
+                  <a:srgbClr val="333333"/>
+                </a:solidFill>
+                <a:effectLst/>
+                <a:latin typeface="inter-regular"/>
+              </a:rPr>
+              <a:t>It is necessary to understand how the Python interpreter works when we declare a variable. The process of treating variables is somewhat different from many other programming languages.</a:t>
+            </a:r>
+          </a:p>
+          <a:p>
+            <a:pPr algn="just"/>
+            <a:r>
+              <a:rPr lang="en-US" b="0" i="0" dirty="0">
+                <a:solidFill>
+                  <a:srgbClr val="333333"/>
+                </a:solidFill>
+                <a:effectLst/>
+                <a:latin typeface="inter-regular"/>
+              </a:rPr>
+              <a:t>Python is the highly object-oriented programming language; that's why every data item belongs to a specific type of class.</a:t>
+            </a:r>
             <a:r>
               <a:rPr lang="en-IN" b="0" i="0" dirty="0">
                 <a:solidFill>
-                  <a:srgbClr val="222222"/>
+                  <a:srgbClr val="333333"/>
                 </a:solidFill>
                 <a:effectLst/>
-                <a:latin typeface="-apple-system"/>
-              </a:rPr>
-              <a:t>Python Bitwise Operators Cont.</a:t>
-            </a:r>
-            <a:endParaRPr lang="en-IN" dirty="0"/>
-          </a:p>
-        </p:txBody>
-      </p:sp>
-      <p:sp>
-        <p:nvSpPr>
-          <p:cNvPr id="4" name="Content Placeholder 3">
-            <a:extLst>
-              <a:ext uri="{FF2B5EF4-FFF2-40B4-BE49-F238E27FC236}">
-                <a16:creationId xmlns:a16="http://schemas.microsoft.com/office/drawing/2014/main" id="{BAAB7FE6-2D98-D287-358A-A018B3D1F5B9}"/>
-              </a:ext>
-            </a:extLst>
-          </p:cNvPr>
-          <p:cNvSpPr>
-            <a:spLocks noGrp="1"/>
-          </p:cNvSpPr>
-          <p:nvPr>
-            <p:ph idx="1"/>
-          </p:nvPr>
-        </p:nvSpPr>
-        <p:spPr>
-          <a:xfrm>
-            <a:off x="838200" y="1299882"/>
-            <a:ext cx="10515600" cy="4877081"/>
-          </a:xfrm>
-        </p:spPr>
-        <p:txBody>
-          <a:bodyPr/>
-          <a:lstStyle/>
-          <a:p>
-            <a:r>
-              <a:rPr lang="en-US" b="0" i="0" dirty="0">
+                <a:latin typeface="inter-regular"/>
+              </a:rPr>
+              <a:t> Consider the following example.</a:t>
+            </a:r>
+          </a:p>
+          <a:p>
+            <a:pPr algn="just"/>
+            <a:r>
+              <a:rPr lang="en-IN" b="0" i="0" dirty="0">
                 <a:solidFill>
-                  <a:srgbClr val="222222"/>
+                  <a:srgbClr val="000000"/>
                 </a:solidFill>
                 <a:effectLst/>
-                <a:latin typeface="-apple-system"/>
-              </a:rPr>
-              <a:t>The Truth Table behind Python Bitwise Operators is:</a:t>
-            </a:r>
-          </a:p>
-          <a:p>
-            <a:endParaRPr lang="en-IN" dirty="0"/>
-          </a:p>
-        </p:txBody>
-      </p:sp>
-      <p:pic>
-        <p:nvPicPr>
-          <p:cNvPr id="6" name="Picture 5">
-            <a:extLst>
-              <a:ext uri="{FF2B5EF4-FFF2-40B4-BE49-F238E27FC236}">
-                <a16:creationId xmlns:a16="http://schemas.microsoft.com/office/drawing/2014/main" id="{925C3E5B-1F10-2935-814F-864F5AC59DB0}"/>
-              </a:ext>
-            </a:extLst>
-          </p:cNvPr>
-          <p:cNvPicPr>
-            <a:picLocks noChangeAspect="1"/>
-          </p:cNvPicPr>
-          <p:nvPr/>
-        </p:nvPicPr>
-        <p:blipFill>
-          <a:blip r:embed="rId2"/>
-          <a:stretch>
-            <a:fillRect/>
-          </a:stretch>
-        </p:blipFill>
-        <p:spPr>
-          <a:xfrm>
-            <a:off x="2373307" y="2240177"/>
-            <a:ext cx="7445385" cy="2377646"/>
-          </a:xfrm>
-          <a:prstGeom prst="rect">
-            <a:avLst/>
-          </a:prstGeom>
-        </p:spPr>
-      </p:pic>
+                <a:latin typeface="inter-regular"/>
+              </a:rPr>
+              <a:t>print(</a:t>
+            </a:r>
+            <a:r>
+              <a:rPr lang="en-IN" b="0" i="0" dirty="0">
+                <a:solidFill>
+                  <a:srgbClr val="0000FF"/>
+                </a:solidFill>
+                <a:effectLst/>
+                <a:latin typeface="inter-regular"/>
+              </a:rPr>
+              <a:t>"John"</a:t>
+            </a:r>
+            <a:r>
+              <a:rPr lang="en-IN" b="0" i="0" dirty="0">
+                <a:solidFill>
+                  <a:srgbClr val="000000"/>
+                </a:solidFill>
+                <a:effectLst/>
+                <a:latin typeface="inter-regular"/>
+              </a:rPr>
+              <a:t>)</a:t>
+            </a:r>
+            <a:endParaRPr lang="en-US" b="0" i="0" dirty="0">
+              <a:solidFill>
+                <a:srgbClr val="333333"/>
+              </a:solidFill>
+              <a:effectLst/>
+              <a:latin typeface="inter-regular"/>
+            </a:endParaRPr>
+          </a:p>
+          <a:p>
+            <a:r>
+              <a:rPr lang="en-US" b="0" i="0" dirty="0">
+                <a:solidFill>
+                  <a:srgbClr val="333333"/>
+                </a:solidFill>
+                <a:effectLst/>
+                <a:latin typeface="inter-regular"/>
+              </a:rPr>
+              <a:t>The Python object creates an integer object and displays it to the console. In the above print statement, we have created a string object. Let's check the type of it using the Python built-in </a:t>
+            </a:r>
+            <a:r>
+              <a:rPr lang="en-US" b="1" i="0" dirty="0">
+                <a:solidFill>
+                  <a:srgbClr val="333333"/>
+                </a:solidFill>
+                <a:effectLst/>
+                <a:latin typeface="inter-bold"/>
+              </a:rPr>
+              <a:t>type()</a:t>
+            </a:r>
+            <a:r>
+              <a:rPr lang="en-US" b="0" i="0" dirty="0">
+                <a:solidFill>
+                  <a:srgbClr val="333333"/>
+                </a:solidFill>
+                <a:effectLst/>
+                <a:latin typeface="inter-regular"/>
+              </a:rPr>
+              <a:t> function.</a:t>
+            </a:r>
+          </a:p>
+          <a:p>
+            <a:r>
+              <a:rPr lang="en-IN" b="0" i="0" dirty="0">
+                <a:solidFill>
+                  <a:srgbClr val="000000"/>
+                </a:solidFill>
+                <a:effectLst/>
+                <a:latin typeface="inter-regular"/>
+              </a:rPr>
+              <a:t>type(</a:t>
+            </a:r>
+            <a:r>
+              <a:rPr lang="en-IN" b="0" i="0" dirty="0">
+                <a:solidFill>
+                  <a:srgbClr val="0000FF"/>
+                </a:solidFill>
+                <a:effectLst/>
+                <a:latin typeface="inter-regular"/>
+              </a:rPr>
+              <a:t>"John"</a:t>
+            </a:r>
+            <a:r>
+              <a:rPr lang="en-IN" b="0" i="0" dirty="0">
+                <a:solidFill>
+                  <a:srgbClr val="000000"/>
+                </a:solidFill>
+                <a:effectLst/>
+                <a:latin typeface="inter-regular"/>
+              </a:rPr>
+              <a:t>)  </a:t>
+            </a:r>
+          </a:p>
+          <a:p>
+            <a:r>
+              <a:rPr lang="en-US" b="0" i="0" dirty="0">
+                <a:solidFill>
+                  <a:srgbClr val="333333"/>
+                </a:solidFill>
+                <a:effectLst/>
+                <a:latin typeface="inter-regular"/>
+              </a:rPr>
+              <a:t>In Python, variables are a symbolic name that is a reference or pointer to an object. The variables are used to denote objects by that name.</a:t>
+            </a:r>
+          </a:p>
+        </p:txBody>
+      </p:sp>
     </p:spTree>
     <p:extLst>
       <p:ext uri="{BB962C8B-B14F-4D97-AF65-F5344CB8AC3E}">
-        <p14:creationId xmlns:p14="http://schemas.microsoft.com/office/powerpoint/2010/main" val="813519638"/>
+        <p14:creationId xmlns:p14="http://schemas.microsoft.com/office/powerpoint/2010/main" val="1243085798"/>
       </p:ext>
     </p:extLst>
   </p:cSld>
